--- a/RTOS-13 synchronization.pptx
+++ b/RTOS-13 synchronization.pptx
@@ -5,7 +5,7 @@
     <p:sldMasterId id="2147483648" r:id="rId1"/>
   </p:sldMasterIdLst>
   <p:notesMasterIdLst>
-    <p:notesMasterId r:id="rId51"/>
+    <p:notesMasterId r:id="rId59"/>
   </p:notesMasterIdLst>
   <p:sldIdLst>
     <p:sldId id="257" r:id="rId2"/>
@@ -32,31 +32,39 @@
     <p:sldId id="304" r:id="rId23"/>
     <p:sldId id="305" r:id="rId24"/>
     <p:sldId id="298" r:id="rId25"/>
-    <p:sldId id="287" r:id="rId26"/>
-    <p:sldId id="288" r:id="rId27"/>
-    <p:sldId id="289" r:id="rId28"/>
-    <p:sldId id="290" r:id="rId29"/>
-    <p:sldId id="291" r:id="rId30"/>
-    <p:sldId id="292" r:id="rId31"/>
-    <p:sldId id="293" r:id="rId32"/>
-    <p:sldId id="294" r:id="rId33"/>
-    <p:sldId id="295" r:id="rId34"/>
-    <p:sldId id="296" r:id="rId35"/>
-    <p:sldId id="297" r:id="rId36"/>
-    <p:sldId id="283" r:id="rId37"/>
-    <p:sldId id="270" r:id="rId38"/>
-    <p:sldId id="269" r:id="rId39"/>
-    <p:sldId id="271" r:id="rId40"/>
-    <p:sldId id="272" r:id="rId41"/>
-    <p:sldId id="273" r:id="rId42"/>
-    <p:sldId id="274" r:id="rId43"/>
-    <p:sldId id="275" r:id="rId44"/>
-    <p:sldId id="276" r:id="rId45"/>
-    <p:sldId id="278" r:id="rId46"/>
-    <p:sldId id="279" r:id="rId47"/>
-    <p:sldId id="280" r:id="rId48"/>
-    <p:sldId id="281" r:id="rId49"/>
-    <p:sldId id="282" r:id="rId50"/>
+    <p:sldId id="306" r:id="rId26"/>
+    <p:sldId id="307" r:id="rId27"/>
+    <p:sldId id="287" r:id="rId28"/>
+    <p:sldId id="309" r:id="rId29"/>
+    <p:sldId id="288" r:id="rId30"/>
+    <p:sldId id="308" r:id="rId31"/>
+    <p:sldId id="310" r:id="rId32"/>
+    <p:sldId id="311" r:id="rId33"/>
+    <p:sldId id="315" r:id="rId34"/>
+    <p:sldId id="312" r:id="rId35"/>
+    <p:sldId id="313" r:id="rId36"/>
+    <p:sldId id="314" r:id="rId37"/>
+    <p:sldId id="289" r:id="rId38"/>
+    <p:sldId id="316" r:id="rId39"/>
+    <p:sldId id="293" r:id="rId40"/>
+    <p:sldId id="294" r:id="rId41"/>
+    <p:sldId id="295" r:id="rId42"/>
+    <p:sldId id="296" r:id="rId43"/>
+    <p:sldId id="297" r:id="rId44"/>
+    <p:sldId id="283" r:id="rId45"/>
+    <p:sldId id="270" r:id="rId46"/>
+    <p:sldId id="269" r:id="rId47"/>
+    <p:sldId id="271" r:id="rId48"/>
+    <p:sldId id="272" r:id="rId49"/>
+    <p:sldId id="273" r:id="rId50"/>
+    <p:sldId id="274" r:id="rId51"/>
+    <p:sldId id="275" r:id="rId52"/>
+    <p:sldId id="276" r:id="rId53"/>
+    <p:sldId id="278" r:id="rId54"/>
+    <p:sldId id="279" r:id="rId55"/>
+    <p:sldId id="280" r:id="rId56"/>
+    <p:sldId id="281" r:id="rId57"/>
+    <p:sldId id="282" r:id="rId58"/>
   </p:sldIdLst>
   <p:sldSz cx="9144000" cy="6858000" type="screen4x3"/>
   <p:notesSz cx="6858000" cy="9144000"/>
@@ -240,7 +248,8 @@
           <a:p>
             <a:fld id="{2ACCEA9B-715E-4B93-8B89-8788E1530A12}" type="datetimeFigureOut">
               <a:rPr lang="en-US" smtClean="0"/>
-              <a:t>4/9/2017</a:t>
+              <a:pPr/>
+              <a:t>4/10/2017</a:t>
             </a:fld>
             <a:endParaRPr lang="en-US"/>
           </a:p>
@@ -401,6 +410,7 @@
           <a:p>
             <a:fld id="{8CC43461-BD7B-48CC-A2F1-DF620CC468B5}" type="slidenum">
               <a:rPr lang="en-US" smtClean="0"/>
+              <a:pPr/>
               <a:t>‹#›</a:t>
             </a:fld>
             <a:endParaRPr lang="en-US"/>
@@ -572,6 +582,7 @@
           <a:p>
             <a:fld id="{8CC43461-BD7B-48CC-A2F1-DF620CC468B5}" type="slidenum">
               <a:rPr lang="en-US" smtClean="0"/>
+              <a:pPr/>
               <a:t>16</a:t>
             </a:fld>
             <a:endParaRPr lang="en-US"/>
@@ -768,7 +779,7 @@
             <a:fld id="{64ED5D24-8FBA-458C-9868-C5185627A5A5}" type="datetimeFigureOut">
               <a:rPr lang="en-US" smtClean="0"/>
               <a:pPr/>
-              <a:t>4/9/2017</a:t>
+              <a:t>4/10/2017</a:t>
             </a:fld>
             <a:endParaRPr lang="en-US"/>
           </a:p>
@@ -935,7 +946,7 @@
             <a:fld id="{64ED5D24-8FBA-458C-9868-C5185627A5A5}" type="datetimeFigureOut">
               <a:rPr lang="en-US" smtClean="0"/>
               <a:pPr/>
-              <a:t>4/9/2017</a:t>
+              <a:t>4/10/2017</a:t>
             </a:fld>
             <a:endParaRPr lang="en-US"/>
           </a:p>
@@ -1112,7 +1123,7 @@
             <a:fld id="{64ED5D24-8FBA-458C-9868-C5185627A5A5}" type="datetimeFigureOut">
               <a:rPr lang="en-US" smtClean="0"/>
               <a:pPr/>
-              <a:t>4/9/2017</a:t>
+              <a:t>4/10/2017</a:t>
             </a:fld>
             <a:endParaRPr lang="en-US"/>
           </a:p>
@@ -1279,7 +1290,7 @@
             <a:fld id="{64ED5D24-8FBA-458C-9868-C5185627A5A5}" type="datetimeFigureOut">
               <a:rPr lang="en-US" smtClean="0"/>
               <a:pPr/>
-              <a:t>4/9/2017</a:t>
+              <a:t>4/10/2017</a:t>
             </a:fld>
             <a:endParaRPr lang="en-US"/>
           </a:p>
@@ -1522,7 +1533,7 @@
             <a:fld id="{64ED5D24-8FBA-458C-9868-C5185627A5A5}" type="datetimeFigureOut">
               <a:rPr lang="en-US" smtClean="0"/>
               <a:pPr/>
-              <a:t>4/9/2017</a:t>
+              <a:t>4/10/2017</a:t>
             </a:fld>
             <a:endParaRPr lang="en-US"/>
           </a:p>
@@ -1807,7 +1818,7 @@
             <a:fld id="{64ED5D24-8FBA-458C-9868-C5185627A5A5}" type="datetimeFigureOut">
               <a:rPr lang="en-US" smtClean="0"/>
               <a:pPr/>
-              <a:t>4/9/2017</a:t>
+              <a:t>4/10/2017</a:t>
             </a:fld>
             <a:endParaRPr lang="en-US"/>
           </a:p>
@@ -2226,7 +2237,7 @@
             <a:fld id="{64ED5D24-8FBA-458C-9868-C5185627A5A5}" type="datetimeFigureOut">
               <a:rPr lang="en-US" smtClean="0"/>
               <a:pPr/>
-              <a:t>4/9/2017</a:t>
+              <a:t>4/10/2017</a:t>
             </a:fld>
             <a:endParaRPr lang="en-US"/>
           </a:p>
@@ -2341,7 +2352,7 @@
             <a:fld id="{64ED5D24-8FBA-458C-9868-C5185627A5A5}" type="datetimeFigureOut">
               <a:rPr lang="en-US" smtClean="0"/>
               <a:pPr/>
-              <a:t>4/9/2017</a:t>
+              <a:t>4/10/2017</a:t>
             </a:fld>
             <a:endParaRPr lang="en-US"/>
           </a:p>
@@ -2433,7 +2444,7 @@
             <a:fld id="{64ED5D24-8FBA-458C-9868-C5185627A5A5}" type="datetimeFigureOut">
               <a:rPr lang="en-US" smtClean="0"/>
               <a:pPr/>
-              <a:t>4/9/2017</a:t>
+              <a:t>4/10/2017</a:t>
             </a:fld>
             <a:endParaRPr lang="en-US"/>
           </a:p>
@@ -2707,7 +2718,7 @@
             <a:fld id="{64ED5D24-8FBA-458C-9868-C5185627A5A5}" type="datetimeFigureOut">
               <a:rPr lang="en-US" smtClean="0"/>
               <a:pPr/>
-              <a:t>4/9/2017</a:t>
+              <a:t>4/10/2017</a:t>
             </a:fld>
             <a:endParaRPr lang="en-US"/>
           </a:p>
@@ -2957,7 +2968,7 @@
             <a:fld id="{64ED5D24-8FBA-458C-9868-C5185627A5A5}" type="datetimeFigureOut">
               <a:rPr lang="en-US" smtClean="0"/>
               <a:pPr/>
-              <a:t>4/9/2017</a:t>
+              <a:t>4/10/2017</a:t>
             </a:fld>
             <a:endParaRPr lang="en-US"/>
           </a:p>
@@ -3185,7 +3196,7 @@
             <a:fld id="{64ED5D24-8FBA-458C-9868-C5185627A5A5}" type="datetimeFigureOut">
               <a:rPr lang="en-US" smtClean="0"/>
               <a:pPr/>
-              <a:t>4/9/2017</a:t>
+              <a:t>4/10/2017</a:t>
             </a:fld>
             <a:endParaRPr lang="en-US"/>
           </a:p>
@@ -4420,49 +4431,16 @@
           <a:p>
             <a:r>
               <a:rPr lang="en-US" dirty="0" smtClean="0"/>
-              <a:t>A  NASA </a:t>
-            </a:r>
-            <a:r>
-              <a:rPr lang="en-US" dirty="0" smtClean="0"/>
-              <a:t>space probe that landed a robot, </a:t>
-            </a:r>
-            <a:r>
-              <a:rPr lang="en-US" dirty="0" smtClean="0"/>
-              <a:t>the  Sojourner rover </a:t>
-            </a:r>
-            <a:r>
-              <a:rPr lang="en-US" dirty="0" smtClean="0"/>
-              <a:t>on Mars in 1997 to conduct experiments. </a:t>
-            </a:r>
+              <a:t>A  NASA space probe that landed a robot, the  Sojourner rover on Mars in 1997 to conduct experiments. </a:t>
+            </a:r>
+          </a:p>
+          <a:p>
             <a:endParaRPr lang="en-US" dirty="0" smtClean="0"/>
           </a:p>
           <a:p>
-            <a:endParaRPr lang="en-US" dirty="0" smtClean="0"/>
-          </a:p>
-          <a:p>
-            <a:r>
-              <a:rPr lang="en-US" dirty="0" smtClean="0"/>
-              <a:t>Shortly </a:t>
-            </a:r>
-            <a:r>
-              <a:rPr lang="en-US" dirty="0" smtClean="0"/>
-              <a:t>after </a:t>
-            </a:r>
-            <a:r>
-              <a:rPr lang="en-US" dirty="0" smtClean="0"/>
-              <a:t>the Sojourner </a:t>
-            </a:r>
-            <a:r>
-              <a:rPr lang="en-US" dirty="0" smtClean="0"/>
-              <a:t>began operating, it started to </a:t>
-            </a:r>
-            <a:r>
-              <a:rPr lang="en-US" dirty="0" smtClean="0"/>
-              <a:t>experience </a:t>
-            </a:r>
-            <a:r>
-              <a:rPr lang="en-US" dirty="0" smtClean="0"/>
-              <a:t>frequent computer resets.</a:t>
+            <a:r>
+              <a:rPr lang="en-US" dirty="0" smtClean="0"/>
+              <a:t>Shortly after the Sojourner began operating, it started to experience frequent computer resets.</a:t>
             </a:r>
           </a:p>
           <a:p>
@@ -4495,43 +4473,7 @@
             </a:r>
             <a:r>
               <a:rPr lang="en-US" dirty="0" smtClean="0"/>
-              <a:t>,“ was </a:t>
-            </a:r>
-            <a:r>
-              <a:rPr lang="en-US" dirty="0" smtClean="0"/>
-              <a:t>taking </a:t>
-            </a:r>
-            <a:r>
-              <a:rPr lang="en-US" dirty="0" smtClean="0"/>
-              <a:t>longer than </a:t>
-            </a:r>
-            <a:r>
-              <a:rPr lang="en-US" dirty="0" smtClean="0"/>
-              <a:t>expected to complete its work. This task was </a:t>
-            </a:r>
-            <a:r>
-              <a:rPr lang="en-US" dirty="0" smtClean="0"/>
-              <a:t>being forced </a:t>
-            </a:r>
-            <a:r>
-              <a:rPr lang="en-US" dirty="0" smtClean="0"/>
-              <a:t>to wait for a shared resource that was held by the </a:t>
-            </a:r>
-            <a:r>
-              <a:rPr lang="en-US" dirty="0" smtClean="0"/>
-              <a:t>lower-priority "ASI/MET</a:t>
-            </a:r>
-            <a:r>
-              <a:rPr lang="en-US" dirty="0" smtClean="0"/>
-              <a:t>" task, which in turn was preempted by multiple </a:t>
-            </a:r>
-            <a:r>
-              <a:rPr lang="en-US" dirty="0" smtClean="0"/>
-              <a:t>medium-priority tasks</a:t>
-            </a:r>
-            <a:r>
-              <a:rPr lang="en-US" dirty="0" smtClean="0"/>
-              <a:t>. The "</a:t>
+              <a:t>,“ was taking longer than expected to complete its work. This task was being forced to wait for a shared resource that was held by the lower-priority "ASI/MET" task, which in turn was preempted by multiple medium-priority tasks. The "</a:t>
             </a:r>
             <a:r>
               <a:rPr lang="en-US" dirty="0" err="1" smtClean="0"/>
@@ -4539,15 +4481,7 @@
             </a:r>
             <a:r>
               <a:rPr lang="en-US" dirty="0" smtClean="0"/>
-              <a:t>" task would stall waiting for the shared resource, </a:t>
-            </a:r>
-            <a:r>
-              <a:rPr lang="en-US" dirty="0" smtClean="0"/>
-              <a:t>and  ultimately </a:t>
-            </a:r>
-            <a:r>
-              <a:rPr lang="en-US" dirty="0" smtClean="0"/>
-              <a:t>the "</a:t>
+              <a:t>" task would stall waiting for the shared resource, and  ultimately the "</a:t>
             </a:r>
             <a:r>
               <a:rPr lang="en-US" dirty="0" err="1" smtClean="0"/>
@@ -4562,15 +4496,7 @@
             <a:pPr algn="just"/>
             <a:r>
               <a:rPr lang="en-US" dirty="0" smtClean="0"/>
-              <a:t>reset. The Sojourner was suffering from a typical case of priority </a:t>
-            </a:r>
-            <a:r>
-              <a:rPr lang="en-US" dirty="0" smtClean="0"/>
-              <a:t>inversion.   The </a:t>
-            </a:r>
-            <a:r>
-              <a:rPr lang="en-US" dirty="0" smtClean="0"/>
-              <a:t>operating system on the Sojourner was </a:t>
+              <a:t>reset. The Sojourner was suffering from a typical case of priority inversion.   The operating system on the Sojourner was </a:t>
             </a:r>
             <a:r>
               <a:rPr lang="en-US" dirty="0" err="1" smtClean="0"/>
@@ -4578,31 +4504,7 @@
             </a:r>
             <a:r>
               <a:rPr lang="en-US" dirty="0" smtClean="0"/>
-              <a:t> </a:t>
-            </a:r>
-            <a:r>
-              <a:rPr lang="en-US" dirty="0" smtClean="0"/>
-              <a:t> which </a:t>
-            </a:r>
-            <a:r>
-              <a:rPr lang="en-US" dirty="0" smtClean="0"/>
-              <a:t>had a global variable to enable priority inheritance on all </a:t>
-            </a:r>
-            <a:r>
-              <a:rPr lang="en-US" dirty="0" smtClean="0"/>
-              <a:t>semaphores. After </a:t>
-            </a:r>
-            <a:r>
-              <a:rPr lang="en-US" dirty="0" smtClean="0"/>
-              <a:t>testing, the variable was set on the Sojourner (on Mars!), and </a:t>
-            </a:r>
-            <a:r>
-              <a:rPr lang="en-US" dirty="0" smtClean="0"/>
-              <a:t>the  problem </a:t>
-            </a:r>
-            <a:r>
-              <a:rPr lang="en-US" dirty="0" smtClean="0"/>
-              <a:t>was solved.</a:t>
+              <a:t>  which had a global variable to enable priority inheritance on all semaphores. After testing, the variable was set on the Sojourner (on Mars!), and the  problem was solved.</a:t>
             </a:r>
             <a:endParaRPr lang="en-US" dirty="0"/>
           </a:p>
@@ -4860,7 +4762,6 @@
               <a:rPr lang="en-US" dirty="0" smtClean="0"/>
               <a:t>Let us consider the Online Reservation system used by Indian Railways. It has many Real time functions</a:t>
             </a:r>
-            <a:endParaRPr lang="en-US" dirty="0" smtClean="0"/>
           </a:p>
           <a:p>
             <a:endParaRPr lang="en-US" dirty="0" smtClean="0"/>
@@ -5127,67 +5028,37 @@
           <a:p>
             <a:r>
               <a:rPr lang="en-US" dirty="0" smtClean="0"/>
-              <a:t>There are two </a:t>
-            </a:r>
-            <a:r>
-              <a:rPr lang="en-US" dirty="0" smtClean="0"/>
-              <a:t>types of processes </a:t>
-            </a:r>
+              <a:t>There are two types of processes </a:t>
+            </a:r>
+          </a:p>
+          <a:p>
+            <a:r>
+              <a:rPr lang="en-US" dirty="0" smtClean="0"/>
+              <a:t>Readers  - Who only wants to read from the data base</a:t>
+            </a:r>
+          </a:p>
+          <a:p>
+            <a:r>
+              <a:rPr lang="en-US" dirty="0" smtClean="0"/>
+              <a:t>Writers   - Who would like to  read and modify the contents on data base</a:t>
+            </a:r>
+          </a:p>
+          <a:p>
             <a:endParaRPr lang="en-US" dirty="0" smtClean="0"/>
           </a:p>
           <a:p>
             <a:r>
               <a:rPr lang="en-US" dirty="0" smtClean="0"/>
-              <a:t>Readers  - Who only wants to read from the data base</a:t>
-            </a:r>
+              <a:t>Two readers can read the concurrently, and this will not cause and problem</a:t>
+            </a:r>
+          </a:p>
+          <a:p>
             <a:endParaRPr lang="en-US" dirty="0" smtClean="0"/>
           </a:p>
           <a:p>
             <a:r>
               <a:rPr lang="en-US" dirty="0" smtClean="0"/>
-              <a:t>Writers   - Who would like to  read and modify the contents on data base</a:t>
-            </a:r>
-          </a:p>
-          <a:p>
-            <a:endParaRPr lang="en-US" dirty="0" smtClean="0"/>
-          </a:p>
-          <a:p>
-            <a:r>
-              <a:rPr lang="en-US" dirty="0" smtClean="0"/>
-              <a:t>Two readers can read the concurrently, and this will not cause and problem</a:t>
-            </a:r>
-          </a:p>
-          <a:p>
-            <a:endParaRPr lang="en-US" dirty="0" smtClean="0"/>
-          </a:p>
-          <a:p>
-            <a:r>
-              <a:rPr lang="en-US" dirty="0" smtClean="0"/>
-              <a:t>However if a  </a:t>
-            </a:r>
-            <a:r>
-              <a:rPr lang="en-US" dirty="0" smtClean="0"/>
-              <a:t>writer and </a:t>
-            </a:r>
-            <a:r>
-              <a:rPr lang="en-US" dirty="0" smtClean="0"/>
-              <a:t>some  other </a:t>
-            </a:r>
-            <a:r>
-              <a:rPr lang="en-US" dirty="0" smtClean="0"/>
-              <a:t>process </a:t>
-            </a:r>
-            <a:r>
-              <a:rPr lang="en-US" dirty="0" smtClean="0"/>
-              <a:t>(</a:t>
-            </a:r>
-            <a:r>
-              <a:rPr lang="en-US" dirty="0" smtClean="0"/>
-              <a:t> </a:t>
-            </a:r>
-            <a:r>
-              <a:rPr lang="en-US" dirty="0" smtClean="0"/>
-              <a:t>who want to read or write) access the database concurrently we  will end  with  inconsistent database </a:t>
+              <a:t>However if a  writer and some  other process ( who want to read or write) access the database concurrently we  will end  with  inconsistent database </a:t>
             </a:r>
             <a:endParaRPr lang="en-US" dirty="0"/>
           </a:p>
@@ -5277,11 +5148,7 @@
           <a:p>
             <a:r>
               <a:rPr lang="en-US" dirty="0" smtClean="0"/>
-              <a:t>Variations of  Reader-writers </a:t>
-            </a:r>
-            <a:r>
-              <a:rPr lang="en-US" dirty="0" smtClean="0"/>
-              <a:t>problem</a:t>
+              <a:t>Variations of  Reader-writers problem</a:t>
             </a:r>
             <a:endParaRPr lang="en-US" dirty="0"/>
           </a:p>
@@ -5324,27 +5191,7 @@
             </a:pPr>
             <a:r>
               <a:rPr lang="en-US" dirty="0" smtClean="0"/>
-              <a:t> </a:t>
-            </a:r>
-            <a:r>
-              <a:rPr lang="en-US" dirty="0" smtClean="0"/>
-              <a:t>None Readers </a:t>
-            </a:r>
-            <a:r>
-              <a:rPr lang="en-US" dirty="0" smtClean="0"/>
-              <a:t>should </a:t>
-            </a:r>
-            <a:r>
-              <a:rPr lang="en-US" dirty="0" smtClean="0"/>
-              <a:t> be made to  wait for  other </a:t>
-            </a:r>
-            <a:r>
-              <a:rPr lang="en-US" dirty="0" smtClean="0"/>
-              <a:t>readers to finish simply because a writer is </a:t>
-            </a:r>
-            <a:r>
-              <a:rPr lang="en-US" dirty="0" smtClean="0"/>
-              <a:t>waiting (</a:t>
+              <a:t> None Readers should  be made to  wait for  other readers to finish simply because a writer is waiting (</a:t>
             </a:r>
             <a:r>
               <a:rPr lang="en-US" b="1" dirty="0" smtClean="0"/>
@@ -5369,19 +5216,7 @@
             </a:pPr>
             <a:r>
               <a:rPr lang="en-US" dirty="0" smtClean="0"/>
-              <a:t>if a writer is waiting to access </a:t>
-            </a:r>
-            <a:r>
-              <a:rPr lang="en-US" dirty="0" smtClean="0"/>
-              <a:t>the object</a:t>
-            </a:r>
-            <a:r>
-              <a:rPr lang="en-US" dirty="0" smtClean="0"/>
-              <a:t>, no new readers may start reading</a:t>
-            </a:r>
-            <a:r>
-              <a:rPr lang="en-US" dirty="0" smtClean="0"/>
-              <a:t>. (</a:t>
+              <a:t>if a writer is waiting to access the object, no new readers may start reading. (</a:t>
             </a:r>
             <a:r>
               <a:rPr lang="en-US" b="1" dirty="0" smtClean="0"/>
@@ -6020,21 +5855,13 @@
             </a:r>
             <a:r>
               <a:rPr lang="en-US" dirty="0" smtClean="0"/>
-              <a:t>  </a:t>
-            </a:r>
-            <a:r>
-              <a:rPr lang="en-US" dirty="0" smtClean="0"/>
-              <a:t>is initialized to 1 </a:t>
-            </a:r>
-          </a:p>
-          <a:p>
-            <a:r>
-              <a:rPr lang="en-US" dirty="0" smtClean="0"/>
-              <a:t> </a:t>
-            </a:r>
-            <a:r>
-              <a:rPr lang="en-US" dirty="0" smtClean="0"/>
-              <a:t>       </a:t>
+              <a:t>  is initialized to 1 </a:t>
+            </a:r>
+          </a:p>
+          <a:p>
+            <a:r>
+              <a:rPr lang="en-US" dirty="0" smtClean="0"/>
+              <a:t>        </a:t>
             </a:r>
             <a:r>
               <a:rPr lang="en-US" b="1" dirty="0" smtClean="0"/>
@@ -6054,17 +5881,8 @@
             </a:r>
             <a:r>
               <a:rPr lang="en-US" dirty="0" smtClean="0"/>
-              <a:t> </a:t>
-            </a:r>
-            <a:r>
-              <a:rPr lang="en-US" dirty="0" smtClean="0"/>
-              <a:t>      is initialized </a:t>
-            </a:r>
-            <a:r>
-              <a:rPr lang="en-US" dirty="0" smtClean="0"/>
-              <a:t>to 1; </a:t>
-            </a:r>
-            <a:endParaRPr lang="en-US" dirty="0" smtClean="0"/>
+              <a:t>       is initialized to 1; </a:t>
+            </a:r>
           </a:p>
           <a:p>
             <a:r>
@@ -6101,33 +5919,16 @@
             </a:r>
             <a:r>
               <a:rPr lang="en-US" dirty="0" smtClean="0"/>
-              <a:t> </a:t>
-            </a:r>
-            <a:r>
-              <a:rPr lang="en-US" dirty="0" smtClean="0"/>
-              <a:t>is </a:t>
-            </a:r>
-            <a:r>
-              <a:rPr lang="en-US" dirty="0" smtClean="0"/>
-              <a:t>initialized  to </a:t>
-            </a:r>
-            <a:r>
-              <a:rPr lang="en-US" dirty="0" smtClean="0"/>
-              <a:t>0. </a:t>
-            </a:r>
+              <a:t> is initialized  to 0. </a:t>
+            </a:r>
+          </a:p>
+          <a:p>
             <a:endParaRPr lang="en-US" dirty="0" smtClean="0"/>
           </a:p>
           <a:p>
-            <a:endParaRPr lang="en-US" dirty="0" smtClean="0"/>
-          </a:p>
-          <a:p>
-            <a:r>
-              <a:rPr lang="en-US" dirty="0" smtClean="0"/>
-              <a:t>The </a:t>
-            </a:r>
-            <a:r>
-              <a:rPr lang="en-US" dirty="0" smtClean="0"/>
-              <a:t>semaphore </a:t>
+            <a:r>
+              <a:rPr lang="en-US" dirty="0" smtClean="0"/>
+              <a:t>The semaphore </a:t>
             </a:r>
             <a:r>
               <a:rPr lang="en-US" i="1" dirty="0" err="1" smtClean="0">
@@ -6139,11 +5940,7 @@
             </a:r>
             <a:r>
               <a:rPr lang="en-US" dirty="0" smtClean="0"/>
-              <a:t> is common to both reader and writer processes</a:t>
-            </a:r>
-            <a:r>
-              <a:rPr lang="en-US" dirty="0" smtClean="0"/>
-              <a:t>.</a:t>
+              <a:t> is common to both reader and writer processes.</a:t>
             </a:r>
           </a:p>
           <a:p>
@@ -6172,11 +5969,7 @@
             </a:r>
             <a:r>
               <a:rPr lang="en-US" dirty="0" smtClean="0"/>
-              <a:t>when the </a:t>
-            </a:r>
-            <a:r>
-              <a:rPr lang="en-US" dirty="0" smtClean="0"/>
-              <a:t>variable  </a:t>
+              <a:t>when the variable  </a:t>
             </a:r>
             <a:r>
               <a:rPr lang="en-US" i="1" dirty="0" err="1" smtClean="0">
@@ -6188,13 +5981,8 @@
             </a:r>
             <a:r>
               <a:rPr lang="en-US" dirty="0" smtClean="0"/>
-              <a:t> </a:t>
-            </a:r>
-            <a:r>
-              <a:rPr lang="en-US" dirty="0" smtClean="0"/>
-              <a:t>is updated. </a:t>
-            </a:r>
-            <a:endParaRPr lang="en-US" dirty="0" smtClean="0"/>
+              <a:t> is updated. </a:t>
+            </a:r>
           </a:p>
           <a:p>
             <a:r>
@@ -6211,17 +5999,8 @@
             </a:r>
             <a:r>
               <a:rPr lang="en-US" dirty="0" smtClean="0"/>
-              <a:t> variable keeps track of how </a:t>
-            </a:r>
-            <a:r>
-              <a:rPr lang="en-US" dirty="0" smtClean="0"/>
-              <a:t>many  processes </a:t>
-            </a:r>
-            <a:r>
-              <a:rPr lang="en-US" dirty="0" smtClean="0"/>
-              <a:t>are currently reading the object. </a:t>
-            </a:r>
-            <a:endParaRPr lang="en-US" dirty="0" smtClean="0"/>
+              <a:t> variable keeps track of how many  processes are currently reading the object. </a:t>
+            </a:r>
           </a:p>
           <a:p>
             <a:r>
@@ -6246,11 +6025,7 @@
             </a:r>
             <a:r>
               <a:rPr lang="en-US" dirty="0" smtClean="0"/>
-              <a:t> functions as </a:t>
-            </a:r>
-            <a:r>
-              <a:rPr lang="en-US" dirty="0" smtClean="0"/>
-              <a:t>a  </a:t>
+              <a:t> functions as a  </a:t>
             </a:r>
             <a:r>
               <a:rPr lang="en-US" b="1" u="sng" dirty="0" smtClean="0"/>
@@ -6258,41 +6033,16 @@
             </a:r>
             <a:r>
               <a:rPr lang="en-US" dirty="0" smtClean="0"/>
-              <a:t> </a:t>
-            </a:r>
-            <a:r>
-              <a:rPr lang="en-US" dirty="0" smtClean="0"/>
-              <a:t>semaphore for the writers. </a:t>
-            </a:r>
+              <a:t> semaphore for the writers. </a:t>
+            </a:r>
+          </a:p>
+          <a:p>
             <a:endParaRPr lang="en-US" dirty="0" smtClean="0"/>
           </a:p>
           <a:p>
-            <a:endParaRPr lang="en-US" dirty="0" smtClean="0"/>
-          </a:p>
-          <a:p>
-            <a:r>
-              <a:rPr lang="en-US" dirty="0" smtClean="0"/>
-              <a:t>It </a:t>
-            </a:r>
-            <a:r>
-              <a:rPr lang="en-US" dirty="0" smtClean="0"/>
-              <a:t>is also used by the first or </a:t>
-            </a:r>
-            <a:r>
-              <a:rPr lang="en-US" dirty="0" smtClean="0"/>
-              <a:t>last reader </a:t>
-            </a:r>
-            <a:r>
-              <a:rPr lang="en-US" dirty="0" smtClean="0"/>
-              <a:t>that enters or exits the critical section. It is not used by readers </a:t>
-            </a:r>
-            <a:r>
-              <a:rPr lang="en-US" dirty="0" smtClean="0"/>
-              <a:t>who enter </a:t>
-            </a:r>
-            <a:r>
-              <a:rPr lang="en-US" dirty="0" smtClean="0"/>
-              <a:t>or exit while other readers are in their critical sections</a:t>
+            <a:r>
+              <a:rPr lang="en-US" dirty="0" smtClean="0"/>
+              <a:t>It is also used by the first or last reader that enters or exits the critical section. It is not used by readers who enter or exit while other readers are in their critical sections</a:t>
             </a:r>
             <a:endParaRPr lang="en-US" dirty="0"/>
           </a:p>
@@ -6369,21 +6119,13 @@
           <a:p>
             <a:r>
               <a:rPr lang="en-US" dirty="0" smtClean="0"/>
-              <a:t> </a:t>
-            </a:r>
-            <a:r>
-              <a:rPr lang="en-US" dirty="0" smtClean="0"/>
-              <a:t>{</a:t>
-            </a:r>
-          </a:p>
-          <a:p>
-            <a:r>
-              <a:rPr lang="en-US" dirty="0" smtClean="0"/>
-              <a:t>      wait </a:t>
-            </a:r>
-            <a:r>
-              <a:rPr lang="en-US" dirty="0" smtClean="0"/>
-              <a:t>(</a:t>
+              <a:t> {</a:t>
+            </a:r>
+          </a:p>
+          <a:p>
+            <a:r>
+              <a:rPr lang="en-US" dirty="0" smtClean="0"/>
+              <a:t>      wait (</a:t>
             </a:r>
             <a:r>
               <a:rPr lang="en-US" dirty="0" err="1" smtClean="0"/>
@@ -6411,11 +6153,7 @@
           <a:p>
             <a:r>
               <a:rPr lang="en-US" dirty="0" smtClean="0"/>
-              <a:t>       if </a:t>
-            </a:r>
-            <a:r>
-              <a:rPr lang="en-US" dirty="0" smtClean="0"/>
-              <a:t>(</a:t>
+              <a:t>       if (</a:t>
             </a:r>
             <a:r>
               <a:rPr lang="en-US" dirty="0" err="1" smtClean="0"/>
@@ -6423,11 +6161,7 @@
             </a:r>
             <a:r>
               <a:rPr lang="en-US" dirty="0" smtClean="0"/>
-              <a:t>  ==  </a:t>
-            </a:r>
-            <a:r>
-              <a:rPr lang="en-US" dirty="0" smtClean="0"/>
-              <a:t>1)</a:t>
+              <a:t>  ==  1)</a:t>
             </a:r>
           </a:p>
           <a:p>
@@ -6439,11 +6173,7 @@
           <a:p>
             <a:r>
               <a:rPr lang="en-US" dirty="0" smtClean="0"/>
-              <a:t>            wait </a:t>
-            </a:r>
-            <a:r>
-              <a:rPr lang="en-US" dirty="0" smtClean="0"/>
-              <a:t>(</a:t>
+              <a:t>            wait (</a:t>
             </a:r>
             <a:r>
               <a:rPr lang="en-US" dirty="0" err="1" smtClean="0"/>
@@ -6457,13 +6187,8 @@
           <a:p>
             <a:r>
               <a:rPr lang="en-US" dirty="0" smtClean="0"/>
-              <a:t> </a:t>
-            </a:r>
-            <a:r>
-              <a:rPr lang="en-US" dirty="0" smtClean="0"/>
-              <a:t>       }</a:t>
-            </a:r>
-            <a:endParaRPr lang="en-US" dirty="0" smtClean="0"/>
+              <a:t>        }</a:t>
+            </a:r>
           </a:p>
           <a:p>
             <a:r>
@@ -6482,38 +6207,20 @@
           <a:p>
             <a:r>
               <a:rPr lang="en-US" dirty="0" smtClean="0"/>
-              <a:t> </a:t>
-            </a:r>
-            <a:r>
-              <a:rPr lang="en-US" dirty="0" smtClean="0"/>
-              <a:t>      …………………………..</a:t>
-            </a:r>
-            <a:endParaRPr lang="en-US" dirty="0" smtClean="0"/>
+              <a:t>       …………………………..</a:t>
+            </a:r>
           </a:p>
           <a:p>
             <a:r>
               <a:rPr lang="en-US" i="1" dirty="0" smtClean="0"/>
-              <a:t>      II </a:t>
-            </a:r>
+              <a:t>      II reading is performed</a:t>
+            </a:r>
+          </a:p>
+          <a:p>
             <a:r>
               <a:rPr lang="en-US" i="1" dirty="0" smtClean="0"/>
-              <a:t>reading is </a:t>
-            </a:r>
-            <a:r>
-              <a:rPr lang="en-US" i="1" dirty="0" smtClean="0"/>
-              <a:t>performed</a:t>
-            </a:r>
-          </a:p>
-          <a:p>
-            <a:r>
-              <a:rPr lang="en-US" i="1" dirty="0" smtClean="0"/>
-              <a:t> </a:t>
-            </a:r>
-            <a:r>
-              <a:rPr lang="en-US" i="1" dirty="0" smtClean="0"/>
-              <a:t>      …………………………………</a:t>
-            </a:r>
-            <a:endParaRPr lang="en-US" i="1" dirty="0" smtClean="0"/>
+              <a:t>       …………………………………</a:t>
+            </a:r>
           </a:p>
           <a:p>
             <a:r>
@@ -6540,21 +6247,13 @@
             </a:r>
             <a:r>
               <a:rPr lang="en-US" dirty="0" smtClean="0"/>
-              <a:t>-</a:t>
-            </a:r>
-            <a:r>
-              <a:rPr lang="en-US" dirty="0" smtClean="0"/>
-              <a:t>-;</a:t>
-            </a:r>
-          </a:p>
-          <a:p>
-            <a:r>
-              <a:rPr lang="en-US" dirty="0" smtClean="0"/>
-              <a:t>      if </a:t>
-            </a:r>
-            <a:r>
-              <a:rPr lang="en-US" dirty="0" smtClean="0"/>
-              <a:t>(</a:t>
+              <a:t>--;</a:t>
+            </a:r>
+          </a:p>
+          <a:p>
+            <a:r>
+              <a:rPr lang="en-US" dirty="0" smtClean="0"/>
+              <a:t>      if (</a:t>
             </a:r>
             <a:r>
               <a:rPr lang="en-US" dirty="0" err="1" smtClean="0"/>
@@ -6562,11 +6261,7 @@
             </a:r>
             <a:r>
               <a:rPr lang="en-US" dirty="0" smtClean="0"/>
-              <a:t> == </a:t>
-            </a:r>
-            <a:r>
-              <a:rPr lang="en-US" dirty="0" smtClean="0"/>
-              <a:t>0)</a:t>
+              <a:t> == 0)</a:t>
             </a:r>
           </a:p>
           <a:p>
@@ -6675,11 +6370,7 @@
           <a:p>
             <a:r>
               <a:rPr lang="en-US" dirty="0" smtClean="0"/>
-              <a:t> </a:t>
-            </a:r>
-            <a:r>
-              <a:rPr lang="en-US" dirty="0" smtClean="0"/>
-              <a:t>{</a:t>
+              <a:t> {</a:t>
             </a:r>
           </a:p>
           <a:p>
@@ -6699,11 +6390,7 @@
           <a:p>
             <a:r>
               <a:rPr lang="en-US" i="1" dirty="0" smtClean="0"/>
-              <a:t>      II </a:t>
-            </a:r>
-            <a:r>
-              <a:rPr lang="en-US" i="1" dirty="0" smtClean="0"/>
-              <a:t>writing is performed</a:t>
+              <a:t>      II writing is performed</a:t>
             </a:r>
           </a:p>
           <a:p>
@@ -6894,20 +6581,14 @@
           <a:p>
             <a:r>
               <a:rPr lang="en-US" sz="1600" dirty="0" smtClean="0"/>
-              <a:t>Void  reader</a:t>
-            </a:r>
-            <a:r>
-              <a:rPr lang="en-US" sz="1600" dirty="0" smtClean="0"/>
-              <a:t>() </a:t>
-            </a:r>
-            <a:endParaRPr lang="en-US" sz="1600" dirty="0" smtClean="0"/>
+              <a:t>Void  reader() </a:t>
+            </a:r>
           </a:p>
           <a:p>
             <a:r>
               <a:rPr lang="en-US" sz="1600" dirty="0" smtClean="0"/>
               <a:t>{</a:t>
             </a:r>
-            <a:endParaRPr lang="en-US" sz="1600" dirty="0" smtClean="0"/>
           </a:p>
           <a:p>
             <a:r>
@@ -6926,11 +6607,7 @@
           <a:p>
             <a:r>
               <a:rPr lang="en-US" sz="1600" dirty="0" smtClean="0"/>
-              <a:t>  </a:t>
-            </a:r>
-            <a:r>
-              <a:rPr lang="en-US" sz="1600" dirty="0" smtClean="0"/>
-              <a:t> </a:t>
+              <a:t>   </a:t>
             </a:r>
             <a:r>
               <a:rPr lang="en-US" sz="1600" dirty="0" err="1" smtClean="0"/>
@@ -6944,11 +6621,7 @@
           <a:p>
             <a:r>
               <a:rPr lang="en-US" sz="1600" dirty="0" smtClean="0"/>
-              <a:t>  </a:t>
-            </a:r>
-            <a:r>
-              <a:rPr lang="en-US" sz="1600" dirty="0" smtClean="0"/>
-              <a:t> </a:t>
+              <a:t>   </a:t>
             </a:r>
             <a:r>
               <a:rPr lang="en-US" sz="1600" dirty="0" err="1" smtClean="0"/>
@@ -6962,15 +6635,7 @@
           <a:p>
             <a:r>
               <a:rPr lang="en-US" sz="1600" dirty="0" smtClean="0"/>
-              <a:t>  </a:t>
-            </a:r>
-            <a:r>
-              <a:rPr lang="en-US" sz="1600" dirty="0" smtClean="0"/>
-              <a:t> if </a:t>
-            </a:r>
-            <a:r>
-              <a:rPr lang="en-US" sz="1600" dirty="0" smtClean="0"/>
-              <a:t>(</a:t>
+              <a:t>   if (</a:t>
             </a:r>
             <a:r>
               <a:rPr lang="en-US" sz="1600" dirty="0" err="1" smtClean="0"/>
@@ -6984,32 +6649,24 @@
           <a:p>
             <a:r>
               <a:rPr lang="en-US" sz="1600" dirty="0" smtClean="0"/>
-              <a:t>   </a:t>
-            </a:r>
+              <a:t>      </a:t>
+            </a:r>
+            <a:r>
+              <a:rPr lang="en-US" sz="1600" dirty="0" err="1" smtClean="0"/>
+              <a:t>resource.P</a:t>
+            </a:r>
+            <a:r>
+              <a:rPr lang="en-US" sz="1600" dirty="0" smtClean="0"/>
+              <a:t>();//if you are first reader, lock  the resource</a:t>
+            </a:r>
+          </a:p>
+          <a:p>
             <a:r>
               <a:rPr lang="en-US" sz="1600" dirty="0" smtClean="0"/>
               <a:t>   </a:t>
             </a:r>
             <a:r>
               <a:rPr lang="en-US" sz="1600" dirty="0" err="1" smtClean="0"/>
-              <a:t>resource.P</a:t>
-            </a:r>
-            <a:r>
-              <a:rPr lang="en-US" sz="1600" dirty="0" smtClean="0"/>
-              <a:t>();//if you are first reader, lock  the resource</a:t>
-            </a:r>
-          </a:p>
-          <a:p>
-            <a:r>
-              <a:rPr lang="en-US" sz="1600" dirty="0" smtClean="0"/>
-              <a:t>  </a:t>
-            </a:r>
-            <a:r>
-              <a:rPr lang="en-US" sz="1600" dirty="0" smtClean="0"/>
-              <a:t> </a:t>
-            </a:r>
-            <a:r>
-              <a:rPr lang="en-US" sz="1600" dirty="0" err="1" smtClean="0"/>
               <a:t>rmutex.V</a:t>
             </a:r>
             <a:r>
@@ -7020,11 +6677,7 @@
           <a:p>
             <a:r>
               <a:rPr lang="en-US" sz="1600" dirty="0" smtClean="0"/>
-              <a:t>  </a:t>
-            </a:r>
-            <a:r>
-              <a:rPr lang="en-US" sz="1600" dirty="0" smtClean="0"/>
-              <a:t> </a:t>
+              <a:t>   </a:t>
             </a:r>
             <a:r>
               <a:rPr lang="en-US" sz="1600" dirty="0" err="1" smtClean="0"/>
@@ -7047,24 +6700,14 @@
           <a:p>
             <a:r>
               <a:rPr lang="en-US" sz="1600" dirty="0" smtClean="0"/>
-              <a:t> // reading is </a:t>
-            </a:r>
+              <a:t> // reading is performed</a:t>
+            </a:r>
+          </a:p>
+          <a:p>
             <a:r>
               <a:rPr lang="en-US" sz="1600" dirty="0" smtClean="0"/>
-              <a:t>performed</a:t>
-            </a:r>
-            <a:endParaRPr lang="en-US" sz="1600" dirty="0" smtClean="0"/>
-          </a:p>
-          <a:p>
-            <a:r>
-              <a:rPr lang="en-US" sz="1600" dirty="0" smtClean="0"/>
-              <a:t>&lt;EXIT Section</a:t>
-            </a:r>
-            <a:r>
-              <a:rPr lang="en-US" sz="1600" dirty="0" smtClean="0"/>
-              <a:t>&gt; </a:t>
-            </a:r>
-            <a:endParaRPr lang="en-US" sz="1600" dirty="0" smtClean="0"/>
+              <a:t>&lt;EXIT Section&gt; </a:t>
+            </a:r>
           </a:p>
           <a:p>
             <a:r>
@@ -7236,21 +6879,13 @@
           <a:p>
             <a:r>
               <a:rPr lang="en-US" sz="1600" dirty="0" smtClean="0"/>
-              <a:t>writer</a:t>
-            </a:r>
+              <a:t>writer()</a:t>
+            </a:r>
+          </a:p>
+          <a:p>
             <a:r>
               <a:rPr lang="en-US" sz="1600" dirty="0" smtClean="0"/>
-              <a:t>()</a:t>
-            </a:r>
-          </a:p>
-          <a:p>
-            <a:r>
-              <a:rPr lang="en-US" sz="1600" dirty="0" smtClean="0"/>
-              <a:t> </a:t>
-            </a:r>
-            <a:r>
-              <a:rPr lang="en-US" sz="1600" dirty="0" smtClean="0"/>
-              <a:t>{</a:t>
+              <a:t> {</a:t>
             </a:r>
           </a:p>
           <a:p>
@@ -7270,19 +6905,66 @@
           <a:p>
             <a:r>
               <a:rPr lang="en-US" sz="1600" dirty="0" smtClean="0"/>
-              <a:t> </a:t>
-            </a:r>
+              <a:t>   </a:t>
+            </a:r>
+            <a:r>
+              <a:rPr lang="en-US" sz="1600" dirty="0" err="1" smtClean="0"/>
+              <a:t>writecount</a:t>
+            </a:r>
+            <a:r>
+              <a:rPr lang="en-US" sz="1600" dirty="0" smtClean="0"/>
+              <a:t>++;//report yourself as a writer entering</a:t>
+            </a:r>
+          </a:p>
+          <a:p>
+            <a:r>
+              <a:rPr lang="en-US" sz="1600" dirty="0" smtClean="0"/>
+              <a:t>   if (</a:t>
+            </a:r>
+            <a:r>
+              <a:rPr lang="en-US" sz="1600" dirty="0" err="1" smtClean="0"/>
+              <a:t>writecount</a:t>
+            </a:r>
+            <a:r>
+              <a:rPr lang="en-US" sz="1600" dirty="0" smtClean="0"/>
+              <a:t> == 1)//checks if you're first writer</a:t>
+            </a:r>
+          </a:p>
+          <a:p>
+            <a:r>
+              <a:rPr lang="en-US" sz="1600" dirty="0" smtClean="0"/>
+              <a:t>        </a:t>
+            </a:r>
+            <a:r>
+              <a:rPr lang="en-US" sz="1600" dirty="0" err="1" smtClean="0"/>
+              <a:t>readTry.P</a:t>
+            </a:r>
+            <a:r>
+              <a:rPr lang="en-US" sz="1600" dirty="0" smtClean="0"/>
+              <a:t>();//if you're first, then you must lock the readers out. Prevent them from t     trying to enter CS</a:t>
+            </a:r>
+          </a:p>
+          <a:p>
             <a:r>
               <a:rPr lang="en-US" sz="1600" dirty="0" smtClean="0"/>
               <a:t>  </a:t>
             </a:r>
             <a:r>
               <a:rPr lang="en-US" sz="1600" dirty="0" err="1" smtClean="0"/>
-              <a:t>writecount</a:t>
+              <a:t>wmutex.V</a:t>
             </a:r>
             <a:r>
               <a:rPr lang="en-US" sz="1600" dirty="0" smtClean="0"/>
-              <a:t>++;//report yourself as a writer entering</a:t>
+              <a:t>();//release entry section</a:t>
+            </a:r>
+          </a:p>
+          <a:p>
+            <a:endParaRPr lang="en-US" sz="1600" dirty="0" smtClean="0"/>
+          </a:p>
+          <a:p>
+            <a:r>
+              <a:rPr lang="en-US" sz="1600" dirty="0" smtClean="0"/>
+              <a:t>&lt;CRITICAL Section&gt;</a:t>
             </a:r>
           </a:p>
           <a:p>
@@ -7291,91 +6973,12 @@
               <a:t>  </a:t>
             </a:r>
             <a:r>
-              <a:rPr lang="en-US" sz="1600" dirty="0" smtClean="0"/>
-              <a:t> if </a:t>
-            </a:r>
-            <a:r>
-              <a:rPr lang="en-US" sz="1600" dirty="0" smtClean="0"/>
-              <a:t>(</a:t>
-            </a:r>
-            <a:r>
-              <a:rPr lang="en-US" sz="1600" dirty="0" err="1" smtClean="0"/>
-              <a:t>writecount</a:t>
-            </a:r>
-            <a:r>
-              <a:rPr lang="en-US" sz="1600" dirty="0" smtClean="0"/>
-              <a:t> == 1)//checks if you're first writer</a:t>
-            </a:r>
-          </a:p>
-          <a:p>
-            <a:r>
-              <a:rPr lang="en-US" sz="1600" dirty="0" smtClean="0"/>
-              <a:t>   </a:t>
-            </a:r>
-            <a:r>
-              <a:rPr lang="en-US" sz="1600" dirty="0" smtClean="0"/>
-              <a:t>     </a:t>
-            </a:r>
-            <a:r>
-              <a:rPr lang="en-US" sz="1600" dirty="0" err="1" smtClean="0"/>
-              <a:t>readTry.P</a:t>
-            </a:r>
-            <a:r>
-              <a:rPr lang="en-US" sz="1600" dirty="0" smtClean="0"/>
-              <a:t>();//if you're first, then you must lock the readers out. Prevent them from </a:t>
-            </a:r>
-            <a:r>
-              <a:rPr lang="en-US" sz="1600" dirty="0" smtClean="0"/>
-              <a:t>t     trying </a:t>
-            </a:r>
-            <a:r>
-              <a:rPr lang="en-US" sz="1600" dirty="0" smtClean="0"/>
-              <a:t>to enter CS</a:t>
-            </a:r>
-          </a:p>
-          <a:p>
-            <a:r>
-              <a:rPr lang="en-US" sz="1600" dirty="0" smtClean="0"/>
-              <a:t>  </a:t>
-            </a:r>
-            <a:r>
-              <a:rPr lang="en-US" sz="1600" dirty="0" err="1" smtClean="0"/>
-              <a:t>wmutex.V</a:t>
-            </a:r>
-            <a:r>
-              <a:rPr lang="en-US" sz="1600" dirty="0" smtClean="0"/>
-              <a:t>();//release entry section</a:t>
-            </a:r>
-          </a:p>
-          <a:p>
-            <a:endParaRPr lang="en-US" sz="1600" dirty="0" smtClean="0"/>
-          </a:p>
-          <a:p>
-            <a:r>
-              <a:rPr lang="en-US" sz="1600" dirty="0" smtClean="0"/>
-              <a:t>&lt;CRITICAL Section&gt;</a:t>
-            </a:r>
-          </a:p>
-          <a:p>
-            <a:r>
-              <a:rPr lang="en-US" sz="1600" dirty="0" smtClean="0"/>
-              <a:t>  </a:t>
-            </a:r>
-            <a:r>
               <a:rPr lang="en-US" sz="1600" dirty="0" err="1" smtClean="0"/>
               <a:t>resource.P</a:t>
             </a:r>
             <a:r>
               <a:rPr lang="en-US" sz="1600" dirty="0" smtClean="0"/>
-              <a:t>();//reserve the resource for yourself - prevents other writers from </a:t>
-            </a:r>
-            <a:r>
-              <a:rPr lang="en-US" sz="1600" dirty="0" smtClean="0"/>
-              <a:t>//simultaneously </a:t>
-            </a:r>
-            <a:r>
-              <a:rPr lang="en-US" sz="1600" dirty="0" smtClean="0"/>
-              <a:t>editing the shared resource</a:t>
+              <a:t>();//reserve the resource for yourself - prevents other writers from //simultaneously editing the shared resource</a:t>
             </a:r>
           </a:p>
           <a:p>
@@ -7501,6 +7104,11 @@
             <a:avLst/>
           </a:prstGeom>
           <a:noFill/>
+          <a:ln>
+            <a:solidFill>
+              <a:schemeClr val="tx1"/>
+            </a:solidFill>
+          </a:ln>
         </p:spPr>
         <p:txBody>
           <a:bodyPr wrap="square" rtlCol="0">
@@ -7560,16 +7168,120 @@
           <a:p>
             <a:r>
               <a:rPr lang="en-US" b="1" dirty="0" smtClean="0"/>
-              <a:t>The Dining-Philosophers </a:t>
-            </a:r>
-            <a:r>
-              <a:rPr lang="en-US" b="1" dirty="0" smtClean="0"/>
-              <a:t>Problem</a:t>
+              <a:t>The Dining-Philosophers Problem</a:t>
             </a:r>
             <a:endParaRPr lang="en-US" dirty="0"/>
           </a:p>
         </p:txBody>
       </p:sp>
+      <p:sp>
+        <p:nvSpPr>
+          <p:cNvPr id="3" name="TextBox 2"/>
+          <p:cNvSpPr txBox="1"/>
+          <p:nvPr/>
+        </p:nvSpPr>
+        <p:spPr>
+          <a:xfrm>
+            <a:off x="304800" y="1371600"/>
+            <a:ext cx="8458200" cy="646331"/>
+          </a:xfrm>
+          <a:prstGeom prst="rect">
+            <a:avLst/>
+          </a:prstGeom>
+          <a:noFill/>
+        </p:spPr>
+        <p:txBody>
+          <a:bodyPr wrap="square" rtlCol="0">
+            <a:spAutoFit/>
+          </a:bodyPr>
+          <a:lstStyle/>
+          <a:p>
+            <a:r>
+              <a:rPr lang="en-US" dirty="0" smtClean="0"/>
+              <a:t> five philosophers sitting around a circular dining table. The dining table has five chopsticks and a bowl of rice in the middle </a:t>
+            </a:r>
+            <a:endParaRPr lang="en-US" dirty="0"/>
+          </a:p>
+        </p:txBody>
+      </p:sp>
+      <p:pic>
+        <p:nvPicPr>
+          <p:cNvPr id="8194" name="Picture 2" descr="Dining Philosophers Problem"/>
+          <p:cNvPicPr>
+            <a:picLocks noChangeAspect="1" noChangeArrowheads="1"/>
+          </p:cNvPicPr>
+          <p:nvPr/>
+        </p:nvPicPr>
+        <p:blipFill>
+          <a:blip r:embed="rId2"/>
+          <a:srcRect/>
+          <a:stretch>
+            <a:fillRect/>
+          </a:stretch>
+        </p:blipFill>
+        <p:spPr bwMode="auto">
+          <a:xfrm>
+            <a:off x="4038600" y="2514600"/>
+            <a:ext cx="4953000" cy="4019550"/>
+          </a:xfrm>
+          <a:prstGeom prst="rect">
+            <a:avLst/>
+          </a:prstGeom>
+          <a:noFill/>
+        </p:spPr>
+      </p:pic>
+      <p:pic>
+        <p:nvPicPr>
+          <p:cNvPr id="8196" name="Picture 4" descr="Image result for eating rice with chopsticks"/>
+          <p:cNvPicPr>
+            <a:picLocks noChangeAspect="1" noChangeArrowheads="1"/>
+          </p:cNvPicPr>
+          <p:nvPr/>
+        </p:nvPicPr>
+        <p:blipFill>
+          <a:blip r:embed="rId3"/>
+          <a:srcRect/>
+          <a:stretch>
+            <a:fillRect/>
+          </a:stretch>
+        </p:blipFill>
+        <p:spPr bwMode="auto">
+          <a:xfrm>
+            <a:off x="228600" y="2590800"/>
+            <a:ext cx="3200400" cy="1600200"/>
+          </a:xfrm>
+          <a:prstGeom prst="rect">
+            <a:avLst/>
+          </a:prstGeom>
+          <a:noFill/>
+        </p:spPr>
+      </p:pic>
+      <p:pic>
+        <p:nvPicPr>
+          <p:cNvPr id="8198" name="Picture 6" descr="Image result for eating rice with chopsticks"/>
+          <p:cNvPicPr>
+            <a:picLocks noChangeAspect="1" noChangeArrowheads="1"/>
+          </p:cNvPicPr>
+          <p:nvPr/>
+        </p:nvPicPr>
+        <p:blipFill>
+          <a:blip r:embed="rId4"/>
+          <a:srcRect/>
+          <a:stretch>
+            <a:fillRect/>
+          </a:stretch>
+        </p:blipFill>
+        <p:spPr bwMode="auto">
+          <a:xfrm>
+            <a:off x="304800" y="4648200"/>
+            <a:ext cx="2743200" cy="1828800"/>
+          </a:xfrm>
+          <a:prstGeom prst="rect">
+            <a:avLst/>
+          </a:prstGeom>
+          <a:noFill/>
+        </p:spPr>
+      </p:pic>
     </p:spTree>
   </p:cSld>
   <p:clrMapOvr>
@@ -7612,14 +7324,19 @@
             <p:ph type="title"/>
           </p:nvPr>
         </p:nvSpPr>
-        <p:spPr/>
+        <p:spPr>
+          <a:xfrm>
+            <a:off x="457200" y="76200"/>
+            <a:ext cx="8229600" cy="838200"/>
+          </a:xfrm>
+        </p:spPr>
         <p:txBody>
           <a:bodyPr/>
           <a:lstStyle/>
           <a:p>
             <a:r>
               <a:rPr lang="en-US" dirty="0" smtClean="0"/>
-              <a:t>Why do we need Monitors</a:t>
+              <a:t>Rules of engagement </a:t>
             </a:r>
             <a:endParaRPr lang="en-US" dirty="0"/>
           </a:p>
@@ -7633,13 +7350,18 @@
         </p:nvSpPr>
         <p:spPr>
           <a:xfrm>
-            <a:off x="533400" y="1524000"/>
-            <a:ext cx="7848600" cy="1200329"/>
+            <a:off x="304800" y="1219200"/>
+            <a:ext cx="8610600" cy="5355312"/>
           </a:xfrm>
           <a:prstGeom prst="rect">
             <a:avLst/>
           </a:prstGeom>
           <a:noFill/>
+          <a:ln>
+            <a:solidFill>
+              <a:schemeClr val="tx1"/>
+            </a:solidFill>
+          </a:ln>
         </p:spPr>
         <p:txBody>
           <a:bodyPr wrap="square" rtlCol="0">
@@ -7649,20 +7371,46 @@
           <a:p>
             <a:r>
               <a:rPr lang="en-US" dirty="0" smtClean="0"/>
-              <a:t>researchers have developed high-level language</a:t>
-            </a:r>
-          </a:p>
-          <a:p>
-            <a:r>
-              <a:rPr lang="en-US" dirty="0" smtClean="0"/>
-              <a:t>constructs. In this section, we describe one fundamental high-level synchronization</a:t>
-            </a:r>
-          </a:p>
-          <a:p>
-            <a:r>
-              <a:rPr lang="en-US" dirty="0" smtClean="0"/>
-              <a:t>construct-the monitor type.</a:t>
-            </a:r>
+              <a:t>At any instant, a philosopher is either eating or thinking. When a philosopher wants to eat, he uses two chopsticks - one from their left and one from their right. When a philosopher wants to think, he keeps down both chopsticks at their original place.</a:t>
+            </a:r>
+          </a:p>
+          <a:p>
+            <a:endParaRPr lang="en-US" dirty="0" smtClean="0"/>
+          </a:p>
+          <a:p>
+            <a:r>
+              <a:rPr lang="en-US" dirty="0" smtClean="0"/>
+              <a:t>a philosopher can think for an indefinite amount of time. But when a philosopher starts eating, he has to stop at some point of time. The philosopher is in an endless cycle of thinking and eating.</a:t>
+            </a:r>
+          </a:p>
+          <a:p>
+            <a:endParaRPr lang="en-US" dirty="0" smtClean="0"/>
+          </a:p>
+          <a:p>
+            <a:r>
+              <a:rPr lang="en-US" dirty="0" smtClean="0"/>
+              <a:t>When a philosopher wants to eat the rice, he will wait for the chopstick at his left and picks up that chopstick. Then he waits for the right chopstick to be available, and then picks it too. After eating, he puts both the chopsticks down.</a:t>
+            </a:r>
+          </a:p>
+          <a:p>
+            <a:endParaRPr lang="en-US" dirty="0" smtClean="0"/>
+          </a:p>
+          <a:p>
+            <a:r>
+              <a:rPr lang="en-US" dirty="0" smtClean="0"/>
+              <a:t>But if all five philosophers are hungry simultaneously, and each of them pickup one chopstick, then a deadlock situation occurs because they will be waiting for another chopstick forever.</a:t>
+            </a:r>
+          </a:p>
+          <a:p>
+            <a:endParaRPr lang="en-US" dirty="0" smtClean="0"/>
+          </a:p>
+          <a:p>
+            <a:r>
+              <a:rPr lang="en-US" dirty="0" smtClean="0"/>
+              <a:t>Note, however, that any satisfactory  solution to the dining-philosophers problem must guard against the possibility  that one of the philosophers will starve to death. </a:t>
+            </a:r>
+          </a:p>
+          <a:p>
             <a:endParaRPr lang="en-US" dirty="0"/>
           </a:p>
         </p:txBody>
@@ -7709,9 +7457,172 @@
           <a:p>
             <a:r>
               <a:rPr lang="en-US" dirty="0" smtClean="0"/>
-              <a:t>How to use Monitors</a:t>
+              <a:t>Solution</a:t>
             </a:r>
             <a:endParaRPr lang="en-US" dirty="0"/>
+          </a:p>
+        </p:txBody>
+      </p:sp>
+      <p:sp>
+        <p:nvSpPr>
+          <p:cNvPr id="3" name="TextBox 2"/>
+          <p:cNvSpPr txBox="1"/>
+          <p:nvPr/>
+        </p:nvSpPr>
+        <p:spPr>
+          <a:xfrm>
+            <a:off x="533400" y="1600200"/>
+            <a:ext cx="7543800" cy="4678204"/>
+          </a:xfrm>
+          <a:prstGeom prst="rect">
+            <a:avLst/>
+          </a:prstGeom>
+          <a:noFill/>
+        </p:spPr>
+        <p:txBody>
+          <a:bodyPr wrap="square" rtlCol="0">
+            <a:spAutoFit/>
+          </a:bodyPr>
+          <a:lstStyle/>
+          <a:p>
+            <a:r>
+              <a:rPr lang="en-US" sz="2000" dirty="0" smtClean="0"/>
+              <a:t>Semaphore stick[5] ;</a:t>
+            </a:r>
+          </a:p>
+          <a:p>
+            <a:endParaRPr lang="en-US" sz="2000" dirty="0" smtClean="0"/>
+          </a:p>
+          <a:p>
+            <a:r>
+              <a:rPr lang="en-US" sz="2000" dirty="0" smtClean="0"/>
+              <a:t>v</a:t>
+            </a:r>
+            <a:r>
+              <a:rPr lang="en-US" sz="2000" dirty="0" smtClean="0"/>
+              <a:t>oid </a:t>
+            </a:r>
+            <a:r>
+              <a:rPr lang="en-US" sz="2000" dirty="0" err="1" smtClean="0"/>
+              <a:t>DinningPhilosher</a:t>
+            </a:r>
+            <a:r>
+              <a:rPr lang="en-US" sz="2000" dirty="0" smtClean="0"/>
+              <a:t>(</a:t>
+            </a:r>
+            <a:r>
+              <a:rPr lang="en-US" sz="2000" dirty="0" err="1" smtClean="0"/>
+              <a:t>int</a:t>
+            </a:r>
+            <a:r>
+              <a:rPr lang="en-US" sz="2000" dirty="0" smtClean="0"/>
+              <a:t> </a:t>
+            </a:r>
+            <a:r>
+              <a:rPr lang="en-US" sz="2000" dirty="0" err="1" smtClean="0"/>
+              <a:t>i</a:t>
+            </a:r>
+            <a:r>
+              <a:rPr lang="en-US" sz="2000" dirty="0" smtClean="0"/>
+              <a:t>)</a:t>
+            </a:r>
+          </a:p>
+          <a:p>
+            <a:r>
+              <a:rPr lang="en-US" sz="2000" dirty="0" smtClean="0"/>
+              <a:t>{</a:t>
+            </a:r>
+          </a:p>
+          <a:p>
+            <a:r>
+              <a:rPr lang="en-US" sz="2000" dirty="0" smtClean="0"/>
+              <a:t>   while(TRUE)</a:t>
+            </a:r>
+          </a:p>
+          <a:p>
+            <a:r>
+              <a:rPr lang="en-US" sz="2000" dirty="0" smtClean="0"/>
+              <a:t>    { </a:t>
+            </a:r>
+          </a:p>
+          <a:p>
+            <a:r>
+              <a:rPr lang="en-US" sz="2000" dirty="0" smtClean="0"/>
+              <a:t>       wait(stick[</a:t>
+            </a:r>
+            <a:r>
+              <a:rPr lang="en-US" sz="2000" dirty="0" err="1" smtClean="0"/>
+              <a:t>i</a:t>
+            </a:r>
+            <a:r>
+              <a:rPr lang="en-US" sz="2000" dirty="0" smtClean="0"/>
+              <a:t>]); </a:t>
+            </a:r>
+          </a:p>
+          <a:p>
+            <a:r>
+              <a:rPr lang="en-US" sz="2000" dirty="0" smtClean="0"/>
+              <a:t>       wait(stick[(i+1) % 5]); // mod is used because </a:t>
+            </a:r>
+          </a:p>
+          <a:p>
+            <a:r>
+              <a:rPr lang="en-US" sz="2000" dirty="0" smtClean="0"/>
+              <a:t>       //  if </a:t>
+            </a:r>
+            <a:r>
+              <a:rPr lang="en-US" sz="2000" dirty="0" err="1" smtClean="0"/>
+              <a:t>i</a:t>
+            </a:r>
+            <a:r>
+              <a:rPr lang="en-US" sz="2000" dirty="0" smtClean="0"/>
+              <a:t>=5, next   chopstick is 1 (dining table is circular)</a:t>
+            </a:r>
+          </a:p>
+          <a:p>
+            <a:r>
+              <a:rPr lang="en-US" sz="2000" dirty="0" smtClean="0"/>
+              <a:t>       /* eat */ </a:t>
+            </a:r>
+          </a:p>
+          <a:p>
+            <a:r>
+              <a:rPr lang="en-US" sz="2000" dirty="0" smtClean="0"/>
+              <a:t>       signal(stick[</a:t>
+            </a:r>
+            <a:r>
+              <a:rPr lang="en-US" sz="2000" dirty="0" err="1" smtClean="0"/>
+              <a:t>i</a:t>
+            </a:r>
+            <a:r>
+              <a:rPr lang="en-US" sz="2000" dirty="0" smtClean="0"/>
+              <a:t>]); </a:t>
+            </a:r>
+          </a:p>
+          <a:p>
+            <a:r>
+              <a:rPr lang="en-US" sz="2000" dirty="0" smtClean="0"/>
+              <a:t>       signal(stick[(i+1) % 5]);</a:t>
+            </a:r>
+          </a:p>
+          <a:p>
+            <a:r>
+              <a:rPr lang="en-US" sz="2000" dirty="0" smtClean="0"/>
+              <a:t>        /* think */ </a:t>
+            </a:r>
+          </a:p>
+          <a:p>
+            <a:r>
+              <a:rPr lang="en-US" sz="2000" dirty="0" smtClean="0"/>
+              <a:t>    }</a:t>
+            </a:r>
+          </a:p>
+          <a:p>
+            <a:r>
+              <a:rPr lang="en-US" sz="2000" dirty="0" smtClean="0"/>
+              <a:t>}</a:t>
+            </a:r>
+            <a:endParaRPr lang="en-US" sz="2000" dirty="0"/>
           </a:p>
         </p:txBody>
       </p:sp>
@@ -7750,17 +7661,129 @@
             <p:ph type="title"/>
           </p:nvPr>
         </p:nvSpPr>
-        <p:spPr/>
-        <p:txBody>
-          <a:bodyPr>
-            <a:normAutofit fontScale="90000"/>
+        <p:spPr>
+          <a:xfrm>
+            <a:off x="457200" y="152400"/>
+            <a:ext cx="8229600" cy="838200"/>
+          </a:xfrm>
+        </p:spPr>
+        <p:txBody>
+          <a:bodyPr/>
+          <a:lstStyle/>
+          <a:p>
+            <a:r>
+              <a:rPr lang="en-US" dirty="0" smtClean="0"/>
+              <a:t>Why do we need Monitors</a:t>
+            </a:r>
+            <a:endParaRPr lang="en-US" dirty="0"/>
+          </a:p>
+        </p:txBody>
+      </p:sp>
+      <p:sp>
+        <p:nvSpPr>
+          <p:cNvPr id="3" name="TextBox 2"/>
+          <p:cNvSpPr txBox="1"/>
+          <p:nvPr/>
+        </p:nvSpPr>
+        <p:spPr>
+          <a:xfrm>
+            <a:off x="533400" y="1419285"/>
+            <a:ext cx="7848600" cy="4524315"/>
+          </a:xfrm>
+          <a:prstGeom prst="rect">
+            <a:avLst/>
+          </a:prstGeom>
+          <a:noFill/>
+          <a:ln>
+            <a:solidFill>
+              <a:schemeClr val="accent1"/>
+            </a:solidFill>
+          </a:ln>
+        </p:spPr>
+        <p:txBody>
+          <a:bodyPr wrap="square" rtlCol="0">
+            <a:spAutoFit/>
           </a:bodyPr>
           <a:lstStyle/>
           <a:p>
-            <a:r>
-              <a:rPr lang="en-US" b="1" dirty="0" smtClean="0"/>
-              <a:t>Dining-Philosophers Solution Using Monitors</a:t>
-            </a:r>
+            <a:pPr algn="just"/>
+            <a:r>
+              <a:rPr lang="en-US" dirty="0" smtClean="0"/>
+              <a:t>Semaphore based  synchronization control is effective provided the programmer does not make any mistakes while writing the code. This assumption does not  hold good always. However knowledgeable the programmer is there are rooms for errors when  working with semaphores. The programming errors which caused by semaphores are really hard to detect as they do not happens always,  which makes them hard to reproduce and fix. </a:t>
+            </a:r>
+            <a:r>
+              <a:rPr lang="en-US" dirty="0" smtClean="0"/>
+              <a:t> </a:t>
+            </a:r>
+          </a:p>
+          <a:p>
+            <a:pPr algn="just"/>
+            <a:endParaRPr lang="en-US" dirty="0" smtClean="0"/>
+          </a:p>
+          <a:p>
+            <a:pPr algn="just"/>
+            <a:r>
+              <a:rPr lang="en-US" dirty="0" smtClean="0"/>
+              <a:t>To solve this problem, a new data type is introduced – this is called Monitors. These are high level synchronization construct used in high level programming languages.</a:t>
+            </a:r>
+          </a:p>
+          <a:p>
+            <a:pPr algn="just"/>
+            <a:endParaRPr lang="en-US" dirty="0" smtClean="0"/>
+          </a:p>
+          <a:p>
+            <a:r>
+              <a:rPr lang="en-US" dirty="0" smtClean="0"/>
+              <a:t>Monitors were invented by Per </a:t>
+            </a:r>
+            <a:r>
+              <a:rPr lang="en-US" dirty="0" err="1" smtClean="0"/>
+              <a:t>Brinch</a:t>
+            </a:r>
+            <a:r>
+              <a:rPr lang="en-US" dirty="0" smtClean="0"/>
+              <a:t> </a:t>
+            </a:r>
+            <a:r>
+              <a:rPr lang="en-US" dirty="0" smtClean="0"/>
+              <a:t>Hansen and </a:t>
+            </a:r>
+            <a:r>
+              <a:rPr lang="en-US" dirty="0" smtClean="0"/>
+              <a:t>C. A. R. Hoare</a:t>
+            </a:r>
+            <a:r>
+              <a:rPr lang="en-US" dirty="0" smtClean="0"/>
+              <a:t>, </a:t>
+            </a:r>
+            <a:r>
+              <a:rPr lang="en-US" dirty="0" smtClean="0"/>
+              <a:t>and were first implemented in </a:t>
+            </a:r>
+            <a:r>
+              <a:rPr lang="en-US" dirty="0" err="1" smtClean="0"/>
+              <a:t>Brinch</a:t>
+            </a:r>
+            <a:r>
+              <a:rPr lang="en-US" dirty="0" smtClean="0"/>
+              <a:t> Hansen's Concurrent Pascal </a:t>
+            </a:r>
+            <a:r>
+              <a:rPr lang="en-US" dirty="0" smtClean="0"/>
+              <a:t>language.</a:t>
+            </a:r>
+          </a:p>
+          <a:p>
+            <a:endParaRPr lang="en-US" dirty="0" smtClean="0"/>
+          </a:p>
+          <a:p>
+            <a:r>
+              <a:rPr lang="en-US" dirty="0" smtClean="0"/>
+              <a:t>Today this is available in  JAVA as a feature.</a:t>
+            </a:r>
+            <a:endParaRPr lang="en-US" dirty="0" smtClean="0"/>
+          </a:p>
+          <a:p>
             <a:endParaRPr lang="en-US" dirty="0"/>
           </a:p>
         </p:txBody>
@@ -7797,19 +7820,17 @@
             <a:spLocks noGrp="1"/>
           </p:cNvSpPr>
           <p:nvPr>
-            <p:ph type="title"/>
+            <p:ph type="ctrTitle"/>
           </p:nvPr>
         </p:nvSpPr>
         <p:spPr/>
         <p:txBody>
-          <a:bodyPr>
-            <a:normAutofit fontScale="90000"/>
-          </a:bodyPr>
-          <a:lstStyle/>
-          <a:p>
-            <a:r>
-              <a:rPr lang="en-US" b="1" dirty="0" smtClean="0"/>
-              <a:t>Implementing a Monitor Using Semaphores</a:t>
+          <a:bodyPr/>
+          <a:lstStyle/>
+          <a:p>
+            <a:r>
+              <a:rPr lang="en-US" dirty="0" smtClean="0"/>
+              <a:t>Quick Intro into OOPs concepts</a:t>
             </a:r>
             <a:endParaRPr lang="en-US" dirty="0"/>
           </a:p>
@@ -7850,16 +7871,111 @@
             <p:ph type="title"/>
           </p:nvPr>
         </p:nvSpPr>
-        <p:spPr/>
+        <p:spPr>
+          <a:xfrm>
+            <a:off x="457200" y="0"/>
+            <a:ext cx="8229600" cy="1143000"/>
+          </a:xfrm>
+        </p:spPr>
         <p:txBody>
           <a:bodyPr/>
           <a:lstStyle/>
           <a:p>
             <a:r>
               <a:rPr lang="en-US" dirty="0" smtClean="0"/>
-              <a:t>Using Monitors in JAVA</a:t>
+              <a:t>How to use Monitors</a:t>
             </a:r>
             <a:endParaRPr lang="en-US" dirty="0"/>
+          </a:p>
+        </p:txBody>
+      </p:sp>
+      <p:sp>
+        <p:nvSpPr>
+          <p:cNvPr id="3" name="TextBox 2"/>
+          <p:cNvSpPr txBox="1"/>
+          <p:nvPr/>
+        </p:nvSpPr>
+        <p:spPr>
+          <a:xfrm>
+            <a:off x="457200" y="1143000"/>
+            <a:ext cx="8229600" cy="5632311"/>
+          </a:xfrm>
+          <a:prstGeom prst="rect">
+            <a:avLst/>
+          </a:prstGeom>
+          <a:noFill/>
+        </p:spPr>
+        <p:txBody>
+          <a:bodyPr wrap="square" rtlCol="0">
+            <a:spAutoFit/>
+          </a:bodyPr>
+          <a:lstStyle/>
+          <a:p>
+            <a:pPr algn="just"/>
+            <a:r>
+              <a:rPr lang="en-US" sz="2400" dirty="0" smtClean="0"/>
+              <a:t>Monitors are available to programmers as Abstract Data Type.  Where programmer need to implement  the needed operations or the actions that need to taken, at each case.</a:t>
+            </a:r>
+          </a:p>
+          <a:p>
+            <a:pPr algn="just"/>
+            <a:endParaRPr lang="en-US" sz="2400" dirty="0" smtClean="0"/>
+          </a:p>
+          <a:p>
+            <a:pPr algn="just"/>
+            <a:r>
+              <a:rPr lang="en-US" sz="2400" dirty="0" smtClean="0"/>
+              <a:t>The monitor type </a:t>
+            </a:r>
+            <a:r>
+              <a:rPr lang="en-US" sz="2400" dirty="0" smtClean="0"/>
+              <a:t> contains </a:t>
+            </a:r>
+            <a:r>
+              <a:rPr lang="en-US" sz="2400" dirty="0" smtClean="0"/>
+              <a:t>the declaration of variables </a:t>
+            </a:r>
+            <a:r>
+              <a:rPr lang="en-US" sz="2400" dirty="0" smtClean="0"/>
+              <a:t>whose values </a:t>
+            </a:r>
+            <a:r>
+              <a:rPr lang="en-US" sz="2400" dirty="0" smtClean="0"/>
+              <a:t>define the state of an instance of that type, along with the bodies </a:t>
+            </a:r>
+            <a:r>
+              <a:rPr lang="en-US" sz="2400" dirty="0" smtClean="0"/>
+              <a:t>of procedures </a:t>
+            </a:r>
+            <a:r>
+              <a:rPr lang="en-US" sz="2400" dirty="0" smtClean="0"/>
+              <a:t>or functions that operate on those variables</a:t>
+            </a:r>
+            <a:r>
+              <a:rPr lang="en-US" sz="2400" dirty="0" smtClean="0"/>
+              <a:t>.</a:t>
+            </a:r>
+            <a:r>
+              <a:rPr lang="en-US" sz="2400" dirty="0" smtClean="0"/>
+              <a:t>  </a:t>
+            </a:r>
+            <a:endParaRPr lang="en-US" sz="2400" dirty="0" smtClean="0"/>
+          </a:p>
+          <a:p>
+            <a:pPr algn="just"/>
+            <a:endParaRPr lang="en-US" sz="2400" dirty="0" smtClean="0"/>
+          </a:p>
+          <a:p>
+            <a:pPr algn="just"/>
+            <a:r>
+              <a:rPr lang="en-US" sz="2400" dirty="0" smtClean="0"/>
+              <a:t>A </a:t>
+            </a:r>
+            <a:r>
+              <a:rPr lang="en-US" sz="2400" dirty="0" smtClean="0"/>
+              <a:t>monitor is an instance of a class that can be used safely by several threads. All the methods of a monitor are executed with mutual exclusion. So at most one thread can execute a method of the monitor at the same time. This mutual exclusion policy makes easier to work with monitor and to develop the method content of the monitor.</a:t>
+            </a:r>
+            <a:endParaRPr lang="en-US" sz="2400" dirty="0"/>
           </a:p>
         </p:txBody>
       </p:sp>
@@ -8036,29 +8152,39 @@
           <a:chExt cx="0" cy="0"/>
         </a:xfrm>
       </p:grpSpPr>
-      <p:sp>
-        <p:nvSpPr>
-          <p:cNvPr id="2" name="Title 1"/>
-          <p:cNvSpPr>
-            <a:spLocks noGrp="1"/>
-          </p:cNvSpPr>
-          <p:nvPr>
-            <p:ph type="title"/>
-          </p:nvPr>
-        </p:nvSpPr>
-        <p:spPr/>
-        <p:txBody>
-          <a:bodyPr/>
-          <a:lstStyle/>
-          <a:p>
-            <a:r>
-              <a:rPr lang="en-US" dirty="0" smtClean="0"/>
-              <a:t>Synchronization in Linux</a:t>
-            </a:r>
-            <a:endParaRPr lang="en-US" dirty="0"/>
-          </a:p>
-        </p:txBody>
-      </p:sp>
+      <p:pic>
+        <p:nvPicPr>
+          <p:cNvPr id="1027" name="Picture 3"/>
+          <p:cNvPicPr>
+            <a:picLocks noChangeAspect="1" noChangeArrowheads="1"/>
+          </p:cNvPicPr>
+          <p:nvPr/>
+        </p:nvPicPr>
+        <p:blipFill>
+          <a:blip r:embed="rId2"/>
+          <a:srcRect/>
+          <a:stretch>
+            <a:fillRect/>
+          </a:stretch>
+        </p:blipFill>
+        <p:spPr bwMode="auto">
+          <a:xfrm>
+            <a:off x="381000" y="304800"/>
+            <a:ext cx="8382000" cy="6137086"/>
+          </a:xfrm>
+          <a:prstGeom prst="rect">
+            <a:avLst/>
+          </a:prstGeom>
+          <a:noFill/>
+          <a:ln w="9525">
+            <a:noFill/>
+            <a:miter lim="800000"/>
+            <a:headEnd/>
+            <a:tailEnd/>
+          </a:ln>
+          <a:effectLst/>
+        </p:spPr>
+      </p:pic>
     </p:spTree>
   </p:cSld>
   <p:clrMapOvr>
@@ -8086,75 +8212,220 @@
       </p:grpSpPr>
       <p:sp>
         <p:nvSpPr>
-          <p:cNvPr id="4" name="Title 1"/>
-          <p:cNvSpPr txBox="1">
-            <a:spLocks/>
-          </p:cNvSpPr>
+          <p:cNvPr id="3" name="Rectangle 2"/>
+          <p:cNvSpPr/>
           <p:nvPr/>
         </p:nvSpPr>
         <p:spPr>
           <a:xfrm>
-            <a:off x="685800" y="2438400"/>
-            <a:ext cx="7772400" cy="1470025"/>
+            <a:off x="1295400" y="304800"/>
+            <a:ext cx="4572000" cy="6463308"/>
           </a:xfrm>
           <a:prstGeom prst="rect">
             <a:avLst/>
           </a:prstGeom>
         </p:spPr>
         <p:txBody>
-          <a:bodyPr vert="horz" lIns="91440" tIns="45720" rIns="91440" bIns="45720" rtlCol="0" anchor="t">
-            <a:normAutofit/>
+          <a:bodyPr>
+            <a:spAutoFit/>
           </a:bodyPr>
           <a:lstStyle/>
           <a:p>
-            <a:pPr marL="0" marR="0" lvl="0" indent="0" algn="l" defTabSz="914400" rtl="0" eaLnBrk="1" fontAlgn="auto" latinLnBrk="0" hangingPunct="1">
-              <a:lnSpc>
-                <a:spcPct val="100000"/>
-              </a:lnSpc>
-              <a:spcBef>
-                <a:spcPct val="0"/>
-              </a:spcBef>
-              <a:spcAft>
-                <a:spcPts val="0"/>
-              </a:spcAft>
-              <a:buClrTx/>
-              <a:buSzTx/>
-              <a:buFontTx/>
-              <a:buNone/>
-              <a:tabLst/>
-              <a:defRPr/>
-            </a:pPr>
-            <a:r>
-              <a:rPr kumimoji="0" lang="en-US" sz="4000" b="1" i="0" u="none" strike="noStrike" kern="1200" cap="all" spc="0" normalizeH="0" baseline="0" noProof="0" dirty="0" smtClean="0">
-                <a:ln>
-                  <a:noFill/>
-                </a:ln>
-                <a:solidFill>
-                  <a:schemeClr val="tx1"/>
-                </a:solidFill>
-                <a:effectLst/>
-                <a:uLnTx/>
-                <a:uFillTx/>
-                <a:latin typeface="+mj-lt"/>
-                <a:ea typeface="+mj-ea"/>
-                <a:cs typeface="+mj-cs"/>
-              </a:rPr>
-              <a:t>Atomic Transactions</a:t>
-            </a:r>
-            <a:endParaRPr kumimoji="0" lang="en-US" sz="4000" b="1" i="0" u="none" strike="noStrike" kern="1200" cap="all" spc="0" normalizeH="0" baseline="0" noProof="0" dirty="0">
-              <a:ln>
-                <a:noFill/>
-              </a:ln>
-              <a:solidFill>
-                <a:schemeClr val="tx1"/>
-              </a:solidFill>
-              <a:effectLst/>
-              <a:uLnTx/>
-              <a:uFillTx/>
-              <a:latin typeface="+mj-lt"/>
-              <a:ea typeface="+mj-ea"/>
-              <a:cs typeface="+mj-cs"/>
-            </a:endParaRPr>
+            <a:r>
+              <a:rPr lang="en-US" dirty="0" smtClean="0"/>
+              <a:t>monitor </a:t>
+            </a:r>
+            <a:r>
+              <a:rPr lang="en-US" i="1" dirty="0" smtClean="0"/>
+              <a:t>&lt;monitor name&gt;</a:t>
+            </a:r>
+            <a:endParaRPr lang="en-US" i="1" dirty="0" smtClean="0"/>
+          </a:p>
+          <a:p>
+            <a:r>
+              <a:rPr lang="en-US" dirty="0" smtClean="0"/>
+              <a:t>{</a:t>
+            </a:r>
+          </a:p>
+          <a:p>
+            <a:r>
+              <a:rPr lang="en-US" i="1" dirty="0" smtClean="0"/>
+              <a:t>      II </a:t>
+            </a:r>
+            <a:r>
+              <a:rPr lang="en-US" i="1" dirty="0" smtClean="0"/>
+              <a:t>shared variable declarations</a:t>
+            </a:r>
+          </a:p>
+          <a:p>
+            <a:r>
+              <a:rPr lang="en-US" dirty="0" smtClean="0"/>
+              <a:t>      procedure </a:t>
+            </a:r>
+            <a:r>
+              <a:rPr lang="en-US" dirty="0" smtClean="0"/>
+              <a:t>P1 ( . . . </a:t>
+            </a:r>
+            <a:r>
+              <a:rPr lang="en-US" dirty="0" smtClean="0"/>
+              <a:t>)</a:t>
+            </a:r>
+          </a:p>
+          <a:p>
+            <a:r>
+              <a:rPr lang="en-US" dirty="0" smtClean="0"/>
+              <a:t>      {</a:t>
+            </a:r>
+          </a:p>
+          <a:p>
+            <a:r>
+              <a:rPr lang="en-US" dirty="0" smtClean="0"/>
+              <a:t>             ……………………….</a:t>
+            </a:r>
+          </a:p>
+          <a:p>
+            <a:r>
+              <a:rPr lang="en-US" dirty="0" smtClean="0"/>
+              <a:t>             …………..…………..</a:t>
+            </a:r>
+            <a:endParaRPr lang="en-US" dirty="0" smtClean="0"/>
+          </a:p>
+          <a:p>
+            <a:r>
+              <a:rPr lang="en-US" dirty="0" smtClean="0"/>
+              <a:t>       }</a:t>
+            </a:r>
+            <a:endParaRPr lang="en-US" dirty="0" smtClean="0"/>
+          </a:p>
+          <a:p>
+            <a:r>
+              <a:rPr lang="en-US" dirty="0" smtClean="0"/>
+              <a:t>       procedure </a:t>
+            </a:r>
+            <a:r>
+              <a:rPr lang="en-US" dirty="0" smtClean="0"/>
+              <a:t>P2 ( . . . </a:t>
+            </a:r>
+            <a:r>
+              <a:rPr lang="en-US" dirty="0" smtClean="0"/>
+              <a:t>)</a:t>
+            </a:r>
+          </a:p>
+          <a:p>
+            <a:r>
+              <a:rPr lang="en-US" dirty="0" smtClean="0"/>
+              <a:t>       {</a:t>
+            </a:r>
+          </a:p>
+          <a:p>
+            <a:r>
+              <a:rPr lang="en-US" dirty="0" smtClean="0"/>
+              <a:t>            …………………………..</a:t>
+            </a:r>
+          </a:p>
+          <a:p>
+            <a:r>
+              <a:rPr lang="en-US" dirty="0" smtClean="0"/>
+              <a:t>            ………………………….</a:t>
+            </a:r>
+            <a:endParaRPr lang="en-US" dirty="0" smtClean="0"/>
+          </a:p>
+          <a:p>
+            <a:r>
+              <a:rPr lang="en-US" dirty="0" smtClean="0"/>
+              <a:t>       }</a:t>
+            </a:r>
+            <a:endParaRPr lang="en-US" dirty="0" smtClean="0"/>
+          </a:p>
+          <a:p>
+            <a:r>
+              <a:rPr lang="en-US" dirty="0" smtClean="0"/>
+              <a:t>       procedure </a:t>
+            </a:r>
+            <a:r>
+              <a:rPr lang="en-US" dirty="0" err="1" smtClean="0"/>
+              <a:t>Pn</a:t>
+            </a:r>
+            <a:r>
+              <a:rPr lang="en-US" dirty="0" smtClean="0"/>
+              <a:t> ( . . . </a:t>
+            </a:r>
+            <a:r>
+              <a:rPr lang="en-US" dirty="0" smtClean="0"/>
+              <a:t>)</a:t>
+            </a:r>
+          </a:p>
+          <a:p>
+            <a:r>
+              <a:rPr lang="en-US" dirty="0" smtClean="0"/>
+              <a:t>       {</a:t>
+            </a:r>
+          </a:p>
+          <a:p>
+            <a:r>
+              <a:rPr lang="en-US" dirty="0" smtClean="0"/>
+              <a:t> </a:t>
+            </a:r>
+            <a:r>
+              <a:rPr lang="en-US" dirty="0" smtClean="0"/>
+              <a:t>           ………………………..</a:t>
+            </a:r>
+            <a:endParaRPr lang="en-US" dirty="0" smtClean="0"/>
+          </a:p>
+          <a:p>
+            <a:r>
+              <a:rPr lang="en-US" dirty="0" smtClean="0"/>
+              <a:t>       }</a:t>
+            </a:r>
+            <a:endParaRPr lang="en-US" dirty="0" smtClean="0"/>
+          </a:p>
+          <a:p>
+            <a:r>
+              <a:rPr lang="en-US" dirty="0" smtClean="0"/>
+              <a:t>       initialization </a:t>
+            </a:r>
+            <a:r>
+              <a:rPr lang="en-US" dirty="0" smtClean="0"/>
+              <a:t>code ( . . . ) </a:t>
+            </a:r>
+            <a:endParaRPr lang="en-US" dirty="0" smtClean="0"/>
+          </a:p>
+          <a:p>
+            <a:r>
+              <a:rPr lang="en-US" dirty="0" smtClean="0"/>
+              <a:t>       {</a:t>
+            </a:r>
+          </a:p>
+          <a:p>
+            <a:r>
+              <a:rPr lang="en-US" dirty="0" smtClean="0"/>
+              <a:t> </a:t>
+            </a:r>
+            <a:r>
+              <a:rPr lang="en-US" dirty="0" smtClean="0"/>
+              <a:t>           …………………………….</a:t>
+            </a:r>
+          </a:p>
+          <a:p>
+            <a:r>
+              <a:rPr lang="en-US" dirty="0" smtClean="0"/>
+              <a:t>            ……………………………..</a:t>
+            </a:r>
+            <a:endParaRPr lang="en-US" dirty="0" smtClean="0"/>
+          </a:p>
+          <a:p>
+            <a:r>
+              <a:rPr lang="en-US" dirty="0" smtClean="0"/>
+              <a:t>       }</a:t>
+            </a:r>
+            <a:endParaRPr lang="en-US" dirty="0" smtClean="0"/>
+          </a:p>
+          <a:p>
+            <a:r>
+              <a:rPr lang="en-US" dirty="0" smtClean="0"/>
+              <a:t>}</a:t>
+            </a:r>
+            <a:endParaRPr lang="en-US" dirty="0"/>
           </a:p>
         </p:txBody>
       </p:sp>
@@ -8193,16 +8464,107 @@
             <p:ph type="title"/>
           </p:nvPr>
         </p:nvSpPr>
-        <p:spPr/>
+        <p:spPr>
+          <a:xfrm>
+            <a:off x="457200" y="274638"/>
+            <a:ext cx="8229600" cy="792162"/>
+          </a:xfrm>
+        </p:spPr>
         <p:txBody>
           <a:bodyPr/>
           <a:lstStyle/>
           <a:p>
             <a:r>
               <a:rPr lang="en-US" dirty="0" smtClean="0"/>
-              <a:t>Transactional Memory</a:t>
+              <a:t>Monitors</a:t>
             </a:r>
             <a:endParaRPr lang="en-US" dirty="0"/>
+          </a:p>
+        </p:txBody>
+      </p:sp>
+      <p:sp>
+        <p:nvSpPr>
+          <p:cNvPr id="3" name="TextBox 2"/>
+          <p:cNvSpPr txBox="1"/>
+          <p:nvPr/>
+        </p:nvSpPr>
+        <p:spPr>
+          <a:xfrm>
+            <a:off x="304800" y="1524000"/>
+            <a:ext cx="8610600" cy="3139321"/>
+          </a:xfrm>
+          <a:prstGeom prst="rect">
+            <a:avLst/>
+          </a:prstGeom>
+          <a:noFill/>
+        </p:spPr>
+        <p:txBody>
+          <a:bodyPr wrap="square" rtlCol="0">
+            <a:spAutoFit/>
+          </a:bodyPr>
+          <a:lstStyle/>
+          <a:p>
+            <a:pPr algn="just"/>
+            <a:r>
+              <a:rPr lang="en-US" dirty="0" smtClean="0"/>
+              <a:t>The monitor construct ensures that only one process at a time is </a:t>
+            </a:r>
+            <a:r>
+              <a:rPr lang="en-US" dirty="0" smtClean="0"/>
+              <a:t>active within </a:t>
+            </a:r>
+            <a:r>
+              <a:rPr lang="en-US" dirty="0" smtClean="0"/>
+              <a:t>the monitor. Consequently, the programmer does not need to </a:t>
+            </a:r>
+            <a:r>
+              <a:rPr lang="en-US" dirty="0" smtClean="0"/>
+              <a:t>code  this </a:t>
+            </a:r>
+            <a:r>
+              <a:rPr lang="en-US" dirty="0" smtClean="0"/>
+              <a:t>synchronization constraint </a:t>
+            </a:r>
+            <a:r>
+              <a:rPr lang="en-US" dirty="0" smtClean="0"/>
+              <a:t>explicitly.</a:t>
+            </a:r>
+          </a:p>
+          <a:p>
+            <a:pPr algn="just"/>
+            <a:endParaRPr lang="en-US" dirty="0" smtClean="0"/>
+          </a:p>
+          <a:p>
+            <a:pPr algn="just"/>
+            <a:r>
+              <a:rPr lang="en-US" dirty="0" smtClean="0"/>
+              <a:t>Not all synchronization problem can be solved with Monitors, so for those cases programmer need to  write additional code using a data type called </a:t>
+            </a:r>
+            <a:r>
+              <a:rPr lang="en-US" b="1" i="1" dirty="0" smtClean="0"/>
+              <a:t>condition. </a:t>
+            </a:r>
+            <a:r>
+              <a:rPr lang="en-US" dirty="0" smtClean="0"/>
+              <a:t>We can do two operations wait() and  signal()  with it. </a:t>
+            </a:r>
+            <a:endParaRPr lang="en-US" b="1" i="1" dirty="0" smtClean="0"/>
+          </a:p>
+          <a:p>
+            <a:pPr algn="just"/>
+            <a:endParaRPr lang="en-US" b="1" i="1" dirty="0" smtClean="0"/>
+          </a:p>
+          <a:p>
+            <a:pPr algn="just"/>
+            <a:endParaRPr lang="en-US" b="1" i="1" dirty="0" smtClean="0"/>
+          </a:p>
+          <a:p>
+            <a:pPr algn="just"/>
+            <a:endParaRPr lang="en-US" u="sng" dirty="0" smtClean="0"/>
+          </a:p>
+          <a:p>
+            <a:pPr algn="just"/>
+            <a:endParaRPr lang="en-US" u="sng" dirty="0"/>
           </a:p>
         </p:txBody>
       </p:sp>
@@ -8233,24 +8595,254 @@
       </p:grpSpPr>
       <p:sp>
         <p:nvSpPr>
-          <p:cNvPr id="2" name="Title 1"/>
-          <p:cNvSpPr>
-            <a:spLocks noGrp="1"/>
-          </p:cNvSpPr>
-          <p:nvPr>
-            <p:ph type="title"/>
-          </p:nvPr>
-        </p:nvSpPr>
-        <p:spPr/>
-        <p:txBody>
-          <a:bodyPr/>
-          <a:lstStyle/>
-          <a:p>
-            <a:r>
-              <a:rPr lang="en-US" dirty="0" smtClean="0"/>
-              <a:t>Log Based Recovery</a:t>
-            </a:r>
-            <a:endParaRPr lang="en-US" dirty="0"/>
+          <p:cNvPr id="3" name="Rectangle 2"/>
+          <p:cNvSpPr/>
+          <p:nvPr/>
+        </p:nvSpPr>
+        <p:spPr>
+          <a:xfrm>
+            <a:off x="609600" y="166092"/>
+            <a:ext cx="7848600" cy="6463308"/>
+          </a:xfrm>
+          <a:prstGeom prst="rect">
+            <a:avLst/>
+          </a:prstGeom>
+        </p:spPr>
+        <p:txBody>
+          <a:bodyPr wrap="square">
+            <a:spAutoFit/>
+          </a:bodyPr>
+          <a:lstStyle/>
+          <a:p>
+            <a:r>
+              <a:rPr lang="en-US" sz="1600" dirty="0" smtClean="0"/>
+              <a:t>public class </a:t>
+            </a:r>
+            <a:r>
+              <a:rPr lang="en-US" sz="1600" dirty="0" err="1" smtClean="0"/>
+              <a:t>SimpleMonitor</a:t>
+            </a:r>
+            <a:r>
+              <a:rPr lang="en-US" sz="1600" dirty="0" smtClean="0"/>
+              <a:t> {</a:t>
+            </a:r>
+          </a:p>
+          <a:p>
+            <a:r>
+              <a:rPr lang="en-US" sz="1600" dirty="0" smtClean="0"/>
+              <a:t>    private final Lock </a:t>
+            </a:r>
+            <a:r>
+              <a:rPr lang="en-US" sz="1600" dirty="0" err="1" smtClean="0"/>
+              <a:t>lock</a:t>
+            </a:r>
+            <a:r>
+              <a:rPr lang="en-US" sz="1600" dirty="0" smtClean="0"/>
+              <a:t> = new </a:t>
+            </a:r>
+            <a:r>
+              <a:rPr lang="en-US" sz="1600" dirty="0" err="1" smtClean="0"/>
+              <a:t>ReentrantLock</a:t>
+            </a:r>
+            <a:r>
+              <a:rPr lang="en-US" sz="1600" dirty="0" smtClean="0"/>
+              <a:t>();</a:t>
+            </a:r>
+          </a:p>
+          <a:p>
+            <a:endParaRPr lang="en-US" sz="1600" dirty="0" smtClean="0"/>
+          </a:p>
+          <a:p>
+            <a:r>
+              <a:rPr lang="en-US" sz="1600" dirty="0" smtClean="0"/>
+              <a:t>    public void </a:t>
+            </a:r>
+            <a:r>
+              <a:rPr lang="en-US" sz="1600" dirty="0" err="1" smtClean="0"/>
+              <a:t>testA</a:t>
+            </a:r>
+            <a:r>
+              <a:rPr lang="en-US" sz="1600" dirty="0" smtClean="0"/>
+              <a:t>() </a:t>
+            </a:r>
+            <a:endParaRPr lang="en-US" sz="1600" dirty="0" smtClean="0"/>
+          </a:p>
+          <a:p>
+            <a:r>
+              <a:rPr lang="en-US" sz="1600" dirty="0" smtClean="0"/>
+              <a:t> </a:t>
+            </a:r>
+            <a:r>
+              <a:rPr lang="en-US" sz="1600" dirty="0" smtClean="0"/>
+              <a:t>  {</a:t>
+            </a:r>
+            <a:endParaRPr lang="en-US" sz="1600" dirty="0" smtClean="0"/>
+          </a:p>
+          <a:p>
+            <a:r>
+              <a:rPr lang="en-US" sz="1600" dirty="0" smtClean="0"/>
+              <a:t>        </a:t>
+            </a:r>
+            <a:r>
+              <a:rPr lang="en-US" sz="1600" dirty="0" err="1" smtClean="0"/>
+              <a:t>lock.lock</a:t>
+            </a:r>
+            <a:r>
+              <a:rPr lang="en-US" sz="1600" dirty="0" smtClean="0"/>
+              <a:t>();</a:t>
+            </a:r>
+          </a:p>
+          <a:p>
+            <a:endParaRPr lang="en-US" sz="1600" dirty="0" smtClean="0"/>
+          </a:p>
+          <a:p>
+            <a:r>
+              <a:rPr lang="en-US" sz="1600" dirty="0" smtClean="0"/>
+              <a:t>        try {</a:t>
+            </a:r>
+          </a:p>
+          <a:p>
+            <a:r>
+              <a:rPr lang="en-US" sz="1600" dirty="0" smtClean="0"/>
+              <a:t>            //Some code</a:t>
+            </a:r>
+          </a:p>
+          <a:p>
+            <a:r>
+              <a:rPr lang="en-US" sz="1600" dirty="0" smtClean="0"/>
+              <a:t>        } finally {</a:t>
+            </a:r>
+          </a:p>
+          <a:p>
+            <a:r>
+              <a:rPr lang="en-US" sz="1600" dirty="0" smtClean="0"/>
+              <a:t>            </a:t>
+            </a:r>
+            <a:r>
+              <a:rPr lang="en-US" sz="1600" dirty="0" err="1" smtClean="0"/>
+              <a:t>lock.unlock</a:t>
+            </a:r>
+            <a:r>
+              <a:rPr lang="en-US" sz="1600" dirty="0" smtClean="0"/>
+              <a:t>();</a:t>
+            </a:r>
+          </a:p>
+          <a:p>
+            <a:r>
+              <a:rPr lang="en-US" sz="1600" dirty="0" smtClean="0"/>
+              <a:t>        }</a:t>
+            </a:r>
+          </a:p>
+          <a:p>
+            <a:r>
+              <a:rPr lang="en-US" sz="1600" dirty="0" smtClean="0"/>
+              <a:t>    }</a:t>
+            </a:r>
+          </a:p>
+          <a:p>
+            <a:endParaRPr lang="en-US" sz="1600" dirty="0" smtClean="0"/>
+          </a:p>
+          <a:p>
+            <a:r>
+              <a:rPr lang="en-US" sz="1600" dirty="0" smtClean="0"/>
+              <a:t>    public </a:t>
+            </a:r>
+            <a:r>
+              <a:rPr lang="en-US" sz="1600" dirty="0" err="1" smtClean="0"/>
+              <a:t>int</a:t>
+            </a:r>
+            <a:r>
+              <a:rPr lang="en-US" sz="1600" dirty="0" smtClean="0"/>
+              <a:t> </a:t>
+            </a:r>
+            <a:r>
+              <a:rPr lang="en-US" sz="1600" dirty="0" err="1" smtClean="0"/>
+              <a:t>testB</a:t>
+            </a:r>
+            <a:r>
+              <a:rPr lang="en-US" sz="1600" dirty="0" smtClean="0"/>
+              <a:t>() </a:t>
+            </a:r>
+            <a:endParaRPr lang="en-US" sz="1600" dirty="0" smtClean="0"/>
+          </a:p>
+          <a:p>
+            <a:r>
+              <a:rPr lang="en-US" sz="1600" dirty="0" smtClean="0"/>
+              <a:t> </a:t>
+            </a:r>
+            <a:r>
+              <a:rPr lang="en-US" sz="1600" dirty="0" smtClean="0"/>
+              <a:t>  {</a:t>
+            </a:r>
+            <a:endParaRPr lang="en-US" sz="1600" dirty="0" smtClean="0"/>
+          </a:p>
+          <a:p>
+            <a:r>
+              <a:rPr lang="en-US" sz="1600" dirty="0" smtClean="0"/>
+              <a:t>        </a:t>
+            </a:r>
+            <a:r>
+              <a:rPr lang="en-US" sz="1600" dirty="0" err="1" smtClean="0"/>
+              <a:t>lock.lock</a:t>
+            </a:r>
+            <a:r>
+              <a:rPr lang="en-US" sz="1600" dirty="0" smtClean="0"/>
+              <a:t>();</a:t>
+            </a:r>
+          </a:p>
+          <a:p>
+            <a:endParaRPr lang="en-US" sz="1600" dirty="0" smtClean="0"/>
+          </a:p>
+          <a:p>
+            <a:r>
+              <a:rPr lang="en-US" sz="1600" dirty="0" smtClean="0"/>
+              <a:t>        try {</a:t>
+            </a:r>
+          </a:p>
+          <a:p>
+            <a:r>
+              <a:rPr lang="en-US" sz="1600" dirty="0" smtClean="0"/>
+              <a:t>            return 1;</a:t>
+            </a:r>
+          </a:p>
+          <a:p>
+            <a:r>
+              <a:rPr lang="en-US" sz="1600" dirty="0" smtClean="0"/>
+              <a:t>        } finally {</a:t>
+            </a:r>
+          </a:p>
+          <a:p>
+            <a:r>
+              <a:rPr lang="en-US" sz="1600" dirty="0" smtClean="0"/>
+              <a:t>            </a:t>
+            </a:r>
+            <a:r>
+              <a:rPr lang="en-US" sz="1600" dirty="0" err="1" smtClean="0"/>
+              <a:t>lock.unlock</a:t>
+            </a:r>
+            <a:r>
+              <a:rPr lang="en-US" sz="1600" dirty="0" smtClean="0"/>
+              <a:t>();</a:t>
+            </a:r>
+          </a:p>
+          <a:p>
+            <a:r>
+              <a:rPr lang="en-US" sz="1600" dirty="0" smtClean="0"/>
+              <a:t>        }</a:t>
+            </a:r>
+          </a:p>
+          <a:p>
+            <a:r>
+              <a:rPr lang="en-US" sz="1600" dirty="0" smtClean="0"/>
+              <a:t>    }</a:t>
+            </a:r>
+          </a:p>
+          <a:p>
+            <a:r>
+              <a:rPr lang="en-US" sz="1600" dirty="0" smtClean="0"/>
+              <a:t>}</a:t>
+            </a:r>
+            <a:endParaRPr lang="en-US" sz="1600" dirty="0"/>
           </a:p>
         </p:txBody>
       </p:sp>
@@ -8281,24 +8873,252 @@
       </p:grpSpPr>
       <p:sp>
         <p:nvSpPr>
-          <p:cNvPr id="2" name="Title 1"/>
-          <p:cNvSpPr>
-            <a:spLocks noGrp="1"/>
-          </p:cNvSpPr>
-          <p:nvPr>
-            <p:ph type="title"/>
-          </p:nvPr>
-        </p:nvSpPr>
-        <p:spPr/>
-        <p:txBody>
-          <a:bodyPr/>
-          <a:lstStyle/>
-          <a:p>
-            <a:r>
-              <a:rPr lang="en-US" dirty="0" smtClean="0"/>
-              <a:t>Check points</a:t>
-            </a:r>
-            <a:endParaRPr lang="en-US" dirty="0"/>
+          <p:cNvPr id="3" name="Rectangle 2"/>
+          <p:cNvSpPr/>
+          <p:nvPr/>
+        </p:nvSpPr>
+        <p:spPr>
+          <a:xfrm>
+            <a:off x="533400" y="838200"/>
+            <a:ext cx="8001000" cy="5078313"/>
+          </a:xfrm>
+          <a:prstGeom prst="rect">
+            <a:avLst/>
+          </a:prstGeom>
+        </p:spPr>
+        <p:txBody>
+          <a:bodyPr wrap="square">
+            <a:spAutoFit/>
+          </a:bodyPr>
+          <a:lstStyle/>
+          <a:p>
+            <a:r>
+              <a:rPr lang="en-US" dirty="0" smtClean="0"/>
+              <a:t>import </a:t>
+            </a:r>
+            <a:r>
+              <a:rPr lang="en-US" dirty="0" err="1" smtClean="0"/>
+              <a:t>java.util.concurrent.locks.Condition</a:t>
+            </a:r>
+            <a:r>
+              <a:rPr lang="en-US" dirty="0" smtClean="0"/>
+              <a:t>;</a:t>
+            </a:r>
+          </a:p>
+          <a:p>
+            <a:r>
+              <a:rPr lang="en-US" dirty="0" smtClean="0"/>
+              <a:t>import </a:t>
+            </a:r>
+            <a:r>
+              <a:rPr lang="en-US" dirty="0" err="1" smtClean="0"/>
+              <a:t>java.util.concurrent.locks.Lock</a:t>
+            </a:r>
+            <a:r>
+              <a:rPr lang="en-US" dirty="0" smtClean="0"/>
+              <a:t>;</a:t>
+            </a:r>
+          </a:p>
+          <a:p>
+            <a:r>
+              <a:rPr lang="en-US" dirty="0" smtClean="0"/>
+              <a:t>import </a:t>
+            </a:r>
+            <a:r>
+              <a:rPr lang="en-US" dirty="0" err="1" smtClean="0"/>
+              <a:t>java.util.concurrent.locks.ReentrantLock</a:t>
+            </a:r>
+            <a:r>
+              <a:rPr lang="en-US" dirty="0" smtClean="0"/>
+              <a:t>;</a:t>
+            </a:r>
+          </a:p>
+          <a:p>
+            <a:endParaRPr lang="en-US" dirty="0" smtClean="0"/>
+          </a:p>
+          <a:p>
+            <a:r>
+              <a:rPr lang="en-US" dirty="0" smtClean="0"/>
+              <a:t>public class </a:t>
+            </a:r>
+            <a:r>
+              <a:rPr lang="en-US" dirty="0" err="1" smtClean="0"/>
+              <a:t>BoundedBuffer</a:t>
+            </a:r>
+            <a:r>
+              <a:rPr lang="en-US" dirty="0" smtClean="0"/>
+              <a:t> {</a:t>
+            </a:r>
+          </a:p>
+          <a:p>
+            <a:r>
+              <a:rPr lang="en-US" dirty="0" smtClean="0"/>
+              <a:t>    private final </a:t>
+            </a:r>
+            <a:r>
+              <a:rPr lang="en-US" dirty="0" smtClean="0"/>
+              <a:t>String</a:t>
+            </a:r>
+            <a:r>
+              <a:rPr lang="en-US" dirty="0" smtClean="0"/>
+              <a:t> </a:t>
+            </a:r>
+            <a:r>
+              <a:rPr lang="en-US" dirty="0" smtClean="0"/>
+              <a:t> </a:t>
+            </a:r>
+            <a:r>
+              <a:rPr lang="en-US" dirty="0" smtClean="0"/>
+              <a:t>buffer;</a:t>
+            </a:r>
+          </a:p>
+          <a:p>
+            <a:r>
+              <a:rPr lang="en-US" dirty="0" smtClean="0"/>
+              <a:t>    private final </a:t>
+            </a:r>
+            <a:r>
+              <a:rPr lang="en-US" dirty="0" err="1" smtClean="0"/>
+              <a:t>int</a:t>
+            </a:r>
+            <a:r>
+              <a:rPr lang="en-US" dirty="0" smtClean="0"/>
+              <a:t> capacity;</a:t>
+            </a:r>
+          </a:p>
+          <a:p>
+            <a:endParaRPr lang="en-US" dirty="0" smtClean="0"/>
+          </a:p>
+          <a:p>
+            <a:r>
+              <a:rPr lang="en-US" dirty="0" smtClean="0"/>
+              <a:t>    private </a:t>
+            </a:r>
+            <a:r>
+              <a:rPr lang="en-US" dirty="0" err="1" smtClean="0"/>
+              <a:t>int</a:t>
+            </a:r>
+            <a:r>
+              <a:rPr lang="en-US" dirty="0" smtClean="0"/>
+              <a:t> front;</a:t>
+            </a:r>
+          </a:p>
+          <a:p>
+            <a:r>
+              <a:rPr lang="en-US" dirty="0" smtClean="0"/>
+              <a:t>    private </a:t>
+            </a:r>
+            <a:r>
+              <a:rPr lang="en-US" dirty="0" err="1" smtClean="0"/>
+              <a:t>int</a:t>
+            </a:r>
+            <a:r>
+              <a:rPr lang="en-US" dirty="0" smtClean="0"/>
+              <a:t> rear;</a:t>
+            </a:r>
+          </a:p>
+          <a:p>
+            <a:r>
+              <a:rPr lang="en-US" dirty="0" smtClean="0"/>
+              <a:t>    private </a:t>
+            </a:r>
+            <a:r>
+              <a:rPr lang="en-US" dirty="0" err="1" smtClean="0"/>
+              <a:t>int</a:t>
+            </a:r>
+            <a:r>
+              <a:rPr lang="en-US" dirty="0" smtClean="0"/>
+              <a:t> count;</a:t>
+            </a:r>
+          </a:p>
+          <a:p>
+            <a:endParaRPr lang="en-US" dirty="0" smtClean="0"/>
+          </a:p>
+          <a:p>
+            <a:r>
+              <a:rPr lang="en-US" dirty="0" smtClean="0"/>
+              <a:t>    private final Lock </a:t>
+            </a:r>
+            <a:r>
+              <a:rPr lang="en-US" dirty="0" err="1" smtClean="0"/>
+              <a:t>lock</a:t>
+            </a:r>
+            <a:r>
+              <a:rPr lang="en-US" dirty="0" smtClean="0"/>
+              <a:t> = new </a:t>
+            </a:r>
+            <a:r>
+              <a:rPr lang="en-US" dirty="0" err="1" smtClean="0"/>
+              <a:t>ReentrantLock</a:t>
+            </a:r>
+            <a:r>
+              <a:rPr lang="en-US" dirty="0" smtClean="0"/>
+              <a:t>();</a:t>
+            </a:r>
+          </a:p>
+          <a:p>
+            <a:endParaRPr lang="en-US" dirty="0" smtClean="0"/>
+          </a:p>
+          <a:p>
+            <a:r>
+              <a:rPr lang="en-US" dirty="0" smtClean="0"/>
+              <a:t>    private final Condition </a:t>
+            </a:r>
+            <a:r>
+              <a:rPr lang="en-US" dirty="0" err="1" smtClean="0"/>
+              <a:t>notFull</a:t>
+            </a:r>
+            <a:r>
+              <a:rPr lang="en-US" dirty="0" smtClean="0"/>
+              <a:t> = </a:t>
+            </a:r>
+            <a:r>
+              <a:rPr lang="en-US" dirty="0" err="1" smtClean="0"/>
+              <a:t>lock.newCondition</a:t>
+            </a:r>
+            <a:r>
+              <a:rPr lang="en-US" dirty="0" smtClean="0"/>
+              <a:t>();</a:t>
+            </a:r>
+          </a:p>
+          <a:p>
+            <a:r>
+              <a:rPr lang="en-US" dirty="0" smtClean="0"/>
+              <a:t>    private final </a:t>
+            </a:r>
+            <a:r>
+              <a:rPr lang="en-US" i="1" dirty="0" smtClean="0"/>
+              <a:t>Condition</a:t>
+            </a:r>
+            <a:r>
+              <a:rPr lang="en-US" dirty="0" smtClean="0"/>
+              <a:t> </a:t>
+            </a:r>
+            <a:r>
+              <a:rPr lang="en-US" dirty="0" err="1" smtClean="0"/>
+              <a:t>notEmpty</a:t>
+            </a:r>
+            <a:r>
+              <a:rPr lang="en-US" dirty="0" smtClean="0"/>
+              <a:t> = </a:t>
+            </a:r>
+            <a:r>
+              <a:rPr lang="en-US" dirty="0" err="1" smtClean="0"/>
+              <a:t>lock.newCondition</a:t>
+            </a:r>
+            <a:r>
+              <a:rPr lang="en-US" dirty="0" smtClean="0"/>
+              <a:t>();</a:t>
+            </a:r>
+          </a:p>
+          <a:p>
+            <a:endParaRPr lang="en-US" dirty="0" smtClean="0"/>
+          </a:p>
+          <a:p>
+            <a:r>
+              <a:rPr lang="en-US" dirty="0" smtClean="0"/>
+              <a:t>    </a:t>
+            </a:r>
           </a:p>
         </p:txBody>
       </p:sp>
@@ -8329,30 +9149,249 @@
       </p:grpSpPr>
       <p:sp>
         <p:nvSpPr>
-          <p:cNvPr id="2" name="Title 1"/>
-          <p:cNvSpPr>
-            <a:spLocks noGrp="1"/>
-          </p:cNvSpPr>
-          <p:nvPr>
-            <p:ph type="title"/>
-          </p:nvPr>
-        </p:nvSpPr>
-        <p:spPr/>
-        <p:txBody>
-          <a:bodyPr>
-            <a:normAutofit/>
+          <p:cNvPr id="2" name="Rectangle 1"/>
+          <p:cNvSpPr/>
+          <p:nvPr/>
+        </p:nvSpPr>
+        <p:spPr>
+          <a:xfrm>
+            <a:off x="304800" y="304800"/>
+            <a:ext cx="8077200" cy="5909310"/>
+          </a:xfrm>
+          <a:prstGeom prst="rect">
+            <a:avLst/>
+          </a:prstGeom>
+        </p:spPr>
+        <p:txBody>
+          <a:bodyPr wrap="square">
+            <a:spAutoFit/>
           </a:bodyPr>
           <a:lstStyle/>
           <a:p>
             <a:r>
               <a:rPr lang="en-US" dirty="0" smtClean="0"/>
-              <a:t>Concurrent </a:t>
-            </a:r>
-            <a:r>
-              <a:rPr lang="en-US" dirty="0" smtClean="0"/>
-              <a:t>Atomic Transactions</a:t>
-            </a:r>
-            <a:endParaRPr lang="en-US" dirty="0"/>
+              <a:t>public </a:t>
+            </a:r>
+            <a:r>
+              <a:rPr lang="en-US" dirty="0" err="1" smtClean="0"/>
+              <a:t>BoundedBuffer</a:t>
+            </a:r>
+            <a:r>
+              <a:rPr lang="en-US" dirty="0" smtClean="0"/>
+              <a:t>(</a:t>
+            </a:r>
+            <a:r>
+              <a:rPr lang="en-US" dirty="0" err="1" smtClean="0"/>
+              <a:t>int</a:t>
+            </a:r>
+            <a:r>
+              <a:rPr lang="en-US" dirty="0" smtClean="0"/>
+              <a:t> capacity) {</a:t>
+            </a:r>
+          </a:p>
+          <a:p>
+            <a:r>
+              <a:rPr lang="en-US" dirty="0" smtClean="0"/>
+              <a:t>        super</a:t>
+            </a:r>
+            <a:r>
+              <a:rPr lang="en-US" dirty="0" smtClean="0"/>
+              <a:t>();</a:t>
+            </a:r>
+            <a:endParaRPr lang="en-US" dirty="0" smtClean="0"/>
+          </a:p>
+          <a:p>
+            <a:r>
+              <a:rPr lang="en-US" dirty="0" smtClean="0"/>
+              <a:t>        </a:t>
+            </a:r>
+            <a:r>
+              <a:rPr lang="en-US" dirty="0" err="1" smtClean="0"/>
+              <a:t>this.capacity</a:t>
+            </a:r>
+            <a:r>
+              <a:rPr lang="en-US" dirty="0" smtClean="0"/>
+              <a:t> = capacity</a:t>
+            </a:r>
+            <a:r>
+              <a:rPr lang="en-US" dirty="0" smtClean="0"/>
+              <a:t>;</a:t>
+            </a:r>
+            <a:endParaRPr lang="en-US" dirty="0" smtClean="0"/>
+          </a:p>
+          <a:p>
+            <a:r>
+              <a:rPr lang="en-US" dirty="0" smtClean="0"/>
+              <a:t>        buffer = new String[capacity];</a:t>
+            </a:r>
+          </a:p>
+          <a:p>
+            <a:r>
+              <a:rPr lang="en-US" dirty="0" smtClean="0"/>
+              <a:t>    }</a:t>
+            </a:r>
+          </a:p>
+          <a:p>
+            <a:r>
+              <a:rPr lang="en-US" dirty="0" smtClean="0"/>
+              <a:t> </a:t>
+            </a:r>
+          </a:p>
+          <a:p>
+            <a:r>
+              <a:rPr lang="en-US" dirty="0" smtClean="0"/>
+              <a:t>public </a:t>
+            </a:r>
+            <a:r>
+              <a:rPr lang="en-US" dirty="0" smtClean="0"/>
+              <a:t>void deposit(String data) throws </a:t>
+            </a:r>
+            <a:r>
+              <a:rPr lang="en-US" dirty="0" err="1" smtClean="0"/>
+              <a:t>InterruptedException</a:t>
+            </a:r>
+            <a:r>
+              <a:rPr lang="en-US" dirty="0" smtClean="0"/>
+              <a:t> </a:t>
+            </a:r>
+            <a:endParaRPr lang="en-US" dirty="0" smtClean="0"/>
+          </a:p>
+          <a:p>
+            <a:r>
+              <a:rPr lang="en-US" dirty="0" smtClean="0"/>
+              <a:t> </a:t>
+            </a:r>
+            <a:r>
+              <a:rPr lang="en-US" dirty="0" smtClean="0"/>
+              <a:t> {</a:t>
+            </a:r>
+            <a:endParaRPr lang="en-US" dirty="0" smtClean="0"/>
+          </a:p>
+          <a:p>
+            <a:r>
+              <a:rPr lang="en-US" dirty="0" smtClean="0"/>
+              <a:t>        </a:t>
+            </a:r>
+            <a:r>
+              <a:rPr lang="en-US" dirty="0" err="1" smtClean="0"/>
+              <a:t>lock.lock</a:t>
+            </a:r>
+            <a:r>
+              <a:rPr lang="en-US" dirty="0" smtClean="0"/>
+              <a:t>();</a:t>
+            </a:r>
+            <a:endParaRPr lang="en-US" dirty="0" smtClean="0"/>
+          </a:p>
+          <a:p>
+            <a:r>
+              <a:rPr lang="en-US" dirty="0" smtClean="0"/>
+              <a:t>        try {</a:t>
+            </a:r>
+          </a:p>
+          <a:p>
+            <a:r>
+              <a:rPr lang="en-US" dirty="0" smtClean="0"/>
+              <a:t>            while (count == capacity) {</a:t>
+            </a:r>
+          </a:p>
+          <a:p>
+            <a:r>
+              <a:rPr lang="en-US" dirty="0" smtClean="0"/>
+              <a:t>                </a:t>
+            </a:r>
+            <a:r>
+              <a:rPr lang="en-US" dirty="0" err="1" smtClean="0"/>
+              <a:t>notFull.await</a:t>
+            </a:r>
+            <a:r>
+              <a:rPr lang="en-US" dirty="0" smtClean="0"/>
+              <a:t>();</a:t>
+            </a:r>
+          </a:p>
+          <a:p>
+            <a:r>
+              <a:rPr lang="en-US" dirty="0" smtClean="0"/>
+              <a:t>            </a:t>
+            </a:r>
+            <a:r>
+              <a:rPr lang="en-US" dirty="0" smtClean="0"/>
+              <a:t>}</a:t>
+            </a:r>
+            <a:endParaRPr lang="en-US" dirty="0" smtClean="0"/>
+          </a:p>
+          <a:p>
+            <a:r>
+              <a:rPr lang="en-US" dirty="0" smtClean="0"/>
+              <a:t>            buffer[rear] = data;</a:t>
+            </a:r>
+          </a:p>
+          <a:p>
+            <a:r>
+              <a:rPr lang="en-US" dirty="0" smtClean="0"/>
+              <a:t>            rear = (rear + 1) % capacity;</a:t>
+            </a:r>
+          </a:p>
+          <a:p>
+            <a:r>
+              <a:rPr lang="en-US" dirty="0" smtClean="0"/>
+              <a:t>            count</a:t>
+            </a:r>
+            <a:r>
+              <a:rPr lang="en-US" dirty="0" smtClean="0"/>
+              <a:t>++;</a:t>
+            </a:r>
+            <a:endParaRPr lang="en-US" dirty="0" smtClean="0"/>
+          </a:p>
+          <a:p>
+            <a:r>
+              <a:rPr lang="en-US" dirty="0" smtClean="0"/>
+              <a:t>            </a:t>
+            </a:r>
+            <a:r>
+              <a:rPr lang="en-US" dirty="0" err="1" smtClean="0"/>
+              <a:t>notEmpty.signal</a:t>
+            </a:r>
+            <a:r>
+              <a:rPr lang="en-US" dirty="0" smtClean="0"/>
+              <a:t>();</a:t>
+            </a:r>
+          </a:p>
+          <a:p>
+            <a:r>
+              <a:rPr lang="en-US" dirty="0" smtClean="0"/>
+              <a:t>        } finally {</a:t>
+            </a:r>
+          </a:p>
+          <a:p>
+            <a:r>
+              <a:rPr lang="en-US" dirty="0" smtClean="0"/>
+              <a:t>            </a:t>
+            </a:r>
+            <a:r>
+              <a:rPr lang="en-US" dirty="0" err="1" smtClean="0"/>
+              <a:t>lock.unlock</a:t>
+            </a:r>
+            <a:r>
+              <a:rPr lang="en-US" dirty="0" smtClean="0"/>
+              <a:t>();</a:t>
+            </a:r>
+          </a:p>
+          <a:p>
+            <a:r>
+              <a:rPr lang="en-US" dirty="0" smtClean="0"/>
+              <a:t>        }</a:t>
+            </a:r>
+          </a:p>
+          <a:p>
+            <a:r>
+              <a:rPr lang="en-US" dirty="0" smtClean="0"/>
+              <a:t>    </a:t>
+            </a:r>
+            <a:r>
+              <a:rPr lang="en-US" dirty="0" smtClean="0"/>
+              <a:t>}</a:t>
+            </a:r>
+            <a:endParaRPr lang="en-US" dirty="0" smtClean="0"/>
           </a:p>
         </p:txBody>
       </p:sp>
@@ -8383,22 +9422,190 @@
       </p:grpSpPr>
       <p:sp>
         <p:nvSpPr>
-          <p:cNvPr id="2" name="Title 1"/>
-          <p:cNvSpPr>
-            <a:spLocks noGrp="1"/>
-          </p:cNvSpPr>
-          <p:nvPr>
-            <p:ph type="ctrTitle"/>
-          </p:nvPr>
-        </p:nvSpPr>
-        <p:spPr/>
-        <p:txBody>
-          <a:bodyPr/>
-          <a:lstStyle/>
-          <a:p>
-            <a:r>
-              <a:rPr lang="en-US" dirty="0" smtClean="0"/>
-              <a:t>Dead Locks a Deep dive</a:t>
+          <p:cNvPr id="2" name="Rectangle 1"/>
+          <p:cNvSpPr/>
+          <p:nvPr/>
+        </p:nvSpPr>
+        <p:spPr>
+          <a:xfrm>
+            <a:off x="381000" y="474345"/>
+            <a:ext cx="7924800" cy="6186309"/>
+          </a:xfrm>
+          <a:prstGeom prst="rect">
+            <a:avLst/>
+          </a:prstGeom>
+        </p:spPr>
+        <p:txBody>
+          <a:bodyPr wrap="square">
+            <a:spAutoFit/>
+          </a:bodyPr>
+          <a:lstStyle/>
+          <a:p>
+            <a:r>
+              <a:rPr lang="en-US" dirty="0" smtClean="0"/>
+              <a:t>public String fetch() throws </a:t>
+            </a:r>
+            <a:r>
+              <a:rPr lang="en-US" dirty="0" err="1" smtClean="0"/>
+              <a:t>InterruptedException</a:t>
+            </a:r>
+            <a:r>
+              <a:rPr lang="en-US" dirty="0" smtClean="0"/>
+              <a:t> </a:t>
+            </a:r>
+            <a:endParaRPr lang="en-US" dirty="0" smtClean="0"/>
+          </a:p>
+          <a:p>
+            <a:r>
+              <a:rPr lang="en-US" dirty="0" smtClean="0"/>
+              <a:t>{</a:t>
+            </a:r>
+            <a:endParaRPr lang="en-US" dirty="0" smtClean="0"/>
+          </a:p>
+          <a:p>
+            <a:r>
+              <a:rPr lang="en-US" dirty="0" smtClean="0"/>
+              <a:t>        </a:t>
+            </a:r>
+            <a:r>
+              <a:rPr lang="en-US" dirty="0" err="1" smtClean="0"/>
+              <a:t>lock.lock</a:t>
+            </a:r>
+            <a:r>
+              <a:rPr lang="en-US" dirty="0" smtClean="0"/>
+              <a:t>();</a:t>
+            </a:r>
+          </a:p>
+          <a:p>
+            <a:endParaRPr lang="en-US" dirty="0" smtClean="0"/>
+          </a:p>
+          <a:p>
+            <a:r>
+              <a:rPr lang="en-US" dirty="0" smtClean="0"/>
+              <a:t>        try {</a:t>
+            </a:r>
+          </a:p>
+          <a:p>
+            <a:r>
+              <a:rPr lang="en-US" dirty="0" smtClean="0"/>
+              <a:t>            while (count == 0) </a:t>
+            </a:r>
+            <a:endParaRPr lang="en-US" dirty="0" smtClean="0"/>
+          </a:p>
+          <a:p>
+            <a:r>
+              <a:rPr lang="en-US" dirty="0" smtClean="0"/>
+              <a:t> </a:t>
+            </a:r>
+            <a:r>
+              <a:rPr lang="en-US" dirty="0" smtClean="0"/>
+              <a:t>           {</a:t>
+            </a:r>
+            <a:endParaRPr lang="en-US" dirty="0" smtClean="0"/>
+          </a:p>
+          <a:p>
+            <a:r>
+              <a:rPr lang="en-US" dirty="0" smtClean="0"/>
+              <a:t>                </a:t>
+            </a:r>
+            <a:r>
+              <a:rPr lang="en-US" dirty="0" err="1" smtClean="0"/>
+              <a:t>notEmpty.await</a:t>
+            </a:r>
+            <a:r>
+              <a:rPr lang="en-US" dirty="0" smtClean="0"/>
+              <a:t>();</a:t>
+            </a:r>
+          </a:p>
+          <a:p>
+            <a:r>
+              <a:rPr lang="en-US" dirty="0" smtClean="0"/>
+              <a:t>            }</a:t>
+            </a:r>
+          </a:p>
+          <a:p>
+            <a:endParaRPr lang="en-US" dirty="0" smtClean="0"/>
+          </a:p>
+          <a:p>
+            <a:r>
+              <a:rPr lang="en-US" dirty="0" smtClean="0"/>
+              <a:t>            String result = buffer[front];</a:t>
+            </a:r>
+          </a:p>
+          <a:p>
+            <a:r>
+              <a:rPr lang="en-US" dirty="0" smtClean="0"/>
+              <a:t>            front = (front + 1) % capacity;</a:t>
+            </a:r>
+          </a:p>
+          <a:p>
+            <a:r>
+              <a:rPr lang="en-US" dirty="0" smtClean="0"/>
+              <a:t>            count--;</a:t>
+            </a:r>
+          </a:p>
+          <a:p>
+            <a:endParaRPr lang="en-US" dirty="0" smtClean="0"/>
+          </a:p>
+          <a:p>
+            <a:r>
+              <a:rPr lang="en-US" dirty="0" smtClean="0"/>
+              <a:t>            </a:t>
+            </a:r>
+            <a:r>
+              <a:rPr lang="en-US" dirty="0" err="1" smtClean="0"/>
+              <a:t>notFull.signal</a:t>
+            </a:r>
+            <a:r>
+              <a:rPr lang="en-US" dirty="0" smtClean="0"/>
+              <a:t>();</a:t>
+            </a:r>
+          </a:p>
+          <a:p>
+            <a:endParaRPr lang="en-US" dirty="0" smtClean="0"/>
+          </a:p>
+          <a:p>
+            <a:r>
+              <a:rPr lang="en-US" dirty="0" smtClean="0"/>
+              <a:t>            return result;</a:t>
+            </a:r>
+          </a:p>
+          <a:p>
+            <a:r>
+              <a:rPr lang="en-US" dirty="0" smtClean="0"/>
+              <a:t>        } finally {</a:t>
+            </a:r>
+          </a:p>
+          <a:p>
+            <a:r>
+              <a:rPr lang="en-US" dirty="0" smtClean="0"/>
+              <a:t>            </a:t>
+            </a:r>
+            <a:r>
+              <a:rPr lang="en-US" dirty="0" err="1" smtClean="0"/>
+              <a:t>lock.unlock</a:t>
+            </a:r>
+            <a:r>
+              <a:rPr lang="en-US" dirty="0" smtClean="0"/>
+              <a:t>();</a:t>
+            </a:r>
+          </a:p>
+          <a:p>
+            <a:r>
+              <a:rPr lang="en-US" dirty="0" smtClean="0"/>
+              <a:t>        }</a:t>
+            </a:r>
+          </a:p>
+          <a:p>
+            <a:r>
+              <a:rPr lang="en-US" dirty="0" smtClean="0"/>
+              <a:t>    }</a:t>
+            </a:r>
+          </a:p>
+          <a:p>
+            <a:r>
+              <a:rPr lang="en-US" dirty="0" smtClean="0"/>
+              <a:t>}</a:t>
             </a:r>
             <a:endParaRPr lang="en-US" dirty="0"/>
           </a:p>
@@ -8447,8 +9654,8 @@
           <a:lstStyle/>
           <a:p>
             <a:r>
-              <a:rPr lang="en-US" dirty="0" smtClean="0"/>
-              <a:t>Necessary conditions for a deadlock to happen</a:t>
+              <a:rPr lang="en-US" b="1" dirty="0" smtClean="0"/>
+              <a:t>Dining-Philosophers Solution Using Monitors</a:t>
             </a:r>
             <a:endParaRPr lang="en-US" dirty="0"/>
           </a:p>
@@ -8462,13 +9669,20 @@
         </p:nvSpPr>
         <p:spPr>
           <a:xfrm>
-            <a:off x="228600" y="1981200"/>
-            <a:ext cx="8610600" cy="3970318"/>
+            <a:off x="381000" y="1447800"/>
+            <a:ext cx="4343400" cy="5078313"/>
           </a:xfrm>
           <a:prstGeom prst="rect">
             <a:avLst/>
           </a:prstGeom>
-          <a:noFill/>
+          <a:solidFill>
+            <a:schemeClr val="accent1"/>
+          </a:solidFill>
+          <a:ln>
+            <a:solidFill>
+              <a:schemeClr val="accent1"/>
+            </a:solidFill>
+          </a:ln>
         </p:spPr>
         <p:txBody>
           <a:bodyPr wrap="square" rtlCol="0">
@@ -8477,202 +9691,460 @@
           <a:lstStyle/>
           <a:p>
             <a:r>
-              <a:rPr lang="en-US" b="1" dirty="0" smtClean="0"/>
-              <a:t>Mutual exclusion. At least one resource must be held in a </a:t>
-            </a:r>
-            <a:r>
-              <a:rPr lang="en-US" b="1" dirty="0" smtClean="0"/>
-              <a:t>non-sharable </a:t>
-            </a:r>
-            <a:r>
-              <a:rPr lang="en-US" dirty="0" smtClean="0"/>
-              <a:t>mode</a:t>
-            </a:r>
-            <a:r>
-              <a:rPr lang="en-US" dirty="0" smtClean="0"/>
-              <a:t>; that is, only one process at a time can use the </a:t>
-            </a:r>
-            <a:r>
-              <a:rPr lang="en-US" dirty="0" smtClean="0"/>
-              <a:t>resource</a:t>
-            </a:r>
-          </a:p>
-          <a:p>
+              <a:rPr lang="en-US" dirty="0" smtClean="0"/>
+              <a:t>monitor </a:t>
+            </a:r>
+            <a:r>
+              <a:rPr lang="en-US" dirty="0" err="1" smtClean="0"/>
+              <a:t>dp</a:t>
+            </a:r>
             <a:endParaRPr lang="en-US" dirty="0" smtClean="0"/>
           </a:p>
           <a:p>
             <a:r>
-              <a:rPr lang="en-US" b="1" dirty="0" smtClean="0"/>
-              <a:t>Hold and wait. A process must be holding at least one resource </a:t>
-            </a:r>
-            <a:r>
-              <a:rPr lang="en-US" b="1" dirty="0" smtClean="0"/>
-              <a:t>and </a:t>
-            </a:r>
-            <a:r>
-              <a:rPr lang="en-US" dirty="0" smtClean="0"/>
-              <a:t>waiting </a:t>
-            </a:r>
-            <a:r>
-              <a:rPr lang="en-US" dirty="0" smtClean="0"/>
-              <a:t>to acquire additional resources that are </a:t>
-            </a:r>
-            <a:r>
-              <a:rPr lang="en-US" dirty="0" smtClean="0"/>
-              <a:t>currently </a:t>
-            </a:r>
-            <a:r>
-              <a:rPr lang="en-US" dirty="0" smtClean="0"/>
-              <a:t>being held </a:t>
-            </a:r>
-            <a:r>
-              <a:rPr lang="en-US" dirty="0" smtClean="0"/>
-              <a:t>by other </a:t>
-            </a:r>
-            <a:r>
-              <a:rPr lang="en-US" dirty="0" smtClean="0"/>
-              <a:t>processes</a:t>
-            </a:r>
-            <a:r>
-              <a:rPr lang="en-US" dirty="0" smtClean="0"/>
-              <a:t>.</a:t>
-            </a:r>
-          </a:p>
-          <a:p>
+              <a:rPr lang="en-US" dirty="0" smtClean="0"/>
+              <a:t>{</a:t>
+            </a:r>
             <a:endParaRPr lang="en-US" dirty="0" smtClean="0"/>
           </a:p>
           <a:p>
             <a:r>
               <a:rPr lang="en-US" dirty="0" smtClean="0"/>
-              <a:t>No </a:t>
-            </a:r>
-            <a:r>
-              <a:rPr lang="en-US" b="1" dirty="0" smtClean="0"/>
-              <a:t>preemption. Resources cannot be preempted; that is, a resource </a:t>
-            </a:r>
-            <a:r>
-              <a:rPr lang="en-US" b="1" dirty="0" smtClean="0"/>
-              <a:t>can </a:t>
-            </a:r>
-            <a:r>
-              <a:rPr lang="en-US" dirty="0" smtClean="0"/>
-              <a:t>be </a:t>
-            </a:r>
-            <a:r>
-              <a:rPr lang="en-US" dirty="0" smtClean="0"/>
-              <a:t>released only voluntarily by the process holding it, after that </a:t>
-            </a:r>
-            <a:r>
-              <a:rPr lang="en-US" dirty="0" smtClean="0"/>
-              <a:t>process has </a:t>
-            </a:r>
-            <a:r>
-              <a:rPr lang="en-US" dirty="0" smtClean="0"/>
-              <a:t>completed its task</a:t>
-            </a:r>
-            <a:r>
-              <a:rPr lang="en-US" dirty="0" smtClean="0"/>
-              <a:t>.</a:t>
-            </a:r>
-          </a:p>
-          <a:p>
+              <a:t>    </a:t>
+            </a:r>
+            <a:r>
+              <a:rPr lang="en-US" dirty="0" err="1" smtClean="0"/>
+              <a:t>enum</a:t>
+            </a:r>
+            <a:r>
+              <a:rPr lang="en-US" dirty="0" smtClean="0"/>
+              <a:t> </a:t>
+            </a:r>
+            <a:r>
+              <a:rPr lang="en-US" dirty="0" smtClean="0"/>
+              <a:t>{THINKING, HUNGRY, EATING} </a:t>
+            </a:r>
+            <a:r>
+              <a:rPr lang="en-US" dirty="0" smtClean="0"/>
+              <a:t>        </a:t>
+            </a:r>
+          </a:p>
+          <a:p>
+            <a:r>
+              <a:rPr lang="en-US" dirty="0" smtClean="0"/>
+              <a:t> </a:t>
+            </a:r>
+            <a:r>
+              <a:rPr lang="en-US" dirty="0" smtClean="0"/>
+              <a:t>    state[5</a:t>
+            </a:r>
+            <a:r>
+              <a:rPr lang="en-US" dirty="0" smtClean="0"/>
+              <a:t>];</a:t>
+            </a:r>
+          </a:p>
+          <a:p>
+            <a:r>
+              <a:rPr lang="en-US" dirty="0" smtClean="0"/>
+              <a:t>     condition </a:t>
+            </a:r>
+            <a:r>
+              <a:rPr lang="en-US" dirty="0" smtClean="0"/>
+              <a:t>self[5];</a:t>
+            </a:r>
+          </a:p>
+          <a:p>
+            <a:r>
+              <a:rPr lang="en-US" dirty="0" smtClean="0"/>
+              <a:t>    void </a:t>
+            </a:r>
+            <a:r>
+              <a:rPr lang="en-US" dirty="0" smtClean="0"/>
+              <a:t>pickup(</a:t>
+            </a:r>
+            <a:r>
+              <a:rPr lang="en-US" dirty="0" err="1" smtClean="0"/>
+              <a:t>int</a:t>
+            </a:r>
+            <a:r>
+              <a:rPr lang="en-US" dirty="0" smtClean="0"/>
+              <a:t> </a:t>
+            </a:r>
+            <a:r>
+              <a:rPr lang="en-US" dirty="0" err="1" smtClean="0"/>
+              <a:t>i</a:t>
+            </a:r>
+            <a:r>
+              <a:rPr lang="en-US" dirty="0" smtClean="0"/>
+              <a:t>)</a:t>
+            </a:r>
+          </a:p>
+          <a:p>
+            <a:r>
+              <a:rPr lang="en-US" dirty="0" smtClean="0"/>
+              <a:t> </a:t>
+            </a:r>
+            <a:r>
+              <a:rPr lang="en-US" dirty="0" smtClean="0"/>
+              <a:t>  </a:t>
+            </a:r>
+            <a:r>
+              <a:rPr lang="en-US" dirty="0" smtClean="0"/>
+              <a:t>{</a:t>
+            </a:r>
+          </a:p>
+          <a:p>
+            <a:r>
+              <a:rPr lang="en-US" dirty="0" smtClean="0"/>
+              <a:t>        state[</a:t>
+            </a:r>
+            <a:r>
+              <a:rPr lang="en-US" dirty="0" err="1" smtClean="0"/>
+              <a:t>i</a:t>
+            </a:r>
+            <a:r>
+              <a:rPr lang="en-US" dirty="0" smtClean="0"/>
+              <a:t>] =HUNGRY;</a:t>
+            </a:r>
+          </a:p>
+          <a:p>
+            <a:r>
+              <a:rPr lang="en-US" dirty="0" smtClean="0"/>
+              <a:t>        test(</a:t>
+            </a:r>
+            <a:r>
+              <a:rPr lang="en-US" dirty="0" err="1" smtClean="0"/>
+              <a:t>i</a:t>
+            </a:r>
+            <a:r>
+              <a:rPr lang="en-US" dirty="0" smtClean="0"/>
+              <a:t>);</a:t>
+            </a:r>
+          </a:p>
+          <a:p>
+            <a:r>
+              <a:rPr lang="en-US" dirty="0" smtClean="0"/>
+              <a:t> </a:t>
+            </a:r>
+            <a:r>
+              <a:rPr lang="en-US" dirty="0" smtClean="0"/>
+              <a:t>        if </a:t>
+            </a:r>
+            <a:r>
+              <a:rPr lang="en-US" dirty="0" smtClean="0"/>
+              <a:t>(state [</a:t>
+            </a:r>
+            <a:r>
+              <a:rPr lang="en-US" dirty="0" err="1" smtClean="0"/>
+              <a:t>i</a:t>
+            </a:r>
+            <a:r>
+              <a:rPr lang="en-US" dirty="0" smtClean="0"/>
+              <a:t>] ! = EATING)</a:t>
+            </a:r>
+          </a:p>
+          <a:p>
+            <a:r>
+              <a:rPr lang="en-US" dirty="0" smtClean="0"/>
+              <a:t>              self </a:t>
+            </a:r>
+            <a:r>
+              <a:rPr lang="en-US" dirty="0" smtClean="0"/>
+              <a:t>[</a:t>
+            </a:r>
+            <a:r>
+              <a:rPr lang="en-US" dirty="0" err="1" smtClean="0"/>
+              <a:t>i</a:t>
+            </a:r>
+            <a:r>
+              <a:rPr lang="en-US" dirty="0" smtClean="0"/>
+              <a:t>] . wait() </a:t>
+            </a:r>
+            <a:r>
+              <a:rPr lang="en-US" dirty="0" smtClean="0"/>
+              <a:t>;</a:t>
+            </a:r>
+          </a:p>
+          <a:p>
+            <a:r>
+              <a:rPr lang="en-US" dirty="0" smtClean="0"/>
+              <a:t> </a:t>
+            </a:r>
+            <a:r>
+              <a:rPr lang="en-US" dirty="0" smtClean="0"/>
+              <a:t>  }</a:t>
+            </a:r>
             <a:endParaRPr lang="en-US" dirty="0" smtClean="0"/>
           </a:p>
           <a:p>
             <a:r>
-              <a:rPr lang="en-US" b="1" dirty="0" smtClean="0"/>
-              <a:t>Circular wait. </a:t>
-            </a:r>
-            <a:r>
-              <a:rPr lang="en-US" dirty="0" smtClean="0"/>
-              <a:t>A set { P0 , </a:t>
-            </a:r>
-            <a:r>
-              <a:rPr lang="en-US" dirty="0" smtClean="0"/>
-              <a:t>P1, </a:t>
-            </a:r>
-            <a:r>
-              <a:rPr lang="en-US" dirty="0" smtClean="0"/>
-              <a:t>... , </a:t>
+              <a:rPr lang="en-US" dirty="0" smtClean="0"/>
+              <a:t>   void </a:t>
+            </a:r>
+            <a:r>
+              <a:rPr lang="en-US" dirty="0" smtClean="0"/>
+              <a:t>putdown(</a:t>
             </a:r>
             <a:r>
               <a:rPr lang="en-US" dirty="0" err="1" smtClean="0"/>
-              <a:t>Pn</a:t>
+              <a:t>int</a:t>
             </a:r>
             <a:r>
               <a:rPr lang="en-US" dirty="0" smtClean="0"/>
               <a:t> </a:t>
             </a:r>
             <a:r>
-              <a:rPr lang="en-US" dirty="0" smtClean="0"/>
-              <a:t>} of waiting processes must exist </a:t>
-            </a:r>
-            <a:r>
-              <a:rPr lang="en-US" dirty="0" smtClean="0"/>
-              <a:t>such that P0 </a:t>
-            </a:r>
-            <a:r>
-              <a:rPr lang="en-US" dirty="0" smtClean="0"/>
-              <a:t>is waiting for a </a:t>
-            </a:r>
-            <a:r>
-              <a:rPr lang="en-US" dirty="0" smtClean="0"/>
-              <a:t>resource </a:t>
-            </a:r>
-            <a:r>
-              <a:rPr lang="en-US" dirty="0" smtClean="0"/>
-              <a:t>held by P1, P1 is waiting for a </a:t>
-            </a:r>
-            <a:r>
-              <a:rPr lang="en-US" dirty="0" smtClean="0"/>
-              <a:t>resource held </a:t>
-            </a:r>
-            <a:r>
-              <a:rPr lang="en-US" dirty="0" smtClean="0"/>
-              <a:t>by P2, ... , Pn-1 is waiting for a resource held by </a:t>
-            </a:r>
-            <a:r>
               <a:rPr lang="en-US" dirty="0" err="1" smtClean="0"/>
-              <a:t>P</a:t>
+              <a:t>i</a:t>
+            </a:r>
+            <a:r>
+              <a:rPr lang="en-US" dirty="0" smtClean="0"/>
+              <a:t>)</a:t>
+            </a:r>
+          </a:p>
+          <a:p>
+            <a:r>
+              <a:rPr lang="en-US" dirty="0" smtClean="0"/>
+              <a:t>   {</a:t>
+            </a:r>
+            <a:endParaRPr lang="en-US" dirty="0" smtClean="0"/>
+          </a:p>
+          <a:p>
+            <a:r>
+              <a:rPr lang="en-US" dirty="0" smtClean="0"/>
+              <a:t>      state[</a:t>
             </a:r>
             <a:r>
               <a:rPr lang="en-US" dirty="0" err="1" smtClean="0"/>
-              <a:t>n</a:t>
+              <a:t>i</a:t>
+            </a:r>
+            <a:r>
+              <a:rPr lang="en-US" dirty="0" smtClean="0"/>
+              <a:t>] =THINKING;</a:t>
+            </a:r>
+          </a:p>
+          <a:p>
+            <a:r>
+              <a:rPr lang="en-US" dirty="0" smtClean="0"/>
+              <a:t>      test</a:t>
+            </a:r>
+            <a:r>
+              <a:rPr lang="en-US" dirty="0" smtClean="0"/>
+              <a:t>((</a:t>
+            </a:r>
+            <a:r>
+              <a:rPr lang="en-US" dirty="0" err="1" smtClean="0"/>
+              <a:t>i</a:t>
+            </a:r>
+            <a:r>
+              <a:rPr lang="en-US" dirty="0" smtClean="0"/>
+              <a:t> + 4) % 5);</a:t>
+            </a:r>
+          </a:p>
+          <a:p>
+            <a:r>
+              <a:rPr lang="en-US" dirty="0" smtClean="0"/>
+              <a:t>      test</a:t>
+            </a:r>
+            <a:r>
+              <a:rPr lang="en-US" dirty="0" smtClean="0"/>
+              <a:t>((</a:t>
+            </a:r>
+            <a:r>
+              <a:rPr lang="en-US" dirty="0" err="1" smtClean="0"/>
+              <a:t>i</a:t>
+            </a:r>
+            <a:r>
+              <a:rPr lang="en-US" dirty="0" smtClean="0"/>
+              <a:t> + 1) % 5);</a:t>
+            </a:r>
+          </a:p>
+          <a:p>
+            <a:r>
+              <a:rPr lang="en-US" dirty="0" smtClean="0"/>
+              <a:t>   }</a:t>
+            </a:r>
+            <a:endParaRPr lang="en-US" dirty="0" smtClean="0"/>
+          </a:p>
+        </p:txBody>
+      </p:sp>
+      <p:sp>
+        <p:nvSpPr>
+          <p:cNvPr id="4" name="TextBox 3"/>
+          <p:cNvSpPr txBox="1"/>
+          <p:nvPr/>
+        </p:nvSpPr>
+        <p:spPr>
+          <a:xfrm>
+            <a:off x="5181600" y="1524000"/>
+            <a:ext cx="3733800" cy="3970318"/>
+          </a:xfrm>
+          <a:prstGeom prst="rect">
+            <a:avLst/>
+          </a:prstGeom>
+          <a:solidFill>
+            <a:schemeClr val="accent1"/>
+          </a:solidFill>
+        </p:spPr>
+        <p:txBody>
+          <a:bodyPr wrap="square" rtlCol="0">
+            <a:spAutoFit/>
+          </a:bodyPr>
+          <a:lstStyle/>
+          <a:p>
+            <a:r>
+              <a:rPr lang="en-US" dirty="0" smtClean="0"/>
+              <a:t>void test(</a:t>
+            </a:r>
+            <a:r>
+              <a:rPr lang="en-US" dirty="0" err="1" smtClean="0"/>
+              <a:t>int</a:t>
             </a:r>
             <a:r>
               <a:rPr lang="en-US" dirty="0" smtClean="0"/>
               <a:t> </a:t>
             </a:r>
             <a:r>
-              <a:rPr lang="en-US" dirty="0" smtClean="0"/>
-              <a:t>and </a:t>
-            </a:r>
-            <a:r>
               <a:rPr lang="en-US" dirty="0" err="1" smtClean="0"/>
-              <a:t>Pn</a:t>
-            </a:r>
+              <a:t>i</a:t>
+            </a:r>
+            <a:r>
+              <a:rPr lang="en-US" dirty="0" smtClean="0"/>
+              <a:t>) </a:t>
+            </a:r>
+            <a:endParaRPr lang="en-US" dirty="0" smtClean="0"/>
+          </a:p>
+          <a:p>
+            <a:r>
+              <a:rPr lang="en-US" dirty="0" smtClean="0"/>
+              <a:t>{</a:t>
+            </a:r>
+            <a:endParaRPr lang="en-US" dirty="0" smtClean="0"/>
+          </a:p>
+          <a:p>
+            <a:r>
+              <a:rPr lang="en-US" dirty="0" smtClean="0"/>
+              <a:t>    if </a:t>
+            </a:r>
+            <a:r>
+              <a:rPr lang="en-US" dirty="0" smtClean="0"/>
+              <a:t>((state[(</a:t>
+            </a:r>
+            <a:r>
+              <a:rPr lang="en-US" dirty="0" err="1" smtClean="0"/>
+              <a:t>i</a:t>
+            </a:r>
+            <a:r>
+              <a:rPr lang="en-US" dirty="0" smtClean="0"/>
+              <a:t> + 4) % 5] !=EATING) &amp;&amp;</a:t>
+            </a:r>
+          </a:p>
+          <a:p>
+            <a:r>
+              <a:rPr lang="en-US" dirty="0" smtClean="0"/>
+              <a:t>(state[</a:t>
+            </a:r>
+            <a:r>
+              <a:rPr lang="en-US" dirty="0" err="1" smtClean="0"/>
+              <a:t>i</a:t>
+            </a:r>
+            <a:r>
+              <a:rPr lang="en-US" dirty="0" smtClean="0"/>
+              <a:t>] ==HUNGRY) </a:t>
+            </a:r>
+            <a:r>
+              <a:rPr lang="en-US" dirty="0" smtClean="0"/>
+              <a:t>&amp;&amp; (</a:t>
+            </a:r>
+            <a:r>
+              <a:rPr lang="en-US" dirty="0" smtClean="0"/>
+              <a:t>state[(</a:t>
+            </a:r>
+            <a:r>
+              <a:rPr lang="en-US" dirty="0" err="1" smtClean="0"/>
+              <a:t>i</a:t>
+            </a:r>
+            <a:r>
+              <a:rPr lang="en-US" dirty="0" smtClean="0"/>
+              <a:t> + 1) % 5] !=EATING)) </a:t>
+            </a:r>
+            <a:endParaRPr lang="en-US" dirty="0" smtClean="0"/>
+          </a:p>
+          <a:p>
+            <a:r>
+              <a:rPr lang="en-US" dirty="0" smtClean="0"/>
+              <a:t>{</a:t>
+            </a:r>
+            <a:endParaRPr lang="en-US" dirty="0" smtClean="0"/>
+          </a:p>
+          <a:p>
+            <a:r>
+              <a:rPr lang="en-US" dirty="0" smtClean="0"/>
+              <a:t>      state[</a:t>
+            </a:r>
+            <a:r>
+              <a:rPr lang="en-US" dirty="0" err="1" smtClean="0"/>
+              <a:t>i</a:t>
+            </a:r>
+            <a:r>
+              <a:rPr lang="en-US" dirty="0" smtClean="0"/>
+              <a:t>] =EATING;</a:t>
+            </a:r>
+          </a:p>
+          <a:p>
+            <a:r>
+              <a:rPr lang="en-US" dirty="0" smtClean="0"/>
+              <a:t>      self[</a:t>
+            </a:r>
+            <a:r>
+              <a:rPr lang="en-US" dirty="0" err="1" smtClean="0"/>
+              <a:t>i</a:t>
+            </a:r>
+            <a:r>
+              <a:rPr lang="en-US" dirty="0" smtClean="0"/>
+              <a:t>] .signal();</a:t>
+            </a:r>
+          </a:p>
+          <a:p>
+            <a:r>
+              <a:rPr lang="en-US" dirty="0" smtClean="0"/>
+              <a:t>}</a:t>
+            </a:r>
+          </a:p>
+          <a:p>
+            <a:r>
+              <a:rPr lang="en-US" dirty="0" smtClean="0"/>
+              <a:t>}</a:t>
+            </a:r>
+          </a:p>
+          <a:p>
+            <a:endParaRPr lang="en-US" dirty="0" smtClean="0"/>
+          </a:p>
+          <a:p>
+            <a:r>
+              <a:rPr lang="en-US" dirty="0" err="1" smtClean="0"/>
+              <a:t>initialization_code</a:t>
+            </a:r>
+            <a:r>
+              <a:rPr lang="en-US" dirty="0" smtClean="0"/>
+              <a:t>()</a:t>
+            </a:r>
+          </a:p>
+          <a:p>
             <a:r>
               <a:rPr lang="en-US" dirty="0" smtClean="0"/>
               <a:t> </a:t>
             </a:r>
             <a:r>
               <a:rPr lang="en-US" dirty="0" smtClean="0"/>
-              <a:t>is </a:t>
-            </a:r>
-            <a:r>
-              <a:rPr lang="en-US" dirty="0" smtClean="0"/>
-              <a:t>waiting for </a:t>
-            </a:r>
-            <a:r>
-              <a:rPr lang="en-US" dirty="0" smtClean="0"/>
-              <a:t>a resource held by </a:t>
-            </a:r>
-            <a:r>
-              <a:rPr lang="en-US" dirty="0" smtClean="0"/>
-              <a:t>P0. (This is a special case of hold and wait)</a:t>
-            </a:r>
-          </a:p>
-          <a:p>
+              <a:t>{</a:t>
+            </a:r>
+          </a:p>
+          <a:p>
+            <a:r>
+              <a:rPr lang="en-US" dirty="0" smtClean="0"/>
+              <a:t>}</a:t>
+            </a:r>
             <a:endParaRPr lang="en-US" dirty="0"/>
           </a:p>
         </p:txBody>
@@ -8704,6 +10176,861 @@
       </p:grpSpPr>
       <p:sp>
         <p:nvSpPr>
+          <p:cNvPr id="2" name="TextBox 1"/>
+          <p:cNvSpPr txBox="1"/>
+          <p:nvPr/>
+        </p:nvSpPr>
+        <p:spPr>
+          <a:xfrm>
+            <a:off x="609600" y="838200"/>
+            <a:ext cx="6781800" cy="1754326"/>
+          </a:xfrm>
+          <a:prstGeom prst="rect">
+            <a:avLst/>
+          </a:prstGeom>
+          <a:noFill/>
+        </p:spPr>
+        <p:txBody>
+          <a:bodyPr wrap="square" rtlCol="0">
+            <a:spAutoFit/>
+          </a:bodyPr>
+          <a:lstStyle/>
+          <a:p>
+            <a:r>
+              <a:rPr lang="en-US" dirty="0" smtClean="0"/>
+              <a:t>Main()</a:t>
+            </a:r>
+          </a:p>
+          <a:p>
+            <a:r>
+              <a:rPr lang="en-US" dirty="0" smtClean="0"/>
+              <a:t>{</a:t>
+            </a:r>
+          </a:p>
+          <a:p>
+            <a:r>
+              <a:rPr lang="en-US" dirty="0" smtClean="0"/>
+              <a:t> </a:t>
+            </a:r>
+            <a:r>
+              <a:rPr lang="en-US" dirty="0" smtClean="0"/>
+              <a:t>    </a:t>
+            </a:r>
+            <a:r>
+              <a:rPr lang="en-US" dirty="0" err="1" smtClean="0"/>
+              <a:t>DiningPhilosophers.pickup</a:t>
+            </a:r>
+            <a:r>
+              <a:rPr lang="en-US" dirty="0" smtClean="0"/>
+              <a:t>(</a:t>
+            </a:r>
+            <a:r>
+              <a:rPr lang="en-US" dirty="0" err="1" smtClean="0"/>
+              <a:t>i</a:t>
+            </a:r>
+            <a:r>
+              <a:rPr lang="en-US" dirty="0" smtClean="0"/>
+              <a:t>);</a:t>
+            </a:r>
+          </a:p>
+          <a:p>
+            <a:r>
+              <a:rPr lang="en-US" dirty="0" smtClean="0"/>
+              <a:t>      ……….eat…………</a:t>
+            </a:r>
+            <a:endParaRPr lang="en-US" dirty="0" smtClean="0"/>
+          </a:p>
+          <a:p>
+            <a:r>
+              <a:rPr lang="en-US" dirty="0" smtClean="0"/>
+              <a:t>     </a:t>
+            </a:r>
+            <a:r>
+              <a:rPr lang="en-US" dirty="0" err="1" smtClean="0"/>
+              <a:t>DiningPhilosophers.putdown</a:t>
+            </a:r>
+            <a:r>
+              <a:rPr lang="en-US" dirty="0" smtClean="0"/>
+              <a:t>(</a:t>
+            </a:r>
+            <a:r>
+              <a:rPr lang="en-US" dirty="0" err="1" smtClean="0"/>
+              <a:t>i</a:t>
+            </a:r>
+            <a:r>
+              <a:rPr lang="en-US" dirty="0" smtClean="0"/>
+              <a:t>);</a:t>
+            </a:r>
+          </a:p>
+          <a:p>
+            <a:r>
+              <a:rPr lang="en-US" dirty="0" smtClean="0"/>
+              <a:t>}</a:t>
+            </a:r>
+            <a:endParaRPr lang="en-US" dirty="0"/>
+          </a:p>
+        </p:txBody>
+      </p:sp>
+    </p:spTree>
+  </p:cSld>
+  <p:clrMapOvr>
+    <a:masterClrMapping/>
+  </p:clrMapOvr>
+</p:sld>
+</file>
+
+<file path=ppt/slides/slide39.xml><?xml version="1.0" encoding="utf-8"?>
+<p:sld xmlns:a="http://schemas.openxmlformats.org/drawingml/2006/main" xmlns:r="http://schemas.openxmlformats.org/officeDocument/2006/relationships" xmlns:p="http://schemas.openxmlformats.org/presentationml/2006/main">
+  <p:cSld>
+    <p:spTree>
+      <p:nvGrpSpPr>
+        <p:cNvPr id="1" name=""/>
+        <p:cNvGrpSpPr/>
+        <p:nvPr/>
+      </p:nvGrpSpPr>
+      <p:grpSpPr>
+        <a:xfrm>
+          <a:off x="0" y="0"/>
+          <a:ext cx="0" cy="0"/>
+          <a:chOff x="0" y="0"/>
+          <a:chExt cx="0" cy="0"/>
+        </a:xfrm>
+      </p:grpSpPr>
+      <p:sp>
+        <p:nvSpPr>
+          <p:cNvPr id="4" name="Title 1"/>
+          <p:cNvSpPr txBox="1">
+            <a:spLocks/>
+          </p:cNvSpPr>
+          <p:nvPr/>
+        </p:nvSpPr>
+        <p:spPr>
+          <a:xfrm>
+            <a:off x="685800" y="2438400"/>
+            <a:ext cx="7772400" cy="1470025"/>
+          </a:xfrm>
+          <a:prstGeom prst="rect">
+            <a:avLst/>
+          </a:prstGeom>
+        </p:spPr>
+        <p:txBody>
+          <a:bodyPr vert="horz" lIns="91440" tIns="45720" rIns="91440" bIns="45720" rtlCol="0" anchor="t">
+            <a:normAutofit/>
+          </a:bodyPr>
+          <a:lstStyle/>
+          <a:p>
+            <a:pPr marL="0" marR="0" lvl="0" indent="0" algn="l" defTabSz="914400" rtl="0" eaLnBrk="1" fontAlgn="auto" latinLnBrk="0" hangingPunct="1">
+              <a:lnSpc>
+                <a:spcPct val="100000"/>
+              </a:lnSpc>
+              <a:spcBef>
+                <a:spcPct val="0"/>
+              </a:spcBef>
+              <a:spcAft>
+                <a:spcPts val="0"/>
+              </a:spcAft>
+              <a:buClrTx/>
+              <a:buSzTx/>
+              <a:buFontTx/>
+              <a:buNone/>
+              <a:tabLst/>
+              <a:defRPr/>
+            </a:pPr>
+            <a:r>
+              <a:rPr kumimoji="0" lang="en-US" sz="4000" b="1" i="0" u="none" strike="noStrike" kern="1200" cap="all" spc="0" normalizeH="0" baseline="0" noProof="0" dirty="0" smtClean="0">
+                <a:ln>
+                  <a:noFill/>
+                </a:ln>
+                <a:solidFill>
+                  <a:schemeClr val="tx1"/>
+                </a:solidFill>
+                <a:effectLst/>
+                <a:uLnTx/>
+                <a:uFillTx/>
+                <a:latin typeface="+mj-lt"/>
+                <a:ea typeface="+mj-ea"/>
+                <a:cs typeface="+mj-cs"/>
+              </a:rPr>
+              <a:t>Atomic Transactions</a:t>
+            </a:r>
+            <a:endParaRPr kumimoji="0" lang="en-US" sz="4000" b="1" i="0" u="none" strike="noStrike" kern="1200" cap="all" spc="0" normalizeH="0" baseline="0" noProof="0" dirty="0">
+              <a:ln>
+                <a:noFill/>
+              </a:ln>
+              <a:solidFill>
+                <a:schemeClr val="tx1"/>
+              </a:solidFill>
+              <a:effectLst/>
+              <a:uLnTx/>
+              <a:uFillTx/>
+              <a:latin typeface="+mj-lt"/>
+              <a:ea typeface="+mj-ea"/>
+              <a:cs typeface="+mj-cs"/>
+            </a:endParaRPr>
+          </a:p>
+        </p:txBody>
+      </p:sp>
+    </p:spTree>
+  </p:cSld>
+  <p:clrMapOvr>
+    <a:masterClrMapping/>
+  </p:clrMapOvr>
+</p:sld>
+</file>
+
+<file path=ppt/slides/slide4.xml><?xml version="1.0" encoding="utf-8"?>
+<p:sld xmlns:a="http://schemas.openxmlformats.org/drawingml/2006/main" xmlns:r="http://schemas.openxmlformats.org/officeDocument/2006/relationships" xmlns:p="http://schemas.openxmlformats.org/presentationml/2006/main">
+  <p:cSld>
+    <p:spTree>
+      <p:nvGrpSpPr>
+        <p:cNvPr id="1" name=""/>
+        <p:cNvGrpSpPr/>
+        <p:nvPr/>
+      </p:nvGrpSpPr>
+      <p:grpSpPr>
+        <a:xfrm>
+          <a:off x="0" y="0"/>
+          <a:ext cx="0" cy="0"/>
+          <a:chOff x="0" y="0"/>
+          <a:chExt cx="0" cy="0"/>
+        </a:xfrm>
+      </p:grpSpPr>
+      <p:sp>
+        <p:nvSpPr>
+          <p:cNvPr id="2" name="Title 1"/>
+          <p:cNvSpPr>
+            <a:spLocks noGrp="1"/>
+          </p:cNvSpPr>
+          <p:nvPr>
+            <p:ph type="title"/>
+          </p:nvPr>
+        </p:nvSpPr>
+        <p:spPr>
+          <a:xfrm>
+            <a:off x="457200" y="274638"/>
+            <a:ext cx="8229600" cy="715962"/>
+          </a:xfrm>
+        </p:spPr>
+        <p:txBody>
+          <a:bodyPr>
+            <a:normAutofit fontScale="90000"/>
+          </a:bodyPr>
+          <a:lstStyle/>
+          <a:p>
+            <a:r>
+              <a:rPr lang="en-US" dirty="0" smtClean="0"/>
+              <a:t>Critical Section</a:t>
+            </a:r>
+            <a:endParaRPr lang="en-US" dirty="0"/>
+          </a:p>
+        </p:txBody>
+      </p:sp>
+      <p:sp>
+        <p:nvSpPr>
+          <p:cNvPr id="3" name="TextBox 2"/>
+          <p:cNvSpPr txBox="1"/>
+          <p:nvPr/>
+        </p:nvSpPr>
+        <p:spPr>
+          <a:xfrm>
+            <a:off x="457200" y="990600"/>
+            <a:ext cx="8382000" cy="3139321"/>
+          </a:xfrm>
+          <a:prstGeom prst="rect">
+            <a:avLst/>
+          </a:prstGeom>
+          <a:noFill/>
+          <a:ln>
+            <a:solidFill>
+              <a:srgbClr val="FF0000"/>
+            </a:solidFill>
+          </a:ln>
+        </p:spPr>
+        <p:txBody>
+          <a:bodyPr wrap="square" rtlCol="0">
+            <a:spAutoFit/>
+          </a:bodyPr>
+          <a:lstStyle/>
+          <a:p>
+            <a:r>
+              <a:rPr lang="en-US" dirty="0" smtClean="0"/>
+              <a:t>Let us say  we a  region in the memory let us a  structure</a:t>
+            </a:r>
+          </a:p>
+          <a:p>
+            <a:r>
+              <a:rPr lang="en-US" dirty="0" err="1" smtClean="0"/>
+              <a:t>struct</a:t>
+            </a:r>
+            <a:r>
+              <a:rPr lang="en-US" dirty="0" smtClean="0"/>
+              <a:t>  sensor</a:t>
+            </a:r>
+          </a:p>
+          <a:p>
+            <a:r>
+              <a:rPr lang="en-US" dirty="0" smtClean="0"/>
+              <a:t>{</a:t>
+            </a:r>
+          </a:p>
+          <a:p>
+            <a:r>
+              <a:rPr lang="en-US" dirty="0" smtClean="0"/>
+              <a:t>      </a:t>
+            </a:r>
+            <a:r>
+              <a:rPr lang="en-US" dirty="0" err="1" smtClean="0"/>
+              <a:t>int</a:t>
+            </a:r>
+            <a:r>
+              <a:rPr lang="en-US" dirty="0" smtClean="0"/>
+              <a:t> voltage ;</a:t>
+            </a:r>
+          </a:p>
+          <a:p>
+            <a:r>
+              <a:rPr lang="en-US" dirty="0" smtClean="0"/>
+              <a:t>      </a:t>
+            </a:r>
+            <a:r>
+              <a:rPr lang="en-US" dirty="0" err="1" smtClean="0"/>
+              <a:t>int</a:t>
+            </a:r>
+            <a:r>
+              <a:rPr lang="en-US" dirty="0" smtClean="0"/>
+              <a:t> </a:t>
+            </a:r>
+            <a:r>
+              <a:rPr lang="en-US" dirty="0" err="1" smtClean="0"/>
+              <a:t>datareceived</a:t>
+            </a:r>
+            <a:r>
+              <a:rPr lang="en-US" dirty="0" smtClean="0"/>
+              <a:t> ;</a:t>
+            </a:r>
+          </a:p>
+          <a:p>
+            <a:r>
+              <a:rPr lang="en-US" dirty="0" smtClean="0"/>
+              <a:t>      </a:t>
+            </a:r>
+            <a:r>
+              <a:rPr lang="en-US" dirty="0" err="1" smtClean="0"/>
+              <a:t>int</a:t>
+            </a:r>
+            <a:r>
+              <a:rPr lang="en-US" dirty="0" smtClean="0"/>
+              <a:t> </a:t>
+            </a:r>
+            <a:r>
+              <a:rPr lang="en-US" dirty="0" err="1" smtClean="0"/>
+              <a:t>controlParameters</a:t>
+            </a:r>
+            <a:r>
+              <a:rPr lang="en-US" dirty="0" smtClean="0"/>
+              <a:t> ;</a:t>
+            </a:r>
+          </a:p>
+          <a:p>
+            <a:r>
+              <a:rPr lang="en-US" dirty="0" smtClean="0"/>
+              <a:t>} </a:t>
+            </a:r>
+            <a:r>
+              <a:rPr lang="en-US" dirty="0" err="1" smtClean="0"/>
+              <a:t>mySensor</a:t>
+            </a:r>
+            <a:r>
+              <a:rPr lang="en-US" dirty="0" smtClean="0"/>
+              <a:t>; </a:t>
+            </a:r>
+          </a:p>
+          <a:p>
+            <a:endParaRPr lang="en-US" dirty="0" smtClean="0"/>
+          </a:p>
+          <a:p>
+            <a:r>
+              <a:rPr lang="en-US" dirty="0" smtClean="0"/>
+              <a:t>This structure is accessed by multiple threads T1, T2, T3 ………. Tn. More the number of threads reading and writing to structure makes it vulnerable to corruption due to race condition.</a:t>
+            </a:r>
+            <a:endParaRPr lang="en-US" dirty="0"/>
+          </a:p>
+        </p:txBody>
+      </p:sp>
+      <p:sp>
+        <p:nvSpPr>
+          <p:cNvPr id="4" name="TextBox 3"/>
+          <p:cNvSpPr txBox="1"/>
+          <p:nvPr/>
+        </p:nvSpPr>
+        <p:spPr>
+          <a:xfrm>
+            <a:off x="228600" y="4572000"/>
+            <a:ext cx="8610600" cy="1200329"/>
+          </a:xfrm>
+          <a:prstGeom prst="rect">
+            <a:avLst/>
+          </a:prstGeom>
+          <a:noFill/>
+          <a:ln>
+            <a:solidFill>
+              <a:srgbClr val="FF0000"/>
+            </a:solidFill>
+          </a:ln>
+        </p:spPr>
+        <p:txBody>
+          <a:bodyPr wrap="square" rtlCol="0">
+            <a:spAutoFit/>
+          </a:bodyPr>
+          <a:lstStyle/>
+          <a:p>
+            <a:pPr algn="just"/>
+            <a:r>
+              <a:rPr lang="en-US" dirty="0" smtClean="0"/>
+              <a:t>One practical solution to this problem is,  have one dedicated routine to access this shared structure (both reading and writing)  and we “</a:t>
+            </a:r>
+            <a:r>
+              <a:rPr lang="en-US" b="1" dirty="0" smtClean="0"/>
+              <a:t>Protect</a:t>
+            </a:r>
+            <a:r>
+              <a:rPr lang="en-US" dirty="0" smtClean="0"/>
+              <a:t>” this routine such than only one thread can execute this routine at a given time. Such a protected routine or a region of code is called “</a:t>
+            </a:r>
+            <a:r>
+              <a:rPr lang="en-US" b="1" dirty="0" smtClean="0"/>
+              <a:t>Critical section</a:t>
+            </a:r>
+            <a:r>
+              <a:rPr lang="en-US" dirty="0" smtClean="0"/>
+              <a:t>”.</a:t>
+            </a:r>
+            <a:endParaRPr lang="en-US" dirty="0"/>
+          </a:p>
+        </p:txBody>
+      </p:sp>
+    </p:spTree>
+  </p:cSld>
+  <p:clrMapOvr>
+    <a:masterClrMapping/>
+  </p:clrMapOvr>
+</p:sld>
+</file>
+
+<file path=ppt/slides/slide40.xml><?xml version="1.0" encoding="utf-8"?>
+<p:sld xmlns:a="http://schemas.openxmlformats.org/drawingml/2006/main" xmlns:r="http://schemas.openxmlformats.org/officeDocument/2006/relationships" xmlns:p="http://schemas.openxmlformats.org/presentationml/2006/main">
+  <p:cSld>
+    <p:spTree>
+      <p:nvGrpSpPr>
+        <p:cNvPr id="1" name=""/>
+        <p:cNvGrpSpPr/>
+        <p:nvPr/>
+      </p:nvGrpSpPr>
+      <p:grpSpPr>
+        <a:xfrm>
+          <a:off x="0" y="0"/>
+          <a:ext cx="0" cy="0"/>
+          <a:chOff x="0" y="0"/>
+          <a:chExt cx="0" cy="0"/>
+        </a:xfrm>
+      </p:grpSpPr>
+      <p:sp>
+        <p:nvSpPr>
+          <p:cNvPr id="2" name="Title 1"/>
+          <p:cNvSpPr>
+            <a:spLocks noGrp="1"/>
+          </p:cNvSpPr>
+          <p:nvPr>
+            <p:ph type="title"/>
+          </p:nvPr>
+        </p:nvSpPr>
+        <p:spPr/>
+        <p:txBody>
+          <a:bodyPr/>
+          <a:lstStyle/>
+          <a:p>
+            <a:r>
+              <a:rPr lang="en-US" dirty="0" smtClean="0"/>
+              <a:t>Transactional Memory</a:t>
+            </a:r>
+            <a:endParaRPr lang="en-US" dirty="0"/>
+          </a:p>
+        </p:txBody>
+      </p:sp>
+    </p:spTree>
+  </p:cSld>
+  <p:clrMapOvr>
+    <a:masterClrMapping/>
+  </p:clrMapOvr>
+</p:sld>
+</file>
+
+<file path=ppt/slides/slide41.xml><?xml version="1.0" encoding="utf-8"?>
+<p:sld xmlns:a="http://schemas.openxmlformats.org/drawingml/2006/main" xmlns:r="http://schemas.openxmlformats.org/officeDocument/2006/relationships" xmlns:p="http://schemas.openxmlformats.org/presentationml/2006/main">
+  <p:cSld>
+    <p:spTree>
+      <p:nvGrpSpPr>
+        <p:cNvPr id="1" name=""/>
+        <p:cNvGrpSpPr/>
+        <p:nvPr/>
+      </p:nvGrpSpPr>
+      <p:grpSpPr>
+        <a:xfrm>
+          <a:off x="0" y="0"/>
+          <a:ext cx="0" cy="0"/>
+          <a:chOff x="0" y="0"/>
+          <a:chExt cx="0" cy="0"/>
+        </a:xfrm>
+      </p:grpSpPr>
+      <p:sp>
+        <p:nvSpPr>
+          <p:cNvPr id="2" name="Title 1"/>
+          <p:cNvSpPr>
+            <a:spLocks noGrp="1"/>
+          </p:cNvSpPr>
+          <p:nvPr>
+            <p:ph type="title"/>
+          </p:nvPr>
+        </p:nvSpPr>
+        <p:spPr/>
+        <p:txBody>
+          <a:bodyPr/>
+          <a:lstStyle/>
+          <a:p>
+            <a:r>
+              <a:rPr lang="en-US" dirty="0" smtClean="0"/>
+              <a:t>Log Based Recovery</a:t>
+            </a:r>
+            <a:endParaRPr lang="en-US" dirty="0"/>
+          </a:p>
+        </p:txBody>
+      </p:sp>
+    </p:spTree>
+  </p:cSld>
+  <p:clrMapOvr>
+    <a:masterClrMapping/>
+  </p:clrMapOvr>
+</p:sld>
+</file>
+
+<file path=ppt/slides/slide42.xml><?xml version="1.0" encoding="utf-8"?>
+<p:sld xmlns:a="http://schemas.openxmlformats.org/drawingml/2006/main" xmlns:r="http://schemas.openxmlformats.org/officeDocument/2006/relationships" xmlns:p="http://schemas.openxmlformats.org/presentationml/2006/main">
+  <p:cSld>
+    <p:spTree>
+      <p:nvGrpSpPr>
+        <p:cNvPr id="1" name=""/>
+        <p:cNvGrpSpPr/>
+        <p:nvPr/>
+      </p:nvGrpSpPr>
+      <p:grpSpPr>
+        <a:xfrm>
+          <a:off x="0" y="0"/>
+          <a:ext cx="0" cy="0"/>
+          <a:chOff x="0" y="0"/>
+          <a:chExt cx="0" cy="0"/>
+        </a:xfrm>
+      </p:grpSpPr>
+      <p:sp>
+        <p:nvSpPr>
+          <p:cNvPr id="2" name="Title 1"/>
+          <p:cNvSpPr>
+            <a:spLocks noGrp="1"/>
+          </p:cNvSpPr>
+          <p:nvPr>
+            <p:ph type="title"/>
+          </p:nvPr>
+        </p:nvSpPr>
+        <p:spPr/>
+        <p:txBody>
+          <a:bodyPr/>
+          <a:lstStyle/>
+          <a:p>
+            <a:r>
+              <a:rPr lang="en-US" dirty="0" smtClean="0"/>
+              <a:t>Check points</a:t>
+            </a:r>
+            <a:endParaRPr lang="en-US" dirty="0"/>
+          </a:p>
+        </p:txBody>
+      </p:sp>
+    </p:spTree>
+  </p:cSld>
+  <p:clrMapOvr>
+    <a:masterClrMapping/>
+  </p:clrMapOvr>
+</p:sld>
+</file>
+
+<file path=ppt/slides/slide43.xml><?xml version="1.0" encoding="utf-8"?>
+<p:sld xmlns:a="http://schemas.openxmlformats.org/drawingml/2006/main" xmlns:r="http://schemas.openxmlformats.org/officeDocument/2006/relationships" xmlns:p="http://schemas.openxmlformats.org/presentationml/2006/main">
+  <p:cSld>
+    <p:spTree>
+      <p:nvGrpSpPr>
+        <p:cNvPr id="1" name=""/>
+        <p:cNvGrpSpPr/>
+        <p:nvPr/>
+      </p:nvGrpSpPr>
+      <p:grpSpPr>
+        <a:xfrm>
+          <a:off x="0" y="0"/>
+          <a:ext cx="0" cy="0"/>
+          <a:chOff x="0" y="0"/>
+          <a:chExt cx="0" cy="0"/>
+        </a:xfrm>
+      </p:grpSpPr>
+      <p:sp>
+        <p:nvSpPr>
+          <p:cNvPr id="2" name="Title 1"/>
+          <p:cNvSpPr>
+            <a:spLocks noGrp="1"/>
+          </p:cNvSpPr>
+          <p:nvPr>
+            <p:ph type="title"/>
+          </p:nvPr>
+        </p:nvSpPr>
+        <p:spPr/>
+        <p:txBody>
+          <a:bodyPr>
+            <a:normAutofit/>
+          </a:bodyPr>
+          <a:lstStyle/>
+          <a:p>
+            <a:r>
+              <a:rPr lang="en-US" dirty="0" smtClean="0"/>
+              <a:t>Concurrent Atomic Transactions</a:t>
+            </a:r>
+            <a:endParaRPr lang="en-US" dirty="0"/>
+          </a:p>
+        </p:txBody>
+      </p:sp>
+    </p:spTree>
+  </p:cSld>
+  <p:clrMapOvr>
+    <a:masterClrMapping/>
+  </p:clrMapOvr>
+</p:sld>
+</file>
+
+<file path=ppt/slides/slide44.xml><?xml version="1.0" encoding="utf-8"?>
+<p:sld xmlns:a="http://schemas.openxmlformats.org/drawingml/2006/main" xmlns:r="http://schemas.openxmlformats.org/officeDocument/2006/relationships" xmlns:p="http://schemas.openxmlformats.org/presentationml/2006/main">
+  <p:cSld>
+    <p:spTree>
+      <p:nvGrpSpPr>
+        <p:cNvPr id="1" name=""/>
+        <p:cNvGrpSpPr/>
+        <p:nvPr/>
+      </p:nvGrpSpPr>
+      <p:grpSpPr>
+        <a:xfrm>
+          <a:off x="0" y="0"/>
+          <a:ext cx="0" cy="0"/>
+          <a:chOff x="0" y="0"/>
+          <a:chExt cx="0" cy="0"/>
+        </a:xfrm>
+      </p:grpSpPr>
+      <p:sp>
+        <p:nvSpPr>
+          <p:cNvPr id="2" name="Title 1"/>
+          <p:cNvSpPr>
+            <a:spLocks noGrp="1"/>
+          </p:cNvSpPr>
+          <p:nvPr>
+            <p:ph type="ctrTitle"/>
+          </p:nvPr>
+        </p:nvSpPr>
+        <p:spPr/>
+        <p:txBody>
+          <a:bodyPr/>
+          <a:lstStyle/>
+          <a:p>
+            <a:r>
+              <a:rPr lang="en-US" dirty="0" smtClean="0"/>
+              <a:t>Dead Locks a Deep dive</a:t>
+            </a:r>
+            <a:endParaRPr lang="en-US" dirty="0"/>
+          </a:p>
+        </p:txBody>
+      </p:sp>
+    </p:spTree>
+  </p:cSld>
+  <p:clrMapOvr>
+    <a:masterClrMapping/>
+  </p:clrMapOvr>
+</p:sld>
+</file>
+
+<file path=ppt/slides/slide45.xml><?xml version="1.0" encoding="utf-8"?>
+<p:sld xmlns:a="http://schemas.openxmlformats.org/drawingml/2006/main" xmlns:r="http://schemas.openxmlformats.org/officeDocument/2006/relationships" xmlns:p="http://schemas.openxmlformats.org/presentationml/2006/main">
+  <p:cSld>
+    <p:spTree>
+      <p:nvGrpSpPr>
+        <p:cNvPr id="1" name=""/>
+        <p:cNvGrpSpPr/>
+        <p:nvPr/>
+      </p:nvGrpSpPr>
+      <p:grpSpPr>
+        <a:xfrm>
+          <a:off x="0" y="0"/>
+          <a:ext cx="0" cy="0"/>
+          <a:chOff x="0" y="0"/>
+          <a:chExt cx="0" cy="0"/>
+        </a:xfrm>
+      </p:grpSpPr>
+      <p:sp>
+        <p:nvSpPr>
+          <p:cNvPr id="2" name="Title 1"/>
+          <p:cNvSpPr>
+            <a:spLocks noGrp="1"/>
+          </p:cNvSpPr>
+          <p:nvPr>
+            <p:ph type="title"/>
+          </p:nvPr>
+        </p:nvSpPr>
+        <p:spPr/>
+        <p:txBody>
+          <a:bodyPr>
+            <a:normAutofit fontScale="90000"/>
+          </a:bodyPr>
+          <a:lstStyle/>
+          <a:p>
+            <a:r>
+              <a:rPr lang="en-US" dirty="0" smtClean="0"/>
+              <a:t>Necessary conditions for a deadlock to happen</a:t>
+            </a:r>
+            <a:endParaRPr lang="en-US" dirty="0"/>
+          </a:p>
+        </p:txBody>
+      </p:sp>
+      <p:sp>
+        <p:nvSpPr>
+          <p:cNvPr id="3" name="TextBox 2"/>
+          <p:cNvSpPr txBox="1"/>
+          <p:nvPr/>
+        </p:nvSpPr>
+        <p:spPr>
+          <a:xfrm>
+            <a:off x="228600" y="1981200"/>
+            <a:ext cx="8610600" cy="3970318"/>
+          </a:xfrm>
+          <a:prstGeom prst="rect">
+            <a:avLst/>
+          </a:prstGeom>
+          <a:noFill/>
+        </p:spPr>
+        <p:txBody>
+          <a:bodyPr wrap="square" rtlCol="0">
+            <a:spAutoFit/>
+          </a:bodyPr>
+          <a:lstStyle/>
+          <a:p>
+            <a:r>
+              <a:rPr lang="en-US" b="1" dirty="0" smtClean="0"/>
+              <a:t>Mutual exclusion. At least one resource must be held in a non-sharable </a:t>
+            </a:r>
+            <a:r>
+              <a:rPr lang="en-US" dirty="0" smtClean="0"/>
+              <a:t>mode; that is, only one process at a time can use the resource</a:t>
+            </a:r>
+          </a:p>
+          <a:p>
+            <a:endParaRPr lang="en-US" dirty="0" smtClean="0"/>
+          </a:p>
+          <a:p>
+            <a:r>
+              <a:rPr lang="en-US" b="1" dirty="0" smtClean="0"/>
+              <a:t>Hold and wait. A process must be holding at least one resource and </a:t>
+            </a:r>
+            <a:r>
+              <a:rPr lang="en-US" dirty="0" smtClean="0"/>
+              <a:t>waiting to acquire additional resources that are currently being held by other processes.</a:t>
+            </a:r>
+          </a:p>
+          <a:p>
+            <a:endParaRPr lang="en-US" dirty="0" smtClean="0"/>
+          </a:p>
+          <a:p>
+            <a:r>
+              <a:rPr lang="en-US" dirty="0" smtClean="0"/>
+              <a:t>No </a:t>
+            </a:r>
+            <a:r>
+              <a:rPr lang="en-US" b="1" dirty="0" smtClean="0"/>
+              <a:t>preemption. Resources cannot be preempted; that is, a resource can </a:t>
+            </a:r>
+            <a:r>
+              <a:rPr lang="en-US" dirty="0" smtClean="0"/>
+              <a:t>be released only voluntarily by the process holding it, after that process has completed its task.</a:t>
+            </a:r>
+          </a:p>
+          <a:p>
+            <a:endParaRPr lang="en-US" dirty="0" smtClean="0"/>
+          </a:p>
+          <a:p>
+            <a:r>
+              <a:rPr lang="en-US" b="1" dirty="0" smtClean="0"/>
+              <a:t>Circular wait. </a:t>
+            </a:r>
+            <a:r>
+              <a:rPr lang="en-US" dirty="0" smtClean="0"/>
+              <a:t>A set { P0 , P1, ... , </a:t>
+            </a:r>
+            <a:r>
+              <a:rPr lang="en-US" dirty="0" err="1" smtClean="0"/>
+              <a:t>Pn</a:t>
+            </a:r>
+            <a:r>
+              <a:rPr lang="en-US" dirty="0" smtClean="0"/>
+              <a:t> } of waiting processes must exist such that P0 is waiting for a resource held by P1, P1 is waiting for a resource held by P2, ... , Pn-1 is waiting for a resource held by </a:t>
+            </a:r>
+            <a:r>
+              <a:rPr lang="en-US" dirty="0" err="1" smtClean="0"/>
+              <a:t>Pn</a:t>
+            </a:r>
+            <a:r>
+              <a:rPr lang="en-US" dirty="0" smtClean="0"/>
+              <a:t> and </a:t>
+            </a:r>
+            <a:r>
+              <a:rPr lang="en-US" dirty="0" err="1" smtClean="0"/>
+              <a:t>Pn</a:t>
+            </a:r>
+            <a:r>
+              <a:rPr lang="en-US" dirty="0" smtClean="0"/>
+              <a:t> is waiting for a resource held by P0. (This is a special case of hold and wait)</a:t>
+            </a:r>
+          </a:p>
+          <a:p>
+            <a:endParaRPr lang="en-US" dirty="0"/>
+          </a:p>
+        </p:txBody>
+      </p:sp>
+    </p:spTree>
+  </p:cSld>
+  <p:clrMapOvr>
+    <a:masterClrMapping/>
+  </p:clrMapOvr>
+</p:sld>
+</file>
+
+<file path=ppt/slides/slide46.xml><?xml version="1.0" encoding="utf-8"?>
+<p:sld xmlns:a="http://schemas.openxmlformats.org/drawingml/2006/main" xmlns:r="http://schemas.openxmlformats.org/officeDocument/2006/relationships" xmlns:p="http://schemas.openxmlformats.org/presentationml/2006/main">
+  <p:cSld>
+    <p:spTree>
+      <p:nvGrpSpPr>
+        <p:cNvPr id="1" name=""/>
+        <p:cNvGrpSpPr/>
+        <p:nvPr/>
+      </p:nvGrpSpPr>
+      <p:grpSpPr>
+        <a:xfrm>
+          <a:off x="0" y="0"/>
+          <a:ext cx="0" cy="0"/>
+          <a:chOff x="0" y="0"/>
+          <a:chExt cx="0" cy="0"/>
+        </a:xfrm>
+      </p:grpSpPr>
+      <p:sp>
+        <p:nvSpPr>
           <p:cNvPr id="25602" name="AutoShape 2" descr="Image result for deadlock in real time operating system"/>
           <p:cNvSpPr>
             <a:spLocks noChangeAspect="1" noChangeArrowheads="1"/>
@@ -8947,11 +11274,7 @@
             <a:pPr algn="ctr"/>
             <a:r>
               <a:rPr lang="en-US" dirty="0" smtClean="0"/>
-              <a:t>T</a:t>
-            </a:r>
-            <a:r>
-              <a:rPr lang="en-US" dirty="0" smtClean="0"/>
-              <a:t>1</a:t>
+              <a:t>T1</a:t>
             </a:r>
             <a:endParaRPr lang="en-US" dirty="0"/>
           </a:p>
@@ -8995,11 +11318,7 @@
             <a:pPr algn="ctr"/>
             <a:r>
               <a:rPr lang="en-US" dirty="0" smtClean="0"/>
-              <a:t>T</a:t>
-            </a:r>
-            <a:r>
-              <a:rPr lang="en-US" dirty="0" smtClean="0"/>
-              <a:t>2</a:t>
+              <a:t>T2</a:t>
             </a:r>
             <a:endParaRPr lang="en-US" dirty="0"/>
           </a:p>
@@ -9043,11 +11362,7 @@
             <a:pPr algn="ctr"/>
             <a:r>
               <a:rPr lang="en-US" dirty="0" smtClean="0"/>
-              <a:t>T</a:t>
-            </a:r>
-            <a:r>
-              <a:rPr lang="en-US" dirty="0" smtClean="0"/>
-              <a:t>3</a:t>
+              <a:t>T3</a:t>
             </a:r>
             <a:endParaRPr lang="en-US" dirty="0"/>
           </a:p>
@@ -9541,7 +11856,7 @@
 </p:sld>
 </file>
 
-<file path=ppt/slides/slide39.xml><?xml version="1.0" encoding="utf-8"?>
+<file path=ppt/slides/slide47.xml><?xml version="1.0" encoding="utf-8"?>
 <p:sld xmlns:a="http://schemas.openxmlformats.org/drawingml/2006/main" xmlns:r="http://schemas.openxmlformats.org/officeDocument/2006/relationships" xmlns:p="http://schemas.openxmlformats.org/presentationml/2006/main">
   <p:cSld>
     <p:spTree>
@@ -9798,11 +12113,7 @@
             <a:pPr algn="ctr"/>
             <a:r>
               <a:rPr lang="en-US" dirty="0" smtClean="0"/>
-              <a:t>T</a:t>
-            </a:r>
-            <a:r>
-              <a:rPr lang="en-US" dirty="0" smtClean="0"/>
-              <a:t>1</a:t>
+              <a:t>T1</a:t>
             </a:r>
             <a:endParaRPr lang="en-US" dirty="0"/>
           </a:p>
@@ -9872,11 +12183,7 @@
             <a:pPr algn="ctr"/>
             <a:r>
               <a:rPr lang="en-US" dirty="0" smtClean="0"/>
-              <a:t>T</a:t>
-            </a:r>
-            <a:r>
-              <a:rPr lang="en-US" dirty="0" smtClean="0"/>
-              <a:t>2</a:t>
+              <a:t>T2</a:t>
             </a:r>
             <a:endParaRPr lang="en-US" dirty="0"/>
           </a:p>
@@ -9946,11 +12253,7 @@
             <a:pPr algn="ctr"/>
             <a:r>
               <a:rPr lang="en-US" dirty="0" smtClean="0"/>
-              <a:t>T</a:t>
-            </a:r>
-            <a:r>
-              <a:rPr lang="en-US" dirty="0" smtClean="0"/>
-              <a:t>3</a:t>
+              <a:t>T3</a:t>
             </a:r>
             <a:endParaRPr lang="en-US" dirty="0"/>
           </a:p>
@@ -10630,246 +12933,7 @@
 </p:sld>
 </file>
 
-<file path=ppt/slides/slide4.xml><?xml version="1.0" encoding="utf-8"?>
-<p:sld xmlns:a="http://schemas.openxmlformats.org/drawingml/2006/main" xmlns:r="http://schemas.openxmlformats.org/officeDocument/2006/relationships" xmlns:p="http://schemas.openxmlformats.org/presentationml/2006/main">
-  <p:cSld>
-    <p:spTree>
-      <p:nvGrpSpPr>
-        <p:cNvPr id="1" name=""/>
-        <p:cNvGrpSpPr/>
-        <p:nvPr/>
-      </p:nvGrpSpPr>
-      <p:grpSpPr>
-        <a:xfrm>
-          <a:off x="0" y="0"/>
-          <a:ext cx="0" cy="0"/>
-          <a:chOff x="0" y="0"/>
-          <a:chExt cx="0" cy="0"/>
-        </a:xfrm>
-      </p:grpSpPr>
-      <p:sp>
-        <p:nvSpPr>
-          <p:cNvPr id="2" name="Title 1"/>
-          <p:cNvSpPr>
-            <a:spLocks noGrp="1"/>
-          </p:cNvSpPr>
-          <p:nvPr>
-            <p:ph type="title"/>
-          </p:nvPr>
-        </p:nvSpPr>
-        <p:spPr>
-          <a:xfrm>
-            <a:off x="457200" y="274638"/>
-            <a:ext cx="8229600" cy="715962"/>
-          </a:xfrm>
-        </p:spPr>
-        <p:txBody>
-          <a:bodyPr>
-            <a:normAutofit fontScale="90000"/>
-          </a:bodyPr>
-          <a:lstStyle/>
-          <a:p>
-            <a:r>
-              <a:rPr lang="en-US" dirty="0" smtClean="0"/>
-              <a:t>Critical Section</a:t>
-            </a:r>
-            <a:endParaRPr lang="en-US" dirty="0"/>
-          </a:p>
-        </p:txBody>
-      </p:sp>
-      <p:sp>
-        <p:nvSpPr>
-          <p:cNvPr id="3" name="TextBox 2"/>
-          <p:cNvSpPr txBox="1"/>
-          <p:nvPr/>
-        </p:nvSpPr>
-        <p:spPr>
-          <a:xfrm>
-            <a:off x="457200" y="990600"/>
-            <a:ext cx="8382000" cy="3139321"/>
-          </a:xfrm>
-          <a:prstGeom prst="rect">
-            <a:avLst/>
-          </a:prstGeom>
-          <a:noFill/>
-          <a:ln>
-            <a:solidFill>
-              <a:srgbClr val="FF0000"/>
-            </a:solidFill>
-          </a:ln>
-        </p:spPr>
-        <p:txBody>
-          <a:bodyPr wrap="square" rtlCol="0">
-            <a:spAutoFit/>
-          </a:bodyPr>
-          <a:lstStyle/>
-          <a:p>
-            <a:r>
-              <a:rPr lang="en-US" dirty="0" smtClean="0"/>
-              <a:t>Let us say  we a  region in the memory let us a  structure</a:t>
-            </a:r>
-          </a:p>
-          <a:p>
-            <a:r>
-              <a:rPr lang="en-US" dirty="0" err="1" smtClean="0"/>
-              <a:t>struct</a:t>
-            </a:r>
-            <a:r>
-              <a:rPr lang="en-US" dirty="0" smtClean="0"/>
-              <a:t>  sensor</a:t>
-            </a:r>
-          </a:p>
-          <a:p>
-            <a:r>
-              <a:rPr lang="en-US" dirty="0" smtClean="0"/>
-              <a:t>{</a:t>
-            </a:r>
-          </a:p>
-          <a:p>
-            <a:r>
-              <a:rPr lang="en-US" dirty="0" smtClean="0"/>
-              <a:t>      </a:t>
-            </a:r>
-            <a:r>
-              <a:rPr lang="en-US" dirty="0" err="1" smtClean="0"/>
-              <a:t>int</a:t>
-            </a:r>
-            <a:r>
-              <a:rPr lang="en-US" dirty="0" smtClean="0"/>
-              <a:t> voltage ;</a:t>
-            </a:r>
-          </a:p>
-          <a:p>
-            <a:r>
-              <a:rPr lang="en-US" dirty="0" smtClean="0"/>
-              <a:t>      </a:t>
-            </a:r>
-            <a:r>
-              <a:rPr lang="en-US" dirty="0" err="1" smtClean="0"/>
-              <a:t>int</a:t>
-            </a:r>
-            <a:r>
-              <a:rPr lang="en-US" dirty="0" smtClean="0"/>
-              <a:t> </a:t>
-            </a:r>
-            <a:r>
-              <a:rPr lang="en-US" dirty="0" err="1" smtClean="0"/>
-              <a:t>datareceived</a:t>
-            </a:r>
-            <a:r>
-              <a:rPr lang="en-US" dirty="0" smtClean="0"/>
-              <a:t> ;</a:t>
-            </a:r>
-          </a:p>
-          <a:p>
-            <a:r>
-              <a:rPr lang="en-US" dirty="0" smtClean="0"/>
-              <a:t>      </a:t>
-            </a:r>
-            <a:r>
-              <a:rPr lang="en-US" dirty="0" err="1" smtClean="0"/>
-              <a:t>int</a:t>
-            </a:r>
-            <a:r>
-              <a:rPr lang="en-US" dirty="0" smtClean="0"/>
-              <a:t> </a:t>
-            </a:r>
-            <a:r>
-              <a:rPr lang="en-US" dirty="0" err="1" smtClean="0"/>
-              <a:t>controlParameters</a:t>
-            </a:r>
-            <a:r>
-              <a:rPr lang="en-US" dirty="0" smtClean="0"/>
-              <a:t> ;</a:t>
-            </a:r>
-          </a:p>
-          <a:p>
-            <a:r>
-              <a:rPr lang="en-US" dirty="0" smtClean="0"/>
-              <a:t>} </a:t>
-            </a:r>
-            <a:r>
-              <a:rPr lang="en-US" dirty="0" err="1" smtClean="0"/>
-              <a:t>mySensor</a:t>
-            </a:r>
-            <a:r>
-              <a:rPr lang="en-US" dirty="0" smtClean="0"/>
-              <a:t>; </a:t>
-            </a:r>
-          </a:p>
-          <a:p>
-            <a:endParaRPr lang="en-US" dirty="0" smtClean="0"/>
-          </a:p>
-          <a:p>
-            <a:r>
-              <a:rPr lang="en-US" dirty="0" smtClean="0"/>
-              <a:t>This structure is accessed by multiple threads T1, T2, T3 ………. Tn. More the number of threads reading and writing to structure makes it vulnerable to corruption due to race condition.</a:t>
-            </a:r>
-            <a:endParaRPr lang="en-US" dirty="0"/>
-          </a:p>
-        </p:txBody>
-      </p:sp>
-      <p:sp>
-        <p:nvSpPr>
-          <p:cNvPr id="4" name="TextBox 3"/>
-          <p:cNvSpPr txBox="1"/>
-          <p:nvPr/>
-        </p:nvSpPr>
-        <p:spPr>
-          <a:xfrm>
-            <a:off x="228600" y="4572000"/>
-            <a:ext cx="8610600" cy="1200329"/>
-          </a:xfrm>
-          <a:prstGeom prst="rect">
-            <a:avLst/>
-          </a:prstGeom>
-          <a:noFill/>
-          <a:ln>
-            <a:solidFill>
-              <a:srgbClr val="FF0000"/>
-            </a:solidFill>
-          </a:ln>
-        </p:spPr>
-        <p:txBody>
-          <a:bodyPr wrap="square" rtlCol="0">
-            <a:spAutoFit/>
-          </a:bodyPr>
-          <a:lstStyle/>
-          <a:p>
-            <a:pPr algn="just"/>
-            <a:r>
-              <a:rPr lang="en-US" dirty="0" smtClean="0"/>
-              <a:t>One practical solution to this problem is,  have one dedicated routine to access this shared structure (both reading and writing)  and we “</a:t>
-            </a:r>
-            <a:r>
-              <a:rPr lang="en-US" b="1" dirty="0" smtClean="0"/>
-              <a:t>Protect</a:t>
-            </a:r>
-            <a:r>
-              <a:rPr lang="en-US" dirty="0" smtClean="0"/>
-              <a:t>” this routine such than only one thread can execute this routine at a given time. Such a protected routine or a region of code is called “</a:t>
-            </a:r>
-            <a:r>
-              <a:rPr lang="en-US" b="1" dirty="0" smtClean="0"/>
-              <a:t>Critical section</a:t>
-            </a:r>
-            <a:r>
-              <a:rPr lang="en-US" dirty="0" smtClean="0"/>
-              <a:t>”.</a:t>
-            </a:r>
-            <a:endParaRPr lang="en-US" dirty="0"/>
-          </a:p>
-        </p:txBody>
-      </p:sp>
-    </p:spTree>
-  </p:cSld>
-  <p:clrMapOvr>
-    <a:masterClrMapping/>
-  </p:clrMapOvr>
-</p:sld>
-</file>
-
-<file path=ppt/slides/slide40.xml><?xml version="1.0" encoding="utf-8"?>
+<file path=ppt/slides/slide48.xml><?xml version="1.0" encoding="utf-8"?>
 <p:sld xmlns:a="http://schemas.openxmlformats.org/drawingml/2006/main" xmlns:r="http://schemas.openxmlformats.org/officeDocument/2006/relationships" xmlns:p="http://schemas.openxmlformats.org/presentationml/2006/main">
   <p:cSld>
     <p:spTree>
@@ -11126,11 +13190,7 @@
             <a:pPr algn="ctr"/>
             <a:r>
               <a:rPr lang="en-US" dirty="0" smtClean="0"/>
-              <a:t>T</a:t>
-            </a:r>
-            <a:r>
-              <a:rPr lang="en-US" dirty="0" smtClean="0"/>
-              <a:t>1</a:t>
+              <a:t>T1</a:t>
             </a:r>
             <a:endParaRPr lang="en-US" dirty="0"/>
           </a:p>
@@ -11200,11 +13260,7 @@
             <a:pPr algn="ctr"/>
             <a:r>
               <a:rPr lang="en-US" dirty="0" smtClean="0"/>
-              <a:t>T</a:t>
-            </a:r>
-            <a:r>
-              <a:rPr lang="en-US" dirty="0" smtClean="0"/>
-              <a:t>2</a:t>
+              <a:t>T2</a:t>
             </a:r>
             <a:endParaRPr lang="en-US" dirty="0"/>
           </a:p>
@@ -11274,11 +13330,7 @@
             <a:pPr algn="ctr"/>
             <a:r>
               <a:rPr lang="en-US" dirty="0" smtClean="0"/>
-              <a:t>T</a:t>
-            </a:r>
-            <a:r>
-              <a:rPr lang="en-US" dirty="0" smtClean="0"/>
-              <a:t>3</a:t>
+              <a:t>T3</a:t>
             </a:r>
             <a:endParaRPr lang="en-US" dirty="0"/>
           </a:p>
@@ -11994,7 +14046,7 @@
 </p:sld>
 </file>
 
-<file path=ppt/slides/slide41.xml><?xml version="1.0" encoding="utf-8"?>
+<file path=ppt/slides/slide49.xml><?xml version="1.0" encoding="utf-8"?>
 <p:sld xmlns:a="http://schemas.openxmlformats.org/drawingml/2006/main" xmlns:r="http://schemas.openxmlformats.org/officeDocument/2006/relationships" xmlns:p="http://schemas.openxmlformats.org/presentationml/2006/main">
   <p:cSld>
     <p:spTree>
@@ -12075,11 +14127,7 @@
             <a:pPr algn="ctr"/>
             <a:r>
               <a:rPr lang="en-US" dirty="0" smtClean="0"/>
-              <a:t>T</a:t>
-            </a:r>
-            <a:r>
-              <a:rPr lang="en-US" dirty="0" smtClean="0"/>
-              <a:t>1</a:t>
+              <a:t>T1</a:t>
             </a:r>
             <a:endParaRPr lang="en-US" dirty="0"/>
           </a:p>
@@ -12149,11 +14197,7 @@
             <a:pPr algn="ctr"/>
             <a:r>
               <a:rPr lang="en-US" dirty="0" smtClean="0"/>
-              <a:t>T</a:t>
-            </a:r>
-            <a:r>
-              <a:rPr lang="en-US" dirty="0" smtClean="0"/>
-              <a:t>2</a:t>
+              <a:t>T2</a:t>
             </a:r>
             <a:endParaRPr lang="en-US" dirty="0"/>
           </a:p>
@@ -12223,11 +14267,7 @@
             <a:pPr algn="ctr"/>
             <a:r>
               <a:rPr lang="en-US" dirty="0" smtClean="0"/>
-              <a:t>T</a:t>
-            </a:r>
-            <a:r>
-              <a:rPr lang="en-US" dirty="0" smtClean="0"/>
-              <a:t>3</a:t>
+              <a:t>T3</a:t>
             </a:r>
             <a:endParaRPr lang="en-US" dirty="0"/>
           </a:p>
@@ -12297,11 +14337,7 @@
             <a:pPr algn="ctr"/>
             <a:r>
               <a:rPr lang="en-US" dirty="0" smtClean="0"/>
-              <a:t>T</a:t>
-            </a:r>
-            <a:r>
-              <a:rPr lang="en-US" dirty="0" smtClean="0"/>
-              <a:t>4</a:t>
+              <a:t>T4</a:t>
             </a:r>
             <a:endParaRPr lang="en-US" dirty="0"/>
           </a:p>
@@ -12887,7 +14923,7 @@
 </p:sld>
 </file>
 
-<file path=ppt/slides/slide42.xml><?xml version="1.0" encoding="utf-8"?>
+<file path=ppt/slides/slide5.xml><?xml version="1.0" encoding="utf-8"?>
 <p:sld xmlns:a="http://schemas.openxmlformats.org/drawingml/2006/main" xmlns:r="http://schemas.openxmlformats.org/officeDocument/2006/relationships" xmlns:p="http://schemas.openxmlformats.org/presentationml/2006/main">
   <p:cSld>
     <p:spTree>
@@ -12917,16 +14953,18 @@
         <p:spPr>
           <a:xfrm>
             <a:off x="457200" y="274638"/>
-            <a:ext cx="8229600" cy="868362"/>
-          </a:xfrm>
-        </p:spPr>
-        <p:txBody>
-          <a:bodyPr/>
-          <a:lstStyle/>
-          <a:p>
-            <a:r>
-              <a:rPr lang="en-US" dirty="0" smtClean="0"/>
-              <a:t>How to read the Directed graph</a:t>
+            <a:ext cx="8229600" cy="715962"/>
+          </a:xfrm>
+        </p:spPr>
+        <p:txBody>
+          <a:bodyPr>
+            <a:normAutofit fontScale="90000"/>
+          </a:bodyPr>
+          <a:lstStyle/>
+          <a:p>
+            <a:r>
+              <a:rPr lang="en-US" dirty="0" smtClean="0"/>
+              <a:t>Protocol for using a critical section</a:t>
             </a:r>
             <a:endParaRPr lang="en-US" dirty="0"/>
           </a:p>
@@ -12940,13 +14978,18 @@
         </p:nvSpPr>
         <p:spPr>
           <a:xfrm>
-            <a:off x="533400" y="1143000"/>
-            <a:ext cx="8001000" cy="5262979"/>
+            <a:off x="381000" y="1219200"/>
+            <a:ext cx="8458200" cy="1200329"/>
           </a:xfrm>
           <a:prstGeom prst="rect">
             <a:avLst/>
           </a:prstGeom>
           <a:noFill/>
+          <a:ln>
+            <a:solidFill>
+              <a:srgbClr val="FF0000"/>
+            </a:solidFill>
+          </a:ln>
         </p:spPr>
         <p:txBody>
           <a:bodyPr wrap="square" rtlCol="0">
@@ -12955,106 +14998,213 @@
           <a:lstStyle/>
           <a:p>
             <a:r>
-              <a:rPr lang="en-US" sz="2400" dirty="0" smtClean="0"/>
-              <a:t>If  the </a:t>
-            </a:r>
-            <a:r>
-              <a:rPr lang="en-US" sz="2400" dirty="0" smtClean="0"/>
-              <a:t>graph contains no </a:t>
-            </a:r>
-            <a:r>
-              <a:rPr lang="en-US" sz="2400" dirty="0" smtClean="0"/>
-              <a:t> cycles</a:t>
-            </a:r>
-            <a:r>
-              <a:rPr lang="en-US" sz="2400" dirty="0" smtClean="0"/>
-              <a:t>, then no process in the system is deadlocked. </a:t>
-            </a:r>
-            <a:r>
-              <a:rPr lang="en-US" sz="2400" dirty="0" smtClean="0"/>
-              <a:t>If the </a:t>
-            </a:r>
-            <a:r>
-              <a:rPr lang="en-US" sz="2400" dirty="0" smtClean="0"/>
-              <a:t>graph does contain a cycle, then a deadlock may exist</a:t>
-            </a:r>
-            <a:r>
-              <a:rPr lang="en-US" sz="2400" dirty="0" smtClean="0"/>
-              <a:t>.</a:t>
-            </a:r>
-            <a:endParaRPr lang="en-US" sz="2400" dirty="0" smtClean="0"/>
-          </a:p>
-          <a:p>
-            <a:endParaRPr lang="en-US" sz="2400" dirty="0" smtClean="0"/>
-          </a:p>
-          <a:p>
-            <a:r>
-              <a:rPr lang="en-US" sz="2400" b="1" u="sng" dirty="0" smtClean="0"/>
-              <a:t>If each resource type has exactly one instance</a:t>
-            </a:r>
-            <a:r>
-              <a:rPr lang="en-US" sz="2400" dirty="0" smtClean="0"/>
-              <a:t>, then a cycle implies that </a:t>
-            </a:r>
-            <a:r>
-              <a:rPr lang="en-US" sz="2400" dirty="0" smtClean="0"/>
-              <a:t>a deadlock </a:t>
-            </a:r>
-            <a:r>
-              <a:rPr lang="en-US" sz="2400" dirty="0" smtClean="0"/>
-              <a:t>has occurred. If the cycle involves only a set of resource types, </a:t>
-            </a:r>
-            <a:r>
-              <a:rPr lang="en-US" sz="2400" dirty="0" smtClean="0"/>
-              <a:t>each of </a:t>
-            </a:r>
-            <a:r>
-              <a:rPr lang="en-US" sz="2400" dirty="0" smtClean="0"/>
-              <a:t>which has only a single instance, then a deadlock has occurred. Each process</a:t>
-            </a:r>
-          </a:p>
-          <a:p>
-            <a:r>
-              <a:rPr lang="en-US" sz="2400" dirty="0" smtClean="0"/>
-              <a:t>involved in the cycle is deadlocked</a:t>
-            </a:r>
-            <a:r>
-              <a:rPr lang="en-US" sz="2400" dirty="0" smtClean="0"/>
-              <a:t>.</a:t>
-            </a:r>
-          </a:p>
-          <a:p>
-            <a:endParaRPr lang="en-US" sz="2400" dirty="0" smtClean="0"/>
-          </a:p>
-          <a:p>
-            <a:r>
-              <a:rPr lang="en-US" sz="2400" b="1" u="sng" dirty="0" smtClean="0"/>
-              <a:t>If each resource type has several instances</a:t>
-            </a:r>
-            <a:r>
-              <a:rPr lang="en-US" sz="2400" dirty="0" smtClean="0"/>
-              <a:t>, then a cycle does not </a:t>
-            </a:r>
-            <a:r>
-              <a:rPr lang="en-US" sz="2400" dirty="0" smtClean="0"/>
-              <a:t>necessarily imply </a:t>
-            </a:r>
-            <a:r>
-              <a:rPr lang="en-US" sz="2400" dirty="0" smtClean="0"/>
-              <a:t>that a deadlock has occurred. In this case, a cycle in. the graph is </a:t>
-            </a:r>
-            <a:r>
-              <a:rPr lang="en-US" sz="2400" dirty="0" smtClean="0"/>
-              <a:t>a necessary </a:t>
-            </a:r>
-            <a:r>
-              <a:rPr lang="en-US" sz="2400" dirty="0" smtClean="0"/>
-              <a:t>but not a sufficient condition for the existence of deadlock</a:t>
-            </a:r>
-            <a:r>
-              <a:rPr lang="en-US" sz="2400" dirty="0" smtClean="0"/>
-              <a:t>.</a:t>
-            </a:r>
+              <a:rPr lang="en-US" dirty="0" smtClean="0"/>
+              <a:t>Each thread need to request permission to access this critical region. A thread is given permission only if no one else is using it.  Once a thread is given access, it does the operation on the memory area and before exiting, it has free up the area such that another thread can use the critical section</a:t>
+            </a:r>
+            <a:endParaRPr lang="en-US" dirty="0"/>
+          </a:p>
+        </p:txBody>
+      </p:sp>
+      <p:sp>
+        <p:nvSpPr>
+          <p:cNvPr id="4" name="TextBox 3"/>
+          <p:cNvSpPr txBox="1"/>
+          <p:nvPr/>
+        </p:nvSpPr>
+        <p:spPr>
+          <a:xfrm>
+            <a:off x="304800" y="2610683"/>
+            <a:ext cx="8534400" cy="3970318"/>
+          </a:xfrm>
+          <a:prstGeom prst="rect">
+            <a:avLst/>
+          </a:prstGeom>
+          <a:noFill/>
+          <a:ln>
+            <a:solidFill>
+              <a:srgbClr val="FF0000"/>
+            </a:solidFill>
+          </a:ln>
+        </p:spPr>
+        <p:txBody>
+          <a:bodyPr wrap="square" rtlCol="0">
+            <a:spAutoFit/>
+          </a:bodyPr>
+          <a:lstStyle/>
+          <a:p>
+            <a:r>
+              <a:rPr lang="en-US" dirty="0" smtClean="0"/>
+              <a:t>while (TRUE)</a:t>
+            </a:r>
+          </a:p>
+          <a:p>
+            <a:r>
+              <a:rPr lang="en-US" dirty="0" smtClean="0"/>
+              <a:t>{</a:t>
+            </a:r>
+          </a:p>
+          <a:p>
+            <a:endParaRPr lang="en-US" dirty="0" smtClean="0"/>
+          </a:p>
+          <a:p>
+            <a:endParaRPr lang="en-US" dirty="0" smtClean="0"/>
+          </a:p>
+          <a:p>
+            <a:r>
+              <a:rPr lang="en-US" dirty="0" smtClean="0"/>
+              <a:t>            if (x &lt; 6)     // Thread 2 executes this  line</a:t>
+            </a:r>
+          </a:p>
+          <a:p>
+            <a:r>
+              <a:rPr lang="en-US" dirty="0" smtClean="0"/>
+              <a:t>                 x++;   //   while Thread 1 is executing this line</a:t>
+            </a:r>
+          </a:p>
+          <a:p>
+            <a:r>
+              <a:rPr lang="en-US" dirty="0" smtClean="0"/>
+              <a:t>           else </a:t>
+            </a:r>
+          </a:p>
+          <a:p>
+            <a:r>
+              <a:rPr lang="en-US" dirty="0" smtClean="0"/>
+              <a:t>                 </a:t>
+            </a:r>
+            <a:r>
+              <a:rPr lang="en-US" dirty="0" err="1" smtClean="0"/>
+              <a:t>printf</a:t>
+            </a:r>
+            <a:r>
+              <a:rPr lang="en-US" dirty="0" smtClean="0"/>
+              <a:t>(“x is out of range\n”); </a:t>
+            </a:r>
+          </a:p>
+          <a:p>
+            <a:endParaRPr lang="en-US" dirty="0" smtClean="0"/>
+          </a:p>
+          <a:p>
+            <a:r>
+              <a:rPr lang="en-US" dirty="0" smtClean="0"/>
+              <a:t>   </a:t>
+            </a:r>
+          </a:p>
+          <a:p>
+            <a:r>
+              <a:rPr lang="en-US" dirty="0" smtClean="0"/>
+              <a:t>         </a:t>
+            </a:r>
+          </a:p>
+          <a:p>
+            <a:r>
+              <a:rPr lang="en-US" dirty="0" smtClean="0"/>
+              <a:t>            Reminder section ;</a:t>
+            </a:r>
+          </a:p>
+          <a:p>
+            <a:endParaRPr lang="en-US" dirty="0" smtClean="0"/>
+          </a:p>
+          <a:p>
+            <a:r>
+              <a:rPr lang="en-US" dirty="0" smtClean="0"/>
+              <a:t>}</a:t>
+            </a:r>
+            <a:endParaRPr lang="en-US" dirty="0"/>
+          </a:p>
+        </p:txBody>
+      </p:sp>
+      <p:sp>
+        <p:nvSpPr>
+          <p:cNvPr id="5" name="Rectangle 4"/>
+          <p:cNvSpPr/>
+          <p:nvPr/>
+        </p:nvSpPr>
+        <p:spPr>
+          <a:xfrm>
+            <a:off x="990600" y="3276600"/>
+            <a:ext cx="3886200" cy="381000"/>
+          </a:xfrm>
+          <a:prstGeom prst="rect">
+            <a:avLst/>
+          </a:prstGeom>
+          <a:solidFill>
+            <a:srgbClr val="FF0000"/>
+          </a:solidFill>
+        </p:spPr>
+        <p:style>
+          <a:lnRef idx="2">
+            <a:schemeClr val="accent1">
+              <a:shade val="50000"/>
+            </a:schemeClr>
+          </a:lnRef>
+          <a:fillRef idx="1">
+            <a:schemeClr val="accent1"/>
+          </a:fillRef>
+          <a:effectRef idx="0">
+            <a:schemeClr val="accent1"/>
+          </a:effectRef>
+          <a:fontRef idx="minor">
+            <a:schemeClr val="lt1"/>
+          </a:fontRef>
+        </p:style>
+        <p:txBody>
+          <a:bodyPr rtlCol="0" anchor="ctr"/>
+          <a:lstStyle/>
+          <a:p>
+            <a:pPr algn="ctr"/>
+            <a:r>
+              <a:rPr lang="en-US" dirty="0" smtClean="0"/>
+              <a:t>Critical Section Entry  (grab the control)</a:t>
+            </a:r>
+            <a:endParaRPr lang="en-US" dirty="0"/>
+          </a:p>
+        </p:txBody>
+      </p:sp>
+      <p:sp>
+        <p:nvSpPr>
+          <p:cNvPr id="6" name="Rectangle 5"/>
+          <p:cNvSpPr/>
+          <p:nvPr/>
+        </p:nvSpPr>
+        <p:spPr>
+          <a:xfrm>
+            <a:off x="990600" y="5181600"/>
+            <a:ext cx="4267200" cy="381000"/>
+          </a:xfrm>
+          <a:prstGeom prst="rect">
+            <a:avLst/>
+          </a:prstGeom>
+          <a:solidFill>
+            <a:srgbClr val="FF0000"/>
+          </a:solidFill>
+        </p:spPr>
+        <p:style>
+          <a:lnRef idx="2">
+            <a:schemeClr val="accent1">
+              <a:shade val="50000"/>
+            </a:schemeClr>
+          </a:lnRef>
+          <a:fillRef idx="1">
+            <a:schemeClr val="accent1"/>
+          </a:fillRef>
+          <a:effectRef idx="0">
+            <a:schemeClr val="accent1"/>
+          </a:effectRef>
+          <a:fontRef idx="minor">
+            <a:schemeClr val="lt1"/>
+          </a:fontRef>
+        </p:style>
+        <p:txBody>
+          <a:bodyPr rtlCol="0" anchor="ctr"/>
+          <a:lstStyle/>
+          <a:p>
+            <a:pPr algn="ctr"/>
+            <a:r>
+              <a:rPr lang="en-US" dirty="0" smtClean="0"/>
+              <a:t>Critical Section exit (Release the control)</a:t>
+            </a:r>
+            <a:endParaRPr lang="en-US" dirty="0"/>
           </a:p>
         </p:txBody>
       </p:sp>
@@ -13066,7 +15216,121 @@
 </p:sld>
 </file>
 
-<file path=ppt/slides/slide43.xml><?xml version="1.0" encoding="utf-8"?>
+<file path=ppt/slides/slide50.xml><?xml version="1.0" encoding="utf-8"?>
+<p:sld xmlns:a="http://schemas.openxmlformats.org/drawingml/2006/main" xmlns:r="http://schemas.openxmlformats.org/officeDocument/2006/relationships" xmlns:p="http://schemas.openxmlformats.org/presentationml/2006/main">
+  <p:cSld>
+    <p:spTree>
+      <p:nvGrpSpPr>
+        <p:cNvPr id="1" name=""/>
+        <p:cNvGrpSpPr/>
+        <p:nvPr/>
+      </p:nvGrpSpPr>
+      <p:grpSpPr>
+        <a:xfrm>
+          <a:off x="0" y="0"/>
+          <a:ext cx="0" cy="0"/>
+          <a:chOff x="0" y="0"/>
+          <a:chExt cx="0" cy="0"/>
+        </a:xfrm>
+      </p:grpSpPr>
+      <p:sp>
+        <p:nvSpPr>
+          <p:cNvPr id="2" name="Title 1"/>
+          <p:cNvSpPr>
+            <a:spLocks noGrp="1"/>
+          </p:cNvSpPr>
+          <p:nvPr>
+            <p:ph type="title"/>
+          </p:nvPr>
+        </p:nvSpPr>
+        <p:spPr>
+          <a:xfrm>
+            <a:off x="457200" y="274638"/>
+            <a:ext cx="8229600" cy="868362"/>
+          </a:xfrm>
+        </p:spPr>
+        <p:txBody>
+          <a:bodyPr/>
+          <a:lstStyle/>
+          <a:p>
+            <a:r>
+              <a:rPr lang="en-US" dirty="0" smtClean="0"/>
+              <a:t>How to read the Directed graph</a:t>
+            </a:r>
+            <a:endParaRPr lang="en-US" dirty="0"/>
+          </a:p>
+        </p:txBody>
+      </p:sp>
+      <p:sp>
+        <p:nvSpPr>
+          <p:cNvPr id="3" name="TextBox 2"/>
+          <p:cNvSpPr txBox="1"/>
+          <p:nvPr/>
+        </p:nvSpPr>
+        <p:spPr>
+          <a:xfrm>
+            <a:off x="533400" y="1143000"/>
+            <a:ext cx="8001000" cy="5262979"/>
+          </a:xfrm>
+          <a:prstGeom prst="rect">
+            <a:avLst/>
+          </a:prstGeom>
+          <a:noFill/>
+        </p:spPr>
+        <p:txBody>
+          <a:bodyPr wrap="square" rtlCol="0">
+            <a:spAutoFit/>
+          </a:bodyPr>
+          <a:lstStyle/>
+          <a:p>
+            <a:r>
+              <a:rPr lang="en-US" sz="2400" dirty="0" smtClean="0"/>
+              <a:t>If  the graph contains no  cycles, then no process in the system is deadlocked. If the graph does contain a cycle, then a deadlock may exist.</a:t>
+            </a:r>
+          </a:p>
+          <a:p>
+            <a:endParaRPr lang="en-US" sz="2400" dirty="0" smtClean="0"/>
+          </a:p>
+          <a:p>
+            <a:r>
+              <a:rPr lang="en-US" sz="2400" b="1" u="sng" dirty="0" smtClean="0"/>
+              <a:t>If each resource type has exactly one instance</a:t>
+            </a:r>
+            <a:r>
+              <a:rPr lang="en-US" sz="2400" dirty="0" smtClean="0"/>
+              <a:t>, then a cycle implies that a deadlock has occurred. If the cycle involves only a set of resource types, each of which has only a single instance, then a deadlock has occurred. Each process</a:t>
+            </a:r>
+          </a:p>
+          <a:p>
+            <a:r>
+              <a:rPr lang="en-US" sz="2400" dirty="0" smtClean="0"/>
+              <a:t>involved in the cycle is deadlocked.</a:t>
+            </a:r>
+          </a:p>
+          <a:p>
+            <a:endParaRPr lang="en-US" sz="2400" dirty="0" smtClean="0"/>
+          </a:p>
+          <a:p>
+            <a:r>
+              <a:rPr lang="en-US" sz="2400" b="1" u="sng" dirty="0" smtClean="0"/>
+              <a:t>If each resource type has several instances</a:t>
+            </a:r>
+            <a:r>
+              <a:rPr lang="en-US" sz="2400" dirty="0" smtClean="0"/>
+              <a:t>, then a cycle does not necessarily imply that a deadlock has occurred. In this case, a cycle in. the graph is a necessary but not a sufficient condition for the existence of deadlock.</a:t>
+            </a:r>
+          </a:p>
+        </p:txBody>
+      </p:sp>
+    </p:spTree>
+  </p:cSld>
+  <p:clrMapOvr>
+    <a:masterClrMapping/>
+  </p:clrMapOvr>
+</p:sld>
+</file>
+
+<file path=ppt/slides/slide51.xml><?xml version="1.0" encoding="utf-8"?>
 <p:sld xmlns:a="http://schemas.openxmlformats.org/drawingml/2006/main" xmlns:r="http://schemas.openxmlformats.org/officeDocument/2006/relationships" xmlns:p="http://schemas.openxmlformats.org/presentationml/2006/main">
   <p:cSld>
     <p:spTree>
@@ -13147,11 +15411,7 @@
             <a:pPr algn="ctr"/>
             <a:r>
               <a:rPr lang="en-US" dirty="0" smtClean="0"/>
-              <a:t>T</a:t>
-            </a:r>
-            <a:r>
-              <a:rPr lang="en-US" dirty="0" smtClean="0"/>
-              <a:t>1</a:t>
+              <a:t>T1</a:t>
             </a:r>
             <a:endParaRPr lang="en-US" dirty="0"/>
           </a:p>
@@ -13221,11 +15481,7 @@
             <a:pPr algn="ctr"/>
             <a:r>
               <a:rPr lang="en-US" dirty="0" smtClean="0"/>
-              <a:t>T</a:t>
-            </a:r>
-            <a:r>
-              <a:rPr lang="en-US" dirty="0" smtClean="0"/>
-              <a:t>2</a:t>
+              <a:t>T2</a:t>
             </a:r>
             <a:endParaRPr lang="en-US" dirty="0"/>
           </a:p>
@@ -13295,11 +15551,7 @@
             <a:pPr algn="ctr"/>
             <a:r>
               <a:rPr lang="en-US" dirty="0" smtClean="0"/>
-              <a:t>T</a:t>
-            </a:r>
-            <a:r>
-              <a:rPr lang="en-US" dirty="0" smtClean="0"/>
-              <a:t>3</a:t>
+              <a:t>T3</a:t>
             </a:r>
             <a:endParaRPr lang="en-US" dirty="0"/>
           </a:p>
@@ -13808,7 +16060,7 @@
 </p:sld>
 </file>
 
-<file path=ppt/slides/slide44.xml><?xml version="1.0" encoding="utf-8"?>
+<file path=ppt/slides/slide52.xml><?xml version="1.0" encoding="utf-8"?>
 <p:sld xmlns:a="http://schemas.openxmlformats.org/drawingml/2006/main" xmlns:r="http://schemas.openxmlformats.org/officeDocument/2006/relationships" xmlns:p="http://schemas.openxmlformats.org/presentationml/2006/main">
   <p:cSld>
     <p:spTree>
@@ -13874,87 +16126,35 @@
           <a:p>
             <a:r>
               <a:rPr lang="en-US" sz="2400" dirty="0" smtClean="0"/>
-              <a:t>U</a:t>
-            </a:r>
+              <a:t>Use a protocol to prevent or avoid deadlocks, ensuring that the System  will </a:t>
+            </a:r>
+            <a:r>
+              <a:rPr lang="en-US" sz="2400" i="1" dirty="0" smtClean="0"/>
+              <a:t>never enter a deadlocked state.</a:t>
+            </a:r>
+          </a:p>
+          <a:p>
+            <a:endParaRPr lang="en-US" sz="2400" i="1" dirty="0" smtClean="0"/>
+          </a:p>
+          <a:p>
             <a:r>
               <a:rPr lang="en-US" sz="2400" dirty="0" smtClean="0"/>
-              <a:t>se </a:t>
-            </a:r>
+              <a:t>Allow the system to enter a deadlocked state, detect it, and recover.</a:t>
+            </a:r>
+          </a:p>
+          <a:p>
+            <a:endParaRPr lang="en-US" sz="2400" dirty="0" smtClean="0"/>
+          </a:p>
+          <a:p>
             <a:r>
               <a:rPr lang="en-US" sz="2400" dirty="0" smtClean="0"/>
-              <a:t>a protocol to prevent or avoid deadlocks, ensuring that </a:t>
-            </a:r>
+              <a:t>Ignore the problem altogether and pretend that deadlocks never</a:t>
+            </a:r>
+          </a:p>
+          <a:p>
             <a:r>
               <a:rPr lang="en-US" sz="2400" dirty="0" smtClean="0"/>
-              <a:t>the System  will </a:t>
-            </a:r>
-            <a:r>
-              <a:rPr lang="en-US" sz="2400" i="1" dirty="0" smtClean="0"/>
-              <a:t>never enter a deadlocked state</a:t>
-            </a:r>
-            <a:r>
-              <a:rPr lang="en-US" sz="2400" i="1" dirty="0" smtClean="0"/>
-              <a:t>.</a:t>
-            </a:r>
-          </a:p>
-          <a:p>
-            <a:endParaRPr lang="en-US" sz="2400" i="1" dirty="0" smtClean="0"/>
-          </a:p>
-          <a:p>
-            <a:r>
-              <a:rPr lang="en-US" sz="2400" dirty="0" smtClean="0"/>
-              <a:t>A</a:t>
-            </a:r>
-            <a:r>
-              <a:rPr lang="en-US" sz="2400" dirty="0" smtClean="0"/>
-              <a:t>llow </a:t>
-            </a:r>
-            <a:r>
-              <a:rPr lang="en-US" sz="2400" dirty="0" smtClean="0"/>
-              <a:t>the system to enter a deadlocked state, detect it, and recover</a:t>
-            </a:r>
-            <a:r>
-              <a:rPr lang="en-US" sz="2400" dirty="0" smtClean="0"/>
-              <a:t>.</a:t>
-            </a:r>
-          </a:p>
-          <a:p>
-            <a:endParaRPr lang="en-US" sz="2400" dirty="0" smtClean="0"/>
-          </a:p>
-          <a:p>
-            <a:r>
-              <a:rPr lang="en-US" sz="2400" dirty="0" smtClean="0"/>
-              <a:t>I</a:t>
-            </a:r>
-            <a:r>
-              <a:rPr lang="en-US" sz="2400" dirty="0" smtClean="0"/>
-              <a:t>gnore </a:t>
-            </a:r>
-            <a:r>
-              <a:rPr lang="en-US" sz="2400" dirty="0" smtClean="0"/>
-              <a:t>the problem altogether and pretend that deadlocks never</a:t>
-            </a:r>
-          </a:p>
-          <a:p>
-            <a:r>
-              <a:rPr lang="en-US" sz="2400" dirty="0" smtClean="0"/>
-              <a:t>occur in the </a:t>
-            </a:r>
-            <a:r>
-              <a:rPr lang="en-US" sz="2400" dirty="0" smtClean="0"/>
-              <a:t>system  - This is what most of the OS do - </a:t>
-            </a:r>
-            <a:r>
-              <a:rPr lang="en-US" sz="2400" dirty="0" smtClean="0"/>
-              <a:t>it is then up to the application developer to write programs </a:t>
-            </a:r>
-            <a:r>
-              <a:rPr lang="en-US" sz="2400" dirty="0" smtClean="0"/>
-              <a:t>that  handle </a:t>
-            </a:r>
-            <a:r>
-              <a:rPr lang="en-US" sz="2400" dirty="0" smtClean="0"/>
-              <a:t>deadlocks</a:t>
+              <a:t>occur in the system  - This is what most of the OS do - it is then up to the application developer to write programs that  handle deadlocks</a:t>
             </a:r>
             <a:endParaRPr lang="en-US" sz="2400" dirty="0"/>
           </a:p>
@@ -13968,7 +16168,7 @@
 </p:sld>
 </file>
 
-<file path=ppt/slides/slide45.xml><?xml version="1.0" encoding="utf-8"?>
+<file path=ppt/slides/slide53.xml><?xml version="1.0" encoding="utf-8"?>
 <p:sld xmlns:a="http://schemas.openxmlformats.org/drawingml/2006/main" xmlns:r="http://schemas.openxmlformats.org/officeDocument/2006/relationships" xmlns:p="http://schemas.openxmlformats.org/presentationml/2006/main">
   <p:cSld>
     <p:spTree>
@@ -14032,31 +16232,19 @@
           <a:p>
             <a:r>
               <a:rPr lang="en-US" b="1" dirty="0" smtClean="0"/>
-              <a:t>7.4.1 Mutual </a:t>
-            </a:r>
+              <a:t>7.4.1 Mutual Exclusion</a:t>
+            </a:r>
+          </a:p>
+          <a:p>
             <a:r>
               <a:rPr lang="en-US" b="1" dirty="0" smtClean="0"/>
-              <a:t>Exclusion</a:t>
+              <a:t>Hold and Wait</a:t>
             </a:r>
           </a:p>
           <a:p>
             <a:r>
               <a:rPr lang="en-US" b="1" dirty="0" smtClean="0"/>
-              <a:t>Hold and </a:t>
-            </a:r>
-            <a:r>
-              <a:rPr lang="en-US" b="1" dirty="0" smtClean="0"/>
-              <a:t>Wait</a:t>
-            </a:r>
-          </a:p>
-          <a:p>
-            <a:r>
-              <a:rPr lang="en-US" b="1" dirty="0" smtClean="0"/>
-              <a:t>No </a:t>
-            </a:r>
-            <a:r>
-              <a:rPr lang="en-US" b="1" dirty="0" smtClean="0"/>
-              <a:t>Preemption</a:t>
+              <a:t>No Preemption</a:t>
             </a:r>
           </a:p>
           <a:p>
@@ -14076,7 +16264,7 @@
 </p:sld>
 </file>
 
-<file path=ppt/slides/slide46.xml><?xml version="1.0" encoding="utf-8"?>
+<file path=ppt/slides/slide54.xml><?xml version="1.0" encoding="utf-8"?>
 <p:sld xmlns:a="http://schemas.openxmlformats.org/drawingml/2006/main" xmlns:r="http://schemas.openxmlformats.org/officeDocument/2006/relationships" xmlns:p="http://schemas.openxmlformats.org/presentationml/2006/main">
   <p:cSld>
     <p:spTree>
@@ -14146,11 +16334,7 @@
           <a:p>
             <a:r>
               <a:rPr lang="en-US" b="1" dirty="0" smtClean="0"/>
-              <a:t>Resource-Allocation-Graph Algorithm </a:t>
-            </a:r>
-            <a:r>
-              <a:rPr lang="en-US" b="1" dirty="0" smtClean="0"/>
-              <a:t>No Preemption</a:t>
+              <a:t>Resource-Allocation-Graph Algorithm No Preemption</a:t>
             </a:r>
           </a:p>
           <a:p>
@@ -14162,31 +16346,19 @@
           <a:p>
             <a:r>
               <a:rPr lang="en-US" dirty="0" smtClean="0"/>
-              <a:t>Safety </a:t>
-            </a:r>
-            <a:r>
-              <a:rPr lang="en-US" dirty="0" smtClean="0"/>
-              <a:t>Algorithm</a:t>
-            </a:r>
-          </a:p>
-          <a:p>
-            <a:r>
-              <a:rPr lang="en-US" dirty="0" smtClean="0"/>
-              <a:t>Resource-Request </a:t>
-            </a:r>
-            <a:r>
-              <a:rPr lang="en-US" dirty="0" smtClean="0"/>
-              <a:t>Algorithm</a:t>
-            </a:r>
-          </a:p>
-          <a:p>
-            <a:r>
-              <a:rPr lang="en-US" dirty="0" smtClean="0"/>
-              <a:t>An </a:t>
-            </a:r>
-            <a:r>
-              <a:rPr lang="en-US" dirty="0" smtClean="0"/>
-              <a:t>example to  Illustrate</a:t>
+              <a:t>Safety Algorithm</a:t>
+            </a:r>
+          </a:p>
+          <a:p>
+            <a:r>
+              <a:rPr lang="en-US" dirty="0" smtClean="0"/>
+              <a:t>Resource-Request Algorithm</a:t>
+            </a:r>
+          </a:p>
+          <a:p>
+            <a:r>
+              <a:rPr lang="en-US" dirty="0" smtClean="0"/>
+              <a:t>An example to  Illustrate</a:t>
             </a:r>
             <a:endParaRPr lang="en-US" dirty="0"/>
           </a:p>
@@ -14200,7 +16372,7 @@
 </p:sld>
 </file>
 
-<file path=ppt/slides/slide47.xml><?xml version="1.0" encoding="utf-8"?>
+<file path=ppt/slides/slide55.xml><?xml version="1.0" encoding="utf-8"?>
 <p:sld xmlns:a="http://schemas.openxmlformats.org/drawingml/2006/main" xmlns:r="http://schemas.openxmlformats.org/officeDocument/2006/relationships" xmlns:p="http://schemas.openxmlformats.org/presentationml/2006/main">
   <p:cSld>
     <p:spTree>
@@ -14264,21 +16436,13 @@
           <a:p>
             <a:r>
               <a:rPr lang="en-US" dirty="0" smtClean="0"/>
-              <a:t>Single Instance of Each Resource </a:t>
-            </a:r>
-            <a:r>
-              <a:rPr lang="en-US" dirty="0" smtClean="0"/>
-              <a:t>Type</a:t>
-            </a:r>
-          </a:p>
-          <a:p>
-            <a:r>
-              <a:rPr lang="en-US" dirty="0" smtClean="0"/>
-              <a:t>7.6.2 Several Instances of a Resource </a:t>
-            </a:r>
-            <a:r>
-              <a:rPr lang="en-US" dirty="0" smtClean="0"/>
-              <a:t>Type</a:t>
+              <a:t>Single Instance of Each Resource Type</a:t>
+            </a:r>
+          </a:p>
+          <a:p>
+            <a:r>
+              <a:rPr lang="en-US" dirty="0" smtClean="0"/>
+              <a:t>7.6.2 Several Instances of a Resource Type</a:t>
             </a:r>
           </a:p>
           <a:p>
@@ -14298,7 +16462,7 @@
 </p:sld>
 </file>
 
-<file path=ppt/slides/slide48.xml><?xml version="1.0" encoding="utf-8"?>
+<file path=ppt/slides/slide56.xml><?xml version="1.0" encoding="utf-8"?>
 <p:sld xmlns:a="http://schemas.openxmlformats.org/drawingml/2006/main" xmlns:r="http://schemas.openxmlformats.org/officeDocument/2006/relationships" xmlns:p="http://schemas.openxmlformats.org/presentationml/2006/main">
   <p:cSld>
     <p:spTree>
@@ -14362,11 +16526,7 @@
           <a:p>
             <a:r>
               <a:rPr lang="en-US" dirty="0" smtClean="0"/>
-              <a:t>Process </a:t>
-            </a:r>
-            <a:r>
-              <a:rPr lang="en-US" dirty="0" smtClean="0"/>
-              <a:t>Termination</a:t>
+              <a:t>Process Termination</a:t>
             </a:r>
           </a:p>
           <a:p>
@@ -14386,7 +16546,7 @@
 </p:sld>
 </file>
 
-<file path=ppt/slides/slide49.xml><?xml version="1.0" encoding="utf-8"?>
+<file path=ppt/slides/slide57.xml><?xml version="1.0" encoding="utf-8"?>
 <p:sld xmlns:a="http://schemas.openxmlformats.org/drawingml/2006/main" xmlns:r="http://schemas.openxmlformats.org/officeDocument/2006/relationships" xmlns:p="http://schemas.openxmlformats.org/presentationml/2006/main">
   <p:cSld>
     <p:spTree>
@@ -14539,299 +16699,6 @@
             <a:r>
               <a:rPr lang="en-US" dirty="0" smtClean="0"/>
               <a:t>project entitled "Producer-Consumer Problem" at the end of Chapter 6.</a:t>
-            </a:r>
-            <a:endParaRPr lang="en-US" dirty="0"/>
-          </a:p>
-        </p:txBody>
-      </p:sp>
-    </p:spTree>
-  </p:cSld>
-  <p:clrMapOvr>
-    <a:masterClrMapping/>
-  </p:clrMapOvr>
-</p:sld>
-</file>
-
-<file path=ppt/slides/slide5.xml><?xml version="1.0" encoding="utf-8"?>
-<p:sld xmlns:a="http://schemas.openxmlformats.org/drawingml/2006/main" xmlns:r="http://schemas.openxmlformats.org/officeDocument/2006/relationships" xmlns:p="http://schemas.openxmlformats.org/presentationml/2006/main">
-  <p:cSld>
-    <p:spTree>
-      <p:nvGrpSpPr>
-        <p:cNvPr id="1" name=""/>
-        <p:cNvGrpSpPr/>
-        <p:nvPr/>
-      </p:nvGrpSpPr>
-      <p:grpSpPr>
-        <a:xfrm>
-          <a:off x="0" y="0"/>
-          <a:ext cx="0" cy="0"/>
-          <a:chOff x="0" y="0"/>
-          <a:chExt cx="0" cy="0"/>
-        </a:xfrm>
-      </p:grpSpPr>
-      <p:sp>
-        <p:nvSpPr>
-          <p:cNvPr id="2" name="Title 1"/>
-          <p:cNvSpPr>
-            <a:spLocks noGrp="1"/>
-          </p:cNvSpPr>
-          <p:nvPr>
-            <p:ph type="title"/>
-          </p:nvPr>
-        </p:nvSpPr>
-        <p:spPr>
-          <a:xfrm>
-            <a:off x="457200" y="274638"/>
-            <a:ext cx="8229600" cy="715962"/>
-          </a:xfrm>
-        </p:spPr>
-        <p:txBody>
-          <a:bodyPr>
-            <a:normAutofit fontScale="90000"/>
-          </a:bodyPr>
-          <a:lstStyle/>
-          <a:p>
-            <a:r>
-              <a:rPr lang="en-US" dirty="0" smtClean="0"/>
-              <a:t>Protocol for using a critical section</a:t>
-            </a:r>
-            <a:endParaRPr lang="en-US" dirty="0"/>
-          </a:p>
-        </p:txBody>
-      </p:sp>
-      <p:sp>
-        <p:nvSpPr>
-          <p:cNvPr id="3" name="TextBox 2"/>
-          <p:cNvSpPr txBox="1"/>
-          <p:nvPr/>
-        </p:nvSpPr>
-        <p:spPr>
-          <a:xfrm>
-            <a:off x="381000" y="1219200"/>
-            <a:ext cx="8458200" cy="1200329"/>
-          </a:xfrm>
-          <a:prstGeom prst="rect">
-            <a:avLst/>
-          </a:prstGeom>
-          <a:noFill/>
-          <a:ln>
-            <a:solidFill>
-              <a:srgbClr val="FF0000"/>
-            </a:solidFill>
-          </a:ln>
-        </p:spPr>
-        <p:txBody>
-          <a:bodyPr wrap="square" rtlCol="0">
-            <a:spAutoFit/>
-          </a:bodyPr>
-          <a:lstStyle/>
-          <a:p>
-            <a:r>
-              <a:rPr lang="en-US" dirty="0" smtClean="0"/>
-              <a:t>Each thread need to request permission to access this critical region. A thread is given permission only if no one else is using it.  Once a thread is given access, it does the operation on the memory area and before exiting, it has free up the area such that another thread can use the critical section</a:t>
-            </a:r>
-            <a:endParaRPr lang="en-US" dirty="0"/>
-          </a:p>
-        </p:txBody>
-      </p:sp>
-      <p:sp>
-        <p:nvSpPr>
-          <p:cNvPr id="4" name="TextBox 3"/>
-          <p:cNvSpPr txBox="1"/>
-          <p:nvPr/>
-        </p:nvSpPr>
-        <p:spPr>
-          <a:xfrm>
-            <a:off x="304800" y="2610683"/>
-            <a:ext cx="8534400" cy="3970318"/>
-          </a:xfrm>
-          <a:prstGeom prst="rect">
-            <a:avLst/>
-          </a:prstGeom>
-          <a:noFill/>
-          <a:ln>
-            <a:solidFill>
-              <a:srgbClr val="FF0000"/>
-            </a:solidFill>
-          </a:ln>
-        </p:spPr>
-        <p:txBody>
-          <a:bodyPr wrap="square" rtlCol="0">
-            <a:spAutoFit/>
-          </a:bodyPr>
-          <a:lstStyle/>
-          <a:p>
-            <a:r>
-              <a:rPr lang="en-US" dirty="0" smtClean="0"/>
-              <a:t>while (TRUE)</a:t>
-            </a:r>
-          </a:p>
-          <a:p>
-            <a:r>
-              <a:rPr lang="en-US" dirty="0" smtClean="0"/>
-              <a:t>{</a:t>
-            </a:r>
-          </a:p>
-          <a:p>
-            <a:endParaRPr lang="en-US" dirty="0" smtClean="0"/>
-          </a:p>
-          <a:p>
-            <a:endParaRPr lang="en-US" dirty="0" smtClean="0"/>
-          </a:p>
-          <a:p>
-            <a:r>
-              <a:rPr lang="en-US" dirty="0" smtClean="0"/>
-              <a:t>            if (x &lt; 6)     // Thread 2 executes this  line</a:t>
-            </a:r>
-          </a:p>
-          <a:p>
-            <a:r>
-              <a:rPr lang="en-US" dirty="0" smtClean="0"/>
-              <a:t>                 x++;   //   while Thread 1 is executing this line</a:t>
-            </a:r>
-          </a:p>
-          <a:p>
-            <a:r>
-              <a:rPr lang="en-US" dirty="0" smtClean="0"/>
-              <a:t>           else </a:t>
-            </a:r>
-          </a:p>
-          <a:p>
-            <a:r>
-              <a:rPr lang="en-US" dirty="0" smtClean="0"/>
-              <a:t>                 </a:t>
-            </a:r>
-            <a:r>
-              <a:rPr lang="en-US" dirty="0" err="1" smtClean="0"/>
-              <a:t>printf</a:t>
-            </a:r>
-            <a:r>
-              <a:rPr lang="en-US" dirty="0" smtClean="0"/>
-              <a:t>(“x is out of range\n”); </a:t>
-            </a:r>
-          </a:p>
-          <a:p>
-            <a:endParaRPr lang="en-US" dirty="0" smtClean="0"/>
-          </a:p>
-          <a:p>
-            <a:r>
-              <a:rPr lang="en-US" dirty="0" smtClean="0"/>
-              <a:t>   </a:t>
-            </a:r>
-          </a:p>
-          <a:p>
-            <a:r>
-              <a:rPr lang="en-US" dirty="0" smtClean="0"/>
-              <a:t>         </a:t>
-            </a:r>
-          </a:p>
-          <a:p>
-            <a:r>
-              <a:rPr lang="en-US" dirty="0" smtClean="0"/>
-              <a:t>            Reminder section ;</a:t>
-            </a:r>
-          </a:p>
-          <a:p>
-            <a:endParaRPr lang="en-US" dirty="0" smtClean="0"/>
-          </a:p>
-          <a:p>
-            <a:r>
-              <a:rPr lang="en-US" dirty="0" smtClean="0"/>
-              <a:t>}</a:t>
-            </a:r>
-            <a:endParaRPr lang="en-US" dirty="0"/>
-          </a:p>
-        </p:txBody>
-      </p:sp>
-      <p:sp>
-        <p:nvSpPr>
-          <p:cNvPr id="5" name="Rectangle 4"/>
-          <p:cNvSpPr/>
-          <p:nvPr/>
-        </p:nvSpPr>
-        <p:spPr>
-          <a:xfrm>
-            <a:off x="990600" y="3276600"/>
-            <a:ext cx="3886200" cy="381000"/>
-          </a:xfrm>
-          <a:prstGeom prst="rect">
-            <a:avLst/>
-          </a:prstGeom>
-          <a:solidFill>
-            <a:srgbClr val="FF0000"/>
-          </a:solidFill>
-        </p:spPr>
-        <p:style>
-          <a:lnRef idx="2">
-            <a:schemeClr val="accent1">
-              <a:shade val="50000"/>
-            </a:schemeClr>
-          </a:lnRef>
-          <a:fillRef idx="1">
-            <a:schemeClr val="accent1"/>
-          </a:fillRef>
-          <a:effectRef idx="0">
-            <a:schemeClr val="accent1"/>
-          </a:effectRef>
-          <a:fontRef idx="minor">
-            <a:schemeClr val="lt1"/>
-          </a:fontRef>
-        </p:style>
-        <p:txBody>
-          <a:bodyPr rtlCol="0" anchor="ctr"/>
-          <a:lstStyle/>
-          <a:p>
-            <a:pPr algn="ctr"/>
-            <a:r>
-              <a:rPr lang="en-US" dirty="0" smtClean="0"/>
-              <a:t>Critical Section Entry  (grab the control)</a:t>
-            </a:r>
-            <a:endParaRPr lang="en-US" dirty="0"/>
-          </a:p>
-        </p:txBody>
-      </p:sp>
-      <p:sp>
-        <p:nvSpPr>
-          <p:cNvPr id="6" name="Rectangle 5"/>
-          <p:cNvSpPr/>
-          <p:nvPr/>
-        </p:nvSpPr>
-        <p:spPr>
-          <a:xfrm>
-            <a:off x="990600" y="5181600"/>
-            <a:ext cx="4267200" cy="381000"/>
-          </a:xfrm>
-          <a:prstGeom prst="rect">
-            <a:avLst/>
-          </a:prstGeom>
-          <a:solidFill>
-            <a:srgbClr val="FF0000"/>
-          </a:solidFill>
-        </p:spPr>
-        <p:style>
-          <a:lnRef idx="2">
-            <a:schemeClr val="accent1">
-              <a:shade val="50000"/>
-            </a:schemeClr>
-          </a:lnRef>
-          <a:fillRef idx="1">
-            <a:schemeClr val="accent1"/>
-          </a:fillRef>
-          <a:effectRef idx="0">
-            <a:schemeClr val="accent1"/>
-          </a:effectRef>
-          <a:fontRef idx="minor">
-            <a:schemeClr val="lt1"/>
-          </a:fontRef>
-        </p:style>
-        <p:txBody>
-          <a:bodyPr rtlCol="0" anchor="ctr"/>
-          <a:lstStyle/>
-          <a:p>
-            <a:pPr algn="ctr"/>
-            <a:r>
-              <a:rPr lang="en-US" dirty="0" smtClean="0"/>
-              <a:t>Critical Section exit (Release the control)</a:t>
             </a:r>
             <a:endParaRPr lang="en-US" dirty="0"/>
           </a:p>

--- a/RTOS-13 synchronization.pptx
+++ b/RTOS-13 synchronization.pptx
@@ -249,7 +249,7 @@
             <a:fld id="{2ACCEA9B-715E-4B93-8B89-8788E1530A12}" type="datetimeFigureOut">
               <a:rPr lang="en-US" smtClean="0"/>
               <a:pPr/>
-              <a:t>4/10/2017</a:t>
+              <a:t>4/14/2017</a:t>
             </a:fld>
             <a:endParaRPr lang="en-US"/>
           </a:p>
@@ -779,7 +779,7 @@
             <a:fld id="{64ED5D24-8FBA-458C-9868-C5185627A5A5}" type="datetimeFigureOut">
               <a:rPr lang="en-US" smtClean="0"/>
               <a:pPr/>
-              <a:t>4/10/2017</a:t>
+              <a:t>4/14/2017</a:t>
             </a:fld>
             <a:endParaRPr lang="en-US"/>
           </a:p>
@@ -946,7 +946,7 @@
             <a:fld id="{64ED5D24-8FBA-458C-9868-C5185627A5A5}" type="datetimeFigureOut">
               <a:rPr lang="en-US" smtClean="0"/>
               <a:pPr/>
-              <a:t>4/10/2017</a:t>
+              <a:t>4/14/2017</a:t>
             </a:fld>
             <a:endParaRPr lang="en-US"/>
           </a:p>
@@ -1123,7 +1123,7 @@
             <a:fld id="{64ED5D24-8FBA-458C-9868-C5185627A5A5}" type="datetimeFigureOut">
               <a:rPr lang="en-US" smtClean="0"/>
               <a:pPr/>
-              <a:t>4/10/2017</a:t>
+              <a:t>4/14/2017</a:t>
             </a:fld>
             <a:endParaRPr lang="en-US"/>
           </a:p>
@@ -1290,7 +1290,7 @@
             <a:fld id="{64ED5D24-8FBA-458C-9868-C5185627A5A5}" type="datetimeFigureOut">
               <a:rPr lang="en-US" smtClean="0"/>
               <a:pPr/>
-              <a:t>4/10/2017</a:t>
+              <a:t>4/14/2017</a:t>
             </a:fld>
             <a:endParaRPr lang="en-US"/>
           </a:p>
@@ -1533,7 +1533,7 @@
             <a:fld id="{64ED5D24-8FBA-458C-9868-C5185627A5A5}" type="datetimeFigureOut">
               <a:rPr lang="en-US" smtClean="0"/>
               <a:pPr/>
-              <a:t>4/10/2017</a:t>
+              <a:t>4/14/2017</a:t>
             </a:fld>
             <a:endParaRPr lang="en-US"/>
           </a:p>
@@ -1818,7 +1818,7 @@
             <a:fld id="{64ED5D24-8FBA-458C-9868-C5185627A5A5}" type="datetimeFigureOut">
               <a:rPr lang="en-US" smtClean="0"/>
               <a:pPr/>
-              <a:t>4/10/2017</a:t>
+              <a:t>4/14/2017</a:t>
             </a:fld>
             <a:endParaRPr lang="en-US"/>
           </a:p>
@@ -2237,7 +2237,7 @@
             <a:fld id="{64ED5D24-8FBA-458C-9868-C5185627A5A5}" type="datetimeFigureOut">
               <a:rPr lang="en-US" smtClean="0"/>
               <a:pPr/>
-              <a:t>4/10/2017</a:t>
+              <a:t>4/14/2017</a:t>
             </a:fld>
             <a:endParaRPr lang="en-US"/>
           </a:p>
@@ -2352,7 +2352,7 @@
             <a:fld id="{64ED5D24-8FBA-458C-9868-C5185627A5A5}" type="datetimeFigureOut">
               <a:rPr lang="en-US" smtClean="0"/>
               <a:pPr/>
-              <a:t>4/10/2017</a:t>
+              <a:t>4/14/2017</a:t>
             </a:fld>
             <a:endParaRPr lang="en-US"/>
           </a:p>
@@ -2444,7 +2444,7 @@
             <a:fld id="{64ED5D24-8FBA-458C-9868-C5185627A5A5}" type="datetimeFigureOut">
               <a:rPr lang="en-US" smtClean="0"/>
               <a:pPr/>
-              <a:t>4/10/2017</a:t>
+              <a:t>4/14/2017</a:t>
             </a:fld>
             <a:endParaRPr lang="en-US"/>
           </a:p>
@@ -2718,7 +2718,7 @@
             <a:fld id="{64ED5D24-8FBA-458C-9868-C5185627A5A5}" type="datetimeFigureOut">
               <a:rPr lang="en-US" smtClean="0"/>
               <a:pPr/>
-              <a:t>4/10/2017</a:t>
+              <a:t>4/14/2017</a:t>
             </a:fld>
             <a:endParaRPr lang="en-US"/>
           </a:p>
@@ -2968,7 +2968,7 @@
             <a:fld id="{64ED5D24-8FBA-458C-9868-C5185627A5A5}" type="datetimeFigureOut">
               <a:rPr lang="en-US" smtClean="0"/>
               <a:pPr/>
-              <a:t>4/10/2017</a:t>
+              <a:t>4/14/2017</a:t>
             </a:fld>
             <a:endParaRPr lang="en-US"/>
           </a:p>
@@ -3196,7 +3196,7 @@
             <a:fld id="{64ED5D24-8FBA-458C-9868-C5185627A5A5}" type="datetimeFigureOut">
               <a:rPr lang="en-US" smtClean="0"/>
               <a:pPr/>
-              <a:t>4/10/2017</a:t>
+              <a:t>4/14/2017</a:t>
             </a:fld>
             <a:endParaRPr lang="en-US"/>
           </a:p>
@@ -7496,11 +7496,7 @@
           <a:p>
             <a:r>
               <a:rPr lang="en-US" sz="2000" dirty="0" smtClean="0"/>
-              <a:t>v</a:t>
-            </a:r>
-            <a:r>
-              <a:rPr lang="en-US" sz="2000" dirty="0" smtClean="0"/>
-              <a:t>oid </a:t>
+              <a:t>void </a:t>
             </a:r>
             <a:r>
               <a:rPr lang="en-US" sz="2000" dirty="0" err="1" smtClean="0"/>
@@ -7709,11 +7705,7 @@
             <a:pPr algn="just"/>
             <a:r>
               <a:rPr lang="en-US" dirty="0" smtClean="0"/>
-              <a:t>Semaphore based  synchronization control is effective provided the programmer does not make any mistakes while writing the code. This assumption does not  hold good always. However knowledgeable the programmer is there are rooms for errors when  working with semaphores. The programming errors which caused by semaphores are really hard to detect as they do not happens always,  which makes them hard to reproduce and fix. </a:t>
-            </a:r>
-            <a:r>
-              <a:rPr lang="en-US" dirty="0" smtClean="0"/>
-              <a:t> </a:t>
+              <a:t>Semaphore based  synchronization control is effective provided the programmer does not make any mistakes while writing the code. This assumption does not  hold good always. However knowledgeable the programmer is there are rooms for errors when  working with semaphores. The programming errors which caused by semaphores are really hard to detect as they do not happens always,  which makes them hard to reproduce and fix.  </a:t>
             </a:r>
           </a:p>
           <a:p>
@@ -7742,23 +7734,7 @@
             </a:r>
             <a:r>
               <a:rPr lang="en-US" dirty="0" smtClean="0"/>
-              <a:t> </a:t>
-            </a:r>
-            <a:r>
-              <a:rPr lang="en-US" dirty="0" smtClean="0"/>
-              <a:t>Hansen and </a:t>
-            </a:r>
-            <a:r>
-              <a:rPr lang="en-US" dirty="0" smtClean="0"/>
-              <a:t>C. A. R. Hoare</a:t>
-            </a:r>
-            <a:r>
-              <a:rPr lang="en-US" dirty="0" smtClean="0"/>
-              <a:t>, </a:t>
-            </a:r>
-            <a:r>
-              <a:rPr lang="en-US" dirty="0" smtClean="0"/>
-              <a:t>and were first implemented in </a:t>
+              <a:t> Hansen and C. A. R. Hoare, and were first implemented in </a:t>
             </a:r>
             <a:r>
               <a:rPr lang="en-US" dirty="0" err="1" smtClean="0"/>
@@ -7766,11 +7742,7 @@
             </a:r>
             <a:r>
               <a:rPr lang="en-US" dirty="0" smtClean="0"/>
-              <a:t> Hansen's Concurrent Pascal </a:t>
-            </a:r>
-            <a:r>
-              <a:rPr lang="en-US" dirty="0" smtClean="0"/>
-              <a:t>language.</a:t>
+              <a:t> Hansen's Concurrent Pascal language.</a:t>
             </a:r>
           </a:p>
           <a:p>
@@ -7781,7 +7753,6 @@
               <a:rPr lang="en-US" dirty="0" smtClean="0"/>
               <a:t>Today this is available in  JAVA as a feature.</a:t>
             </a:r>
-            <a:endParaRPr lang="en-US" dirty="0" smtClean="0"/>
           </a:p>
           <a:p>
             <a:endParaRPr lang="en-US" dirty="0"/>
@@ -7925,41 +7896,8 @@
             <a:pPr algn="just"/>
             <a:r>
               <a:rPr lang="en-US" sz="2400" dirty="0" smtClean="0"/>
-              <a:t>The monitor type </a:t>
-            </a:r>
-            <a:r>
-              <a:rPr lang="en-US" sz="2400" dirty="0" smtClean="0"/>
-              <a:t> contains </a:t>
-            </a:r>
-            <a:r>
-              <a:rPr lang="en-US" sz="2400" dirty="0" smtClean="0"/>
-              <a:t>the declaration of variables </a:t>
-            </a:r>
-            <a:r>
-              <a:rPr lang="en-US" sz="2400" dirty="0" smtClean="0"/>
-              <a:t>whose values </a:t>
-            </a:r>
-            <a:r>
-              <a:rPr lang="en-US" sz="2400" dirty="0" smtClean="0"/>
-              <a:t>define the state of an instance of that type, along with the bodies </a:t>
-            </a:r>
-            <a:r>
-              <a:rPr lang="en-US" sz="2400" dirty="0" smtClean="0"/>
-              <a:t>of procedures </a:t>
-            </a:r>
-            <a:r>
-              <a:rPr lang="en-US" sz="2400" dirty="0" smtClean="0"/>
-              <a:t>or functions that operate on those variables</a:t>
-            </a:r>
-            <a:r>
-              <a:rPr lang="en-US" sz="2400" dirty="0" smtClean="0"/>
-              <a:t>.</a:t>
-            </a:r>
-            <a:r>
-              <a:rPr lang="en-US" sz="2400" dirty="0" smtClean="0"/>
-              <a:t>  </a:t>
-            </a:r>
-            <a:endParaRPr lang="en-US" sz="2400" dirty="0" smtClean="0"/>
+              <a:t>The monitor type  contains the declaration of variables whose values define the state of an instance of that type, along with the bodies of procedures or functions that operate on those variables.  </a:t>
+            </a:r>
           </a:p>
           <a:p>
             <a:pPr algn="just"/>
@@ -7969,11 +7907,7 @@
             <a:pPr algn="just"/>
             <a:r>
               <a:rPr lang="en-US" sz="2400" dirty="0" smtClean="0"/>
-              <a:t>A </a:t>
-            </a:r>
-            <a:r>
-              <a:rPr lang="en-US" sz="2400" dirty="0" smtClean="0"/>
-              <a:t>monitor is an instance of a class that can be used safely by several threads. All the methods of a monitor are executed with mutual exclusion. So at most one thread can execute a method of the monitor at the same time. This mutual exclusion policy makes easier to work with monitor and to develop the method content of the monitor.</a:t>
+              <a:t>A monitor is an instance of a class that can be used safely by several threads. All the methods of a monitor are executed with mutual exclusion. So at most one thread can execute a method of the monitor at the same time. This mutual exclusion policy makes easier to work with monitor and to develop the method content of the monitor.</a:t>
             </a:r>
             <a:endParaRPr lang="en-US" sz="2400" dirty="0"/>
           </a:p>
@@ -8239,7 +8173,6 @@
               <a:rPr lang="en-US" i="1" dirty="0" smtClean="0"/>
               <a:t>&lt;monitor name&gt;</a:t>
             </a:r>
-            <a:endParaRPr lang="en-US" i="1" dirty="0" smtClean="0"/>
           </a:p>
           <a:p>
             <a:r>
@@ -8250,25 +8183,13 @@
           <a:p>
             <a:r>
               <a:rPr lang="en-US" i="1" dirty="0" smtClean="0"/>
-              <a:t>      II </a:t>
-            </a:r>
-            <a:r>
-              <a:rPr lang="en-US" i="1" dirty="0" smtClean="0"/>
-              <a:t>shared variable declarations</a:t>
-            </a:r>
-          </a:p>
-          <a:p>
-            <a:r>
-              <a:rPr lang="en-US" dirty="0" smtClean="0"/>
-              <a:t>      procedure </a:t>
-            </a:r>
-            <a:r>
-              <a:rPr lang="en-US" dirty="0" smtClean="0"/>
-              <a:t>P1 ( . . . </a:t>
-            </a:r>
-            <a:r>
-              <a:rPr lang="en-US" dirty="0" smtClean="0"/>
-              <a:t>)</a:t>
+              <a:t>      II shared variable declarations</a:t>
+            </a:r>
+          </a:p>
+          <a:p>
+            <a:r>
+              <a:rPr lang="en-US" dirty="0" smtClean="0"/>
+              <a:t>      procedure P1 ( . . . )</a:t>
             </a:r>
           </a:p>
           <a:p>
@@ -8288,27 +8209,17 @@
               <a:rPr lang="en-US" dirty="0" smtClean="0"/>
               <a:t>             …………..…………..</a:t>
             </a:r>
-            <a:endParaRPr lang="en-US" dirty="0" smtClean="0"/>
           </a:p>
           <a:p>
             <a:r>
               <a:rPr lang="en-US" dirty="0" smtClean="0"/>
               <a:t>       }</a:t>
             </a:r>
-            <a:endParaRPr lang="en-US" dirty="0" smtClean="0"/>
-          </a:p>
-          <a:p>
-            <a:r>
-              <a:rPr lang="en-US" dirty="0" smtClean="0"/>
-              <a:t>       procedure </a:t>
-            </a:r>
-            <a:r>
-              <a:rPr lang="en-US" dirty="0" smtClean="0"/>
-              <a:t>P2 ( . . . </a:t>
-            </a:r>
-            <a:r>
-              <a:rPr lang="en-US" dirty="0" smtClean="0"/>
-              <a:t>)</a:t>
+          </a:p>
+          <a:p>
+            <a:r>
+              <a:rPr lang="en-US" dirty="0" smtClean="0"/>
+              <a:t>       procedure P2 ( . . . )</a:t>
             </a:r>
           </a:p>
           <a:p>
@@ -8328,14 +8239,12 @@
               <a:rPr lang="en-US" dirty="0" smtClean="0"/>
               <a:t>            ………………………….</a:t>
             </a:r>
-            <a:endParaRPr lang="en-US" dirty="0" smtClean="0"/>
           </a:p>
           <a:p>
             <a:r>
               <a:rPr lang="en-US" dirty="0" smtClean="0"/>
               <a:t>       }</a:t>
             </a:r>
-            <a:endParaRPr lang="en-US" dirty="0" smtClean="0"/>
           </a:p>
           <a:p>
             <a:r>
@@ -8348,11 +8257,7 @@
             </a:r>
             <a:r>
               <a:rPr lang="en-US" dirty="0" smtClean="0"/>
-              <a:t> ( . . . </a:t>
-            </a:r>
-            <a:r>
-              <a:rPr lang="en-US" dirty="0" smtClean="0"/>
-              <a:t>)</a:t>
+              <a:t> ( . . . )</a:t>
             </a:r>
           </a:p>
           <a:p>
@@ -8364,31 +8269,20 @@
           <a:p>
             <a:r>
               <a:rPr lang="en-US" dirty="0" smtClean="0"/>
-              <a:t> </a:t>
-            </a:r>
-            <a:r>
-              <a:rPr lang="en-US" dirty="0" smtClean="0"/>
-              <a:t>           ………………………..</a:t>
-            </a:r>
-            <a:endParaRPr lang="en-US" dirty="0" smtClean="0"/>
+              <a:t>            ………………………..</a:t>
+            </a:r>
           </a:p>
           <a:p>
             <a:r>
               <a:rPr lang="en-US" dirty="0" smtClean="0"/>
               <a:t>       }</a:t>
             </a:r>
-            <a:endParaRPr lang="en-US" dirty="0" smtClean="0"/>
-          </a:p>
-          <a:p>
-            <a:r>
-              <a:rPr lang="en-US" dirty="0" smtClean="0"/>
-              <a:t>       initialization </a:t>
-            </a:r>
-            <a:r>
-              <a:rPr lang="en-US" dirty="0" smtClean="0"/>
-              <a:t>code ( . . . ) </a:t>
-            </a:r>
-            <a:endParaRPr lang="en-US" dirty="0" smtClean="0"/>
+          </a:p>
+          <a:p>
+            <a:r>
+              <a:rPr lang="en-US" dirty="0" smtClean="0"/>
+              <a:t>       initialization code ( . . . ) </a:t>
+            </a:r>
           </a:p>
           <a:p>
             <a:r>
@@ -8399,11 +8293,7 @@
           <a:p>
             <a:r>
               <a:rPr lang="en-US" dirty="0" smtClean="0"/>
-              <a:t> </a:t>
-            </a:r>
-            <a:r>
-              <a:rPr lang="en-US" dirty="0" smtClean="0"/>
-              <a:t>           …………………………….</a:t>
+              <a:t>            …………………………….</a:t>
             </a:r>
           </a:p>
           <a:p>
@@ -8411,14 +8301,12 @@
               <a:rPr lang="en-US" dirty="0" smtClean="0"/>
               <a:t>            ……………………………..</a:t>
             </a:r>
-            <a:endParaRPr lang="en-US" dirty="0" smtClean="0"/>
           </a:p>
           <a:p>
             <a:r>
               <a:rPr lang="en-US" dirty="0" smtClean="0"/>
               <a:t>       }</a:t>
             </a:r>
-            <a:endParaRPr lang="en-US" dirty="0" smtClean="0"/>
           </a:p>
           <a:p>
             <a:r>
@@ -8507,27 +8395,7 @@
             <a:pPr algn="just"/>
             <a:r>
               <a:rPr lang="en-US" dirty="0" smtClean="0"/>
-              <a:t>The monitor construct ensures that only one process at a time is </a:t>
-            </a:r>
-            <a:r>
-              <a:rPr lang="en-US" dirty="0" smtClean="0"/>
-              <a:t>active within </a:t>
-            </a:r>
-            <a:r>
-              <a:rPr lang="en-US" dirty="0" smtClean="0"/>
-              <a:t>the monitor. Consequently, the programmer does not need to </a:t>
-            </a:r>
-            <a:r>
-              <a:rPr lang="en-US" dirty="0" smtClean="0"/>
-              <a:t>code  this </a:t>
-            </a:r>
-            <a:r>
-              <a:rPr lang="en-US" dirty="0" smtClean="0"/>
-              <a:t>synchronization constraint </a:t>
-            </a:r>
-            <a:r>
-              <a:rPr lang="en-US" dirty="0" smtClean="0"/>
-              <a:t>explicitly.</a:t>
+              <a:t>The monitor construct ensures that only one process at a time is active within the monitor. Consequently, the programmer does not need to code  this synchronization constraint explicitly.</a:t>
             </a:r>
           </a:p>
           <a:p>
@@ -8665,97 +8533,91 @@
               <a:rPr lang="en-US" sz="1600" dirty="0" smtClean="0"/>
               <a:t>() </a:t>
             </a:r>
+          </a:p>
+          <a:p>
+            <a:r>
+              <a:rPr lang="en-US" sz="1600" dirty="0" smtClean="0"/>
+              <a:t>   {</a:t>
+            </a:r>
+          </a:p>
+          <a:p>
+            <a:r>
+              <a:rPr lang="en-US" sz="1600" dirty="0" smtClean="0"/>
+              <a:t>        </a:t>
+            </a:r>
+            <a:r>
+              <a:rPr lang="en-US" sz="1600" dirty="0" err="1" smtClean="0"/>
+              <a:t>lock.lock</a:t>
+            </a:r>
+            <a:r>
+              <a:rPr lang="en-US" sz="1600" dirty="0" smtClean="0"/>
+              <a:t>();</a:t>
+            </a:r>
+          </a:p>
+          <a:p>
             <a:endParaRPr lang="en-US" sz="1600" dirty="0" smtClean="0"/>
           </a:p>
           <a:p>
+            <a:r>
+              <a:rPr lang="en-US" sz="1600" dirty="0" smtClean="0"/>
+              <a:t>        try {</a:t>
+            </a:r>
+          </a:p>
+          <a:p>
+            <a:r>
+              <a:rPr lang="en-US" sz="1600" dirty="0" smtClean="0"/>
+              <a:t>            //Some code</a:t>
+            </a:r>
+          </a:p>
+          <a:p>
+            <a:r>
+              <a:rPr lang="en-US" sz="1600" dirty="0" smtClean="0"/>
+              <a:t>        } finally {</a:t>
+            </a:r>
+          </a:p>
+          <a:p>
+            <a:r>
+              <a:rPr lang="en-US" sz="1600" dirty="0" smtClean="0"/>
+              <a:t>            </a:t>
+            </a:r>
+            <a:r>
+              <a:rPr lang="en-US" sz="1600" dirty="0" err="1" smtClean="0"/>
+              <a:t>lock.unlock</a:t>
+            </a:r>
+            <a:r>
+              <a:rPr lang="en-US" sz="1600" dirty="0" smtClean="0"/>
+              <a:t>();</a:t>
+            </a:r>
+          </a:p>
+          <a:p>
+            <a:r>
+              <a:rPr lang="en-US" sz="1600" dirty="0" smtClean="0"/>
+              <a:t>        }</a:t>
+            </a:r>
+          </a:p>
+          <a:p>
+            <a:r>
+              <a:rPr lang="en-US" sz="1600" dirty="0" smtClean="0"/>
+              <a:t>    }</a:t>
+            </a:r>
+          </a:p>
+          <a:p>
+            <a:endParaRPr lang="en-US" sz="1600" dirty="0" smtClean="0"/>
+          </a:p>
+          <a:p>
+            <a:r>
+              <a:rPr lang="en-US" sz="1600" dirty="0" smtClean="0"/>
+              <a:t>    public </a:t>
+            </a:r>
+            <a:r>
+              <a:rPr lang="en-US" sz="1600" dirty="0" err="1" smtClean="0"/>
+              <a:t>int</a:t>
+            </a:r>
             <a:r>
               <a:rPr lang="en-US" sz="1600" dirty="0" smtClean="0"/>
               <a:t> </a:t>
             </a:r>
             <a:r>
-              <a:rPr lang="en-US" sz="1600" dirty="0" smtClean="0"/>
-              <a:t>  {</a:t>
-            </a:r>
-            <a:endParaRPr lang="en-US" sz="1600" dirty="0" smtClean="0"/>
-          </a:p>
-          <a:p>
-            <a:r>
-              <a:rPr lang="en-US" sz="1600" dirty="0" smtClean="0"/>
-              <a:t>        </a:t>
-            </a:r>
-            <a:r>
-              <a:rPr lang="en-US" sz="1600" dirty="0" err="1" smtClean="0"/>
-              <a:t>lock.lock</a:t>
-            </a:r>
-            <a:r>
-              <a:rPr lang="en-US" sz="1600" dirty="0" smtClean="0"/>
-              <a:t>();</a:t>
-            </a:r>
-          </a:p>
-          <a:p>
-            <a:endParaRPr lang="en-US" sz="1600" dirty="0" smtClean="0"/>
-          </a:p>
-          <a:p>
-            <a:r>
-              <a:rPr lang="en-US" sz="1600" dirty="0" smtClean="0"/>
-              <a:t>        try {</a:t>
-            </a:r>
-          </a:p>
-          <a:p>
-            <a:r>
-              <a:rPr lang="en-US" sz="1600" dirty="0" smtClean="0"/>
-              <a:t>            //Some code</a:t>
-            </a:r>
-          </a:p>
-          <a:p>
-            <a:r>
-              <a:rPr lang="en-US" sz="1600" dirty="0" smtClean="0"/>
-              <a:t>        } finally {</a:t>
-            </a:r>
-          </a:p>
-          <a:p>
-            <a:r>
-              <a:rPr lang="en-US" sz="1600" dirty="0" smtClean="0"/>
-              <a:t>            </a:t>
-            </a:r>
-            <a:r>
-              <a:rPr lang="en-US" sz="1600" dirty="0" err="1" smtClean="0"/>
-              <a:t>lock.unlock</a:t>
-            </a:r>
-            <a:r>
-              <a:rPr lang="en-US" sz="1600" dirty="0" smtClean="0"/>
-              <a:t>();</a:t>
-            </a:r>
-          </a:p>
-          <a:p>
-            <a:r>
-              <a:rPr lang="en-US" sz="1600" dirty="0" smtClean="0"/>
-              <a:t>        }</a:t>
-            </a:r>
-          </a:p>
-          <a:p>
-            <a:r>
-              <a:rPr lang="en-US" sz="1600" dirty="0" smtClean="0"/>
-              <a:t>    }</a:t>
-            </a:r>
-          </a:p>
-          <a:p>
-            <a:endParaRPr lang="en-US" sz="1600" dirty="0" smtClean="0"/>
-          </a:p>
-          <a:p>
-            <a:r>
-              <a:rPr lang="en-US" sz="1600" dirty="0" smtClean="0"/>
-              <a:t>    public </a:t>
-            </a:r>
-            <a:r>
-              <a:rPr lang="en-US" sz="1600" dirty="0" err="1" smtClean="0"/>
-              <a:t>int</a:t>
-            </a:r>
-            <a:r>
-              <a:rPr lang="en-US" sz="1600" dirty="0" smtClean="0"/>
-              <a:t> </a:t>
-            </a:r>
-            <a:r>
               <a:rPr lang="en-US" sz="1600" dirty="0" err="1" smtClean="0"/>
               <a:t>testB</a:t>
             </a:r>
@@ -8763,18 +8625,12 @@
               <a:rPr lang="en-US" sz="1600" dirty="0" smtClean="0"/>
               <a:t>() </a:t>
             </a:r>
-            <a:endParaRPr lang="en-US" sz="1600" dirty="0" smtClean="0"/>
           </a:p>
           <a:p>
             <a:r>
               <a:rPr lang="en-US" sz="1600" dirty="0" smtClean="0"/>
-              <a:t> </a:t>
-            </a:r>
-            <a:r>
-              <a:rPr lang="en-US" sz="1600" dirty="0" smtClean="0"/>
-              <a:t>  {</a:t>
-            </a:r>
-            <a:endParaRPr lang="en-US" sz="1600" dirty="0" smtClean="0"/>
+              <a:t>   {</a:t>
+            </a:r>
           </a:p>
           <a:p>
             <a:r>
@@ -8953,23 +8809,7 @@
           <a:p>
             <a:r>
               <a:rPr lang="en-US" dirty="0" smtClean="0"/>
-              <a:t>    private final </a:t>
-            </a:r>
-            <a:r>
-              <a:rPr lang="en-US" dirty="0" smtClean="0"/>
-              <a:t>String</a:t>
-            </a:r>
-            <a:r>
-              <a:rPr lang="en-US" dirty="0" smtClean="0"/>
-              <a:t> </a:t>
-            </a:r>
-            <a:r>
-              <a:rPr lang="en-US" dirty="0" smtClean="0"/>
-              <a:t> </a:t>
-            </a:r>
-            <a:r>
-              <a:rPr lang="en-US" dirty="0" smtClean="0"/>
-              <a:t>buffer;</a:t>
+              <a:t>    private final String  buffer;</a:t>
             </a:r>
           </a:p>
           <a:p>
@@ -9192,13 +9032,8 @@
           <a:p>
             <a:r>
               <a:rPr lang="en-US" dirty="0" smtClean="0"/>
-              <a:t>        super</a:t>
-            </a:r>
-            <a:r>
-              <a:rPr lang="en-US" dirty="0" smtClean="0"/>
-              <a:t>();</a:t>
-            </a:r>
-            <a:endParaRPr lang="en-US" dirty="0" smtClean="0"/>
+              <a:t>        super();</a:t>
+            </a:r>
           </a:p>
           <a:p>
             <a:r>
@@ -9211,13 +9046,8 @@
             </a:r>
             <a:r>
               <a:rPr lang="en-US" dirty="0" smtClean="0"/>
-              <a:t> = capacity</a:t>
-            </a:r>
-            <a:r>
-              <a:rPr lang="en-US" dirty="0" smtClean="0"/>
-              <a:t>;</a:t>
-            </a:r>
-            <a:endParaRPr lang="en-US" dirty="0" smtClean="0"/>
+              <a:t> = capacity;</a:t>
+            </a:r>
           </a:p>
           <a:p>
             <a:r>
@@ -9240,11 +9070,7 @@
           <a:p>
             <a:r>
               <a:rPr lang="en-US" dirty="0" smtClean="0"/>
-              <a:t>public </a:t>
-            </a:r>
-            <a:r>
-              <a:rPr lang="en-US" dirty="0" smtClean="0"/>
-              <a:t>void deposit(String data) throws </a:t>
+              <a:t>public void deposit(String data) throws </a:t>
             </a:r>
             <a:r>
               <a:rPr lang="en-US" dirty="0" err="1" smtClean="0"/>
@@ -9254,18 +9080,12 @@
               <a:rPr lang="en-US" dirty="0" smtClean="0"/>
               <a:t> </a:t>
             </a:r>
-            <a:endParaRPr lang="en-US" dirty="0" smtClean="0"/>
-          </a:p>
-          <a:p>
-            <a:r>
-              <a:rPr lang="en-US" dirty="0" smtClean="0"/>
-              <a:t> </a:t>
-            </a:r>
-            <a:r>
-              <a:rPr lang="en-US" dirty="0" smtClean="0"/>
-              <a:t> {</a:t>
-            </a:r>
-            <a:endParaRPr lang="en-US" dirty="0" smtClean="0"/>
+          </a:p>
+          <a:p>
+            <a:r>
+              <a:rPr lang="en-US" dirty="0" smtClean="0"/>
+              <a:t>  {</a:t>
+            </a:r>
           </a:p>
           <a:p>
             <a:r>
@@ -9280,7 +9100,6 @@
               <a:rPr lang="en-US" dirty="0" smtClean="0"/>
               <a:t>();</a:t>
             </a:r>
-            <a:endParaRPr lang="en-US" dirty="0" smtClean="0"/>
           </a:p>
           <a:p>
             <a:r>
@@ -9311,13 +9130,8 @@
           <a:p>
             <a:r>
               <a:rPr lang="en-US" dirty="0" smtClean="0"/>
-              <a:t>            </a:t>
-            </a:r>
-            <a:r>
-              <a:rPr lang="en-US" dirty="0" smtClean="0"/>
-              <a:t>}</a:t>
-            </a:r>
-            <a:endParaRPr lang="en-US" dirty="0" smtClean="0"/>
+              <a:t>            }</a:t>
+            </a:r>
           </a:p>
           <a:p>
             <a:r>
@@ -9334,13 +9148,8 @@
           <a:p>
             <a:r>
               <a:rPr lang="en-US" dirty="0" smtClean="0"/>
-              <a:t>            count</a:t>
-            </a:r>
-            <a:r>
-              <a:rPr lang="en-US" dirty="0" smtClean="0"/>
-              <a:t>++;</a:t>
-            </a:r>
-            <a:endParaRPr lang="en-US" dirty="0" smtClean="0"/>
+              <a:t>            count++;</a:t>
+            </a:r>
           </a:p>
           <a:p>
             <a:r>
@@ -9385,13 +9194,8 @@
           <a:p>
             <a:r>
               <a:rPr lang="en-US" dirty="0" smtClean="0"/>
-              <a:t>    </a:t>
-            </a:r>
-            <a:r>
-              <a:rPr lang="en-US" dirty="0" smtClean="0"/>
-              <a:t>}</a:t>
-            </a:r>
-            <a:endParaRPr lang="en-US" dirty="0" smtClean="0"/>
+              <a:t>    }</a:t>
+            </a:r>
           </a:p>
         </p:txBody>
       </p:sp>
@@ -9453,14 +9257,12 @@
               <a:rPr lang="en-US" dirty="0" smtClean="0"/>
               <a:t> </a:t>
             </a:r>
-            <a:endParaRPr lang="en-US" dirty="0" smtClean="0"/>
           </a:p>
           <a:p>
             <a:r>
               <a:rPr lang="en-US" dirty="0" smtClean="0"/>
               <a:t>{</a:t>
             </a:r>
-            <a:endParaRPr lang="en-US" dirty="0" smtClean="0"/>
           </a:p>
           <a:p>
             <a:r>
@@ -9490,18 +9292,12 @@
               <a:rPr lang="en-US" dirty="0" smtClean="0"/>
               <a:t>            while (count == 0) </a:t>
             </a:r>
-            <a:endParaRPr lang="en-US" dirty="0" smtClean="0"/>
-          </a:p>
-          <a:p>
-            <a:r>
-              <a:rPr lang="en-US" dirty="0" smtClean="0"/>
-              <a:t> </a:t>
-            </a:r>
-            <a:r>
-              <a:rPr lang="en-US" dirty="0" smtClean="0"/>
-              <a:t>           {</a:t>
-            </a:r>
-            <a:endParaRPr lang="en-US" dirty="0" smtClean="0"/>
+          </a:p>
+          <a:p>
+            <a:r>
+              <a:rPr lang="en-US" dirty="0" smtClean="0"/>
+              <a:t>            {</a:t>
+            </a:r>
           </a:p>
           <a:p>
             <a:r>
@@ -9705,7 +9501,6 @@
               <a:rPr lang="en-US" dirty="0" smtClean="0"/>
               <a:t>{</a:t>
             </a:r>
-            <a:endParaRPr lang="en-US" dirty="0" smtClean="0"/>
           </a:p>
           <a:p>
             <a:r>
@@ -9718,49 +9513,25 @@
             </a:r>
             <a:r>
               <a:rPr lang="en-US" dirty="0" smtClean="0"/>
-              <a:t> </a:t>
-            </a:r>
-            <a:r>
-              <a:rPr lang="en-US" dirty="0" smtClean="0"/>
-              <a:t>{THINKING, HUNGRY, EATING} </a:t>
-            </a:r>
-            <a:r>
-              <a:rPr lang="en-US" dirty="0" smtClean="0"/>
-              <a:t>        </a:t>
-            </a:r>
-          </a:p>
-          <a:p>
-            <a:r>
-              <a:rPr lang="en-US" dirty="0" smtClean="0"/>
-              <a:t> </a:t>
-            </a:r>
-            <a:r>
-              <a:rPr lang="en-US" dirty="0" smtClean="0"/>
-              <a:t>    state[5</a:t>
-            </a:r>
-            <a:r>
-              <a:rPr lang="en-US" dirty="0" smtClean="0"/>
-              <a:t>];</a:t>
-            </a:r>
-          </a:p>
-          <a:p>
-            <a:r>
-              <a:rPr lang="en-US" dirty="0" smtClean="0"/>
-              <a:t>     condition </a:t>
-            </a:r>
-            <a:r>
-              <a:rPr lang="en-US" dirty="0" smtClean="0"/>
-              <a:t>self[5];</a:t>
-            </a:r>
-          </a:p>
-          <a:p>
-            <a:r>
-              <a:rPr lang="en-US" dirty="0" smtClean="0"/>
-              <a:t>    void </a:t>
-            </a:r>
-            <a:r>
-              <a:rPr lang="en-US" dirty="0" smtClean="0"/>
-              <a:t>pickup(</a:t>
+              <a:t> {THINKING, HUNGRY, EATING}         </a:t>
+            </a:r>
+          </a:p>
+          <a:p>
+            <a:r>
+              <a:rPr lang="en-US" dirty="0" smtClean="0"/>
+              <a:t>     state[5];</a:t>
+            </a:r>
+          </a:p>
+          <a:p>
+            <a:r>
+              <a:rPr lang="en-US" dirty="0" smtClean="0"/>
+              <a:t>     condition self[5];</a:t>
+            </a:r>
+          </a:p>
+          <a:p>
+            <a:r>
+              <a:rPr lang="en-US" dirty="0" smtClean="0"/>
+              <a:t>    void pickup(</a:t>
             </a:r>
             <a:r>
               <a:rPr lang="en-US" dirty="0" err="1" smtClean="0"/>
@@ -9782,15 +9553,7 @@
           <a:p>
             <a:r>
               <a:rPr lang="en-US" dirty="0" smtClean="0"/>
-              <a:t> </a:t>
-            </a:r>
-            <a:r>
-              <a:rPr lang="en-US" dirty="0" smtClean="0"/>
-              <a:t>  </a:t>
-            </a:r>
-            <a:r>
-              <a:rPr lang="en-US" dirty="0" smtClean="0"/>
-              <a:t>{</a:t>
+              <a:t>   {</a:t>
             </a:r>
           </a:p>
           <a:p>
@@ -9824,15 +9587,7 @@
           <a:p>
             <a:r>
               <a:rPr lang="en-US" dirty="0" smtClean="0"/>
-              <a:t> </a:t>
-            </a:r>
-            <a:r>
-              <a:rPr lang="en-US" dirty="0" smtClean="0"/>
-              <a:t>        if </a:t>
-            </a:r>
-            <a:r>
-              <a:rPr lang="en-US" dirty="0" smtClean="0"/>
-              <a:t>(state [</a:t>
+              <a:t>         if (state [</a:t>
             </a:r>
             <a:r>
               <a:rPr lang="en-US" dirty="0" err="1" smtClean="0"/>
@@ -9846,11 +9601,7 @@
           <a:p>
             <a:r>
               <a:rPr lang="en-US" dirty="0" smtClean="0"/>
-              <a:t>              self </a:t>
-            </a:r>
-            <a:r>
-              <a:rPr lang="en-US" dirty="0" smtClean="0"/>
-              <a:t>[</a:t>
+              <a:t>              self [</a:t>
             </a:r>
             <a:r>
               <a:rPr lang="en-US" dirty="0" err="1" smtClean="0"/>
@@ -9858,32 +9609,19 @@
             </a:r>
             <a:r>
               <a:rPr lang="en-US" dirty="0" smtClean="0"/>
-              <a:t>] . wait() </a:t>
-            </a:r>
-            <a:r>
-              <a:rPr lang="en-US" dirty="0" smtClean="0"/>
-              <a:t>;</a:t>
-            </a:r>
-          </a:p>
-          <a:p>
-            <a:r>
-              <a:rPr lang="en-US" dirty="0" smtClean="0"/>
-              <a:t> </a:t>
-            </a:r>
-            <a:r>
-              <a:rPr lang="en-US" dirty="0" smtClean="0"/>
-              <a:t>  }</a:t>
-            </a:r>
-            <a:endParaRPr lang="en-US" dirty="0" smtClean="0"/>
-          </a:p>
-          <a:p>
-            <a:r>
-              <a:rPr lang="en-US" dirty="0" smtClean="0"/>
-              <a:t>   void </a:t>
-            </a:r>
-            <a:r>
-              <a:rPr lang="en-US" dirty="0" smtClean="0"/>
-              <a:t>putdown(</a:t>
+              <a:t>] . wait() ;</a:t>
+            </a:r>
+          </a:p>
+          <a:p>
+            <a:r>
+              <a:rPr lang="en-US" dirty="0" smtClean="0"/>
+              <a:t>   }</a:t>
+            </a:r>
+          </a:p>
+          <a:p>
+            <a:r>
+              <a:rPr lang="en-US" dirty="0" smtClean="0"/>
+              <a:t>   void putdown(</a:t>
             </a:r>
             <a:r>
               <a:rPr lang="en-US" dirty="0" err="1" smtClean="0"/>
@@ -9907,7 +9645,6 @@
               <a:rPr lang="en-US" dirty="0" smtClean="0"/>
               <a:t>   {</a:t>
             </a:r>
-            <a:endParaRPr lang="en-US" dirty="0" smtClean="0"/>
           </a:p>
           <a:p>
             <a:r>
@@ -9926,11 +9663,7 @@
           <a:p>
             <a:r>
               <a:rPr lang="en-US" dirty="0" smtClean="0"/>
-              <a:t>      test</a:t>
-            </a:r>
-            <a:r>
-              <a:rPr lang="en-US" dirty="0" smtClean="0"/>
-              <a:t>((</a:t>
+              <a:t>      test((</a:t>
             </a:r>
             <a:r>
               <a:rPr lang="en-US" dirty="0" err="1" smtClean="0"/>
@@ -9944,11 +9677,7 @@
           <a:p>
             <a:r>
               <a:rPr lang="en-US" dirty="0" smtClean="0"/>
-              <a:t>      test</a:t>
-            </a:r>
-            <a:r>
-              <a:rPr lang="en-US" dirty="0" smtClean="0"/>
-              <a:t>((</a:t>
+              <a:t>      test((</a:t>
             </a:r>
             <a:r>
               <a:rPr lang="en-US" dirty="0" err="1" smtClean="0"/>
@@ -9964,7 +9693,6 @@
               <a:rPr lang="en-US" dirty="0" smtClean="0"/>
               <a:t>   }</a:t>
             </a:r>
-            <a:endParaRPr lang="en-US" dirty="0" smtClean="0"/>
           </a:p>
         </p:txBody>
       </p:sp>
@@ -10012,23 +9740,17 @@
               <a:rPr lang="en-US" dirty="0" smtClean="0"/>
               <a:t>) </a:t>
             </a:r>
-            <a:endParaRPr lang="en-US" dirty="0" smtClean="0"/>
           </a:p>
           <a:p>
             <a:r>
               <a:rPr lang="en-US" dirty="0" smtClean="0"/>
               <a:t>{</a:t>
             </a:r>
-            <a:endParaRPr lang="en-US" dirty="0" smtClean="0"/>
-          </a:p>
-          <a:p>
-            <a:r>
-              <a:rPr lang="en-US" dirty="0" smtClean="0"/>
-              <a:t>    if </a:t>
-            </a:r>
-            <a:r>
-              <a:rPr lang="en-US" dirty="0" smtClean="0"/>
-              <a:t>((state[(</a:t>
+          </a:p>
+          <a:p>
+            <a:r>
+              <a:rPr lang="en-US" dirty="0" smtClean="0"/>
+              <a:t>    if ((state[(</a:t>
             </a:r>
             <a:r>
               <a:rPr lang="en-US" dirty="0" err="1" smtClean="0"/>
@@ -10050,15 +9772,7 @@
             </a:r>
             <a:r>
               <a:rPr lang="en-US" dirty="0" smtClean="0"/>
-              <a:t>] ==HUNGRY) </a:t>
-            </a:r>
-            <a:r>
-              <a:rPr lang="en-US" dirty="0" smtClean="0"/>
-              <a:t>&amp;&amp; (</a:t>
-            </a:r>
-            <a:r>
-              <a:rPr lang="en-US" dirty="0" smtClean="0"/>
-              <a:t>state[(</a:t>
+              <a:t>] ==HUNGRY) &amp;&amp; (state[(</a:t>
             </a:r>
             <a:r>
               <a:rPr lang="en-US" dirty="0" err="1" smtClean="0"/>
@@ -10068,14 +9782,12 @@
               <a:rPr lang="en-US" dirty="0" smtClean="0"/>
               <a:t> + 1) % 5] !=EATING)) </a:t>
             </a:r>
-            <a:endParaRPr lang="en-US" dirty="0" smtClean="0"/>
           </a:p>
           <a:p>
             <a:r>
               <a:rPr lang="en-US" dirty="0" smtClean="0"/>
               <a:t>{</a:t>
             </a:r>
-            <a:endParaRPr lang="en-US" dirty="0" smtClean="0"/>
           </a:p>
           <a:p>
             <a:r>
@@ -10133,11 +9845,7 @@
           <a:p>
             <a:r>
               <a:rPr lang="en-US" dirty="0" smtClean="0"/>
-              <a:t> </a:t>
-            </a:r>
-            <a:r>
-              <a:rPr lang="en-US" dirty="0" smtClean="0"/>
-              <a:t>{</a:t>
+              <a:t> {</a:t>
             </a:r>
           </a:p>
           <a:p>
@@ -10210,11 +9918,7 @@
           <a:p>
             <a:r>
               <a:rPr lang="en-US" dirty="0" smtClean="0"/>
-              <a:t> </a:t>
-            </a:r>
-            <a:r>
-              <a:rPr lang="en-US" dirty="0" smtClean="0"/>
-              <a:t>    </a:t>
+              <a:t>     </a:t>
             </a:r>
             <a:r>
               <a:rPr lang="en-US" dirty="0" err="1" smtClean="0"/>
@@ -10238,7 +9942,6 @@
               <a:rPr lang="en-US" dirty="0" smtClean="0"/>
               <a:t>      ……….eat…………</a:t>
             </a:r>
-            <a:endParaRPr lang="en-US" dirty="0" smtClean="0"/>
           </a:p>
           <a:p>
             <a:r>
